--- a/DP02_Bridge_And_Composite_Pattern.pptx
+++ b/DP02_Bridge_And_Composite_Pattern.pptx
@@ -5,7 +5,7 @@
     <p:sldMasterId id="2147483660" r:id="rId1"/>
   </p:sldMasterIdLst>
   <p:notesMasterIdLst>
-    <p:notesMasterId r:id="rId27"/>
+    <p:notesMasterId r:id="rId28"/>
   </p:notesMasterIdLst>
   <p:sldIdLst>
     <p:sldId id="256" r:id="rId2"/>
@@ -21,18 +21,19 @@
     <p:sldId id="294" r:id="rId12"/>
     <p:sldId id="291" r:id="rId13"/>
     <p:sldId id="275" r:id="rId14"/>
-    <p:sldId id="263" r:id="rId15"/>
-    <p:sldId id="295" r:id="rId16"/>
-    <p:sldId id="296" r:id="rId17"/>
-    <p:sldId id="297" r:id="rId18"/>
-    <p:sldId id="298" r:id="rId19"/>
+    <p:sldId id="305" r:id="rId15"/>
+    <p:sldId id="263" r:id="rId16"/>
+    <p:sldId id="295" r:id="rId17"/>
+    <p:sldId id="296" r:id="rId18"/>
+    <p:sldId id="297" r:id="rId19"/>
     <p:sldId id="299" r:id="rId20"/>
-    <p:sldId id="300" r:id="rId21"/>
-    <p:sldId id="302" r:id="rId22"/>
-    <p:sldId id="301" r:id="rId23"/>
-    <p:sldId id="303" r:id="rId24"/>
-    <p:sldId id="264" r:id="rId25"/>
-    <p:sldId id="292" r:id="rId26"/>
+    <p:sldId id="298" r:id="rId21"/>
+    <p:sldId id="300" r:id="rId22"/>
+    <p:sldId id="302" r:id="rId23"/>
+    <p:sldId id="301" r:id="rId24"/>
+    <p:sldId id="303" r:id="rId25"/>
+    <p:sldId id="264" r:id="rId26"/>
+    <p:sldId id="292" r:id="rId27"/>
   </p:sldIdLst>
   <p:sldSz cx="12192000" cy="6858000"/>
   <p:notesSz cx="6858000" cy="9144000"/>
@@ -232,7 +233,7 @@
           <a:p>
             <a:fld id="{D795D247-86FA-4CE0-BE2D-7B42EFC4C75B}" type="datetimeFigureOut">
               <a:rPr lang="hu-HU" smtClean="0"/>
-              <a:t>2016.06.20.</a:t>
+              <a:t>2016.06.21.</a:t>
             </a:fld>
             <a:endParaRPr lang="hu-HU"/>
           </a:p>
@@ -544,116 +545,36 @@
           <a:lstStyle/>
           <a:p>
             <a:r>
-              <a:rPr lang="hu-HU" dirty="0" err="1"/>
-              <a:t>It</a:t>
-            </a:r>
-            <a:r>
-              <a:rPr lang="hu-HU" dirty="0"/>
-              <a:t> a </a:t>
-            </a:r>
-            <a:r>
-              <a:rPr lang="hu-HU" dirty="0" err="1"/>
-              <a:t>little</a:t>
-            </a:r>
-            <a:r>
-              <a:rPr lang="hu-HU" dirty="0"/>
-              <a:t> bit </a:t>
-            </a:r>
-            <a:r>
-              <a:rPr lang="hu-HU" dirty="0" err="1"/>
-              <a:t>hard</a:t>
-            </a:r>
-            <a:r>
-              <a:rPr lang="hu-HU" dirty="0"/>
-              <a:t> </a:t>
-            </a:r>
-            <a:r>
-              <a:rPr lang="hu-HU" dirty="0" err="1"/>
-              <a:t>to</a:t>
-            </a:r>
-            <a:r>
-              <a:rPr lang="hu-HU" dirty="0"/>
-              <a:t> </a:t>
-            </a:r>
-            <a:r>
-              <a:rPr lang="hu-HU" dirty="0" err="1"/>
-              <a:t>understand</a:t>
-            </a:r>
-            <a:r>
-              <a:rPr lang="hu-HU" baseline="0" dirty="0"/>
-              <a:t> </a:t>
-            </a:r>
-            <a:r>
-              <a:rPr lang="hu-HU" baseline="0" dirty="0" err="1"/>
-              <a:t>but</a:t>
-            </a:r>
-            <a:r>
-              <a:rPr lang="hu-HU" baseline="0" dirty="0"/>
-              <a:t> </a:t>
-            </a:r>
-            <a:r>
-              <a:rPr lang="hu-HU" baseline="0" dirty="0" err="1"/>
-              <a:t>we</a:t>
-            </a:r>
-            <a:r>
-              <a:rPr lang="hu-HU" baseline="0" dirty="0"/>
-              <a:t> </a:t>
-            </a:r>
-            <a:r>
-              <a:rPr lang="hu-HU" baseline="0" dirty="0" err="1"/>
-              <a:t>can</a:t>
-            </a:r>
-            <a:r>
-              <a:rPr lang="hu-HU" baseline="0" dirty="0"/>
-              <a:t> </a:t>
-            </a:r>
-            <a:r>
-              <a:rPr lang="hu-HU" baseline="0" dirty="0" err="1"/>
-              <a:t>break</a:t>
-            </a:r>
-            <a:r>
-              <a:rPr lang="hu-HU" baseline="0" dirty="0"/>
-              <a:t> </a:t>
-            </a:r>
-            <a:r>
-              <a:rPr lang="hu-HU" baseline="0" dirty="0" err="1"/>
+              <a:rPr lang="hu-HU" dirty="0"/>
+              <a:t>It </a:t>
+            </a:r>
+            <a:r>
+              <a:rPr lang="sv-SE" dirty="0"/>
+              <a:t>is </a:t>
+            </a:r>
+            <a:r>
+              <a:rPr lang="hu-HU" dirty="0"/>
+              <a:t>a little bit hard to understand</a:t>
+            </a:r>
+            <a:r>
+              <a:rPr lang="sv-SE" dirty="0"/>
+              <a:t> </a:t>
+            </a:r>
+            <a:r>
+              <a:rPr lang="sv-SE" dirty="0" err="1"/>
               <a:t>this</a:t>
             </a:r>
             <a:r>
-              <a:rPr lang="hu-HU" baseline="0" dirty="0"/>
-              <a:t> down </a:t>
-            </a:r>
-            <a:r>
-              <a:rPr lang="hu-HU" baseline="0" dirty="0" err="1"/>
-              <a:t>to</a:t>
-            </a:r>
-            <a:r>
-              <a:rPr lang="hu-HU" baseline="0" dirty="0"/>
-              <a:t> </a:t>
-            </a:r>
-            <a:r>
-              <a:rPr lang="hu-HU" baseline="0" dirty="0" err="1"/>
-              <a:t>understand</a:t>
-            </a:r>
-            <a:r>
-              <a:rPr lang="hu-HU" baseline="0" dirty="0"/>
-              <a:t> </a:t>
-            </a:r>
-            <a:r>
-              <a:rPr lang="hu-HU" baseline="0" dirty="0" err="1"/>
-              <a:t>it</a:t>
-            </a:r>
-            <a:r>
-              <a:rPr lang="hu-HU" baseline="0" dirty="0"/>
-              <a:t> </a:t>
-            </a:r>
-            <a:r>
-              <a:rPr lang="hu-HU" baseline="0" dirty="0" err="1"/>
-              <a:t>better</a:t>
-            </a:r>
-            <a:r>
-              <a:rPr lang="hu-HU" baseline="0" dirty="0"/>
-              <a:t>.</a:t>
+              <a:rPr lang="sv-SE" dirty="0"/>
+              <a:t> </a:t>
+            </a:r>
+            <a:r>
+              <a:rPr lang="sv-SE" dirty="0" err="1"/>
+              <a:t>statement</a:t>
+            </a:r>
+            <a:r>
+              <a:rPr lang="hu-HU" baseline="0" dirty="0"/>
+              <a:t> but we can break this down to understand it better.</a:t>
             </a:r>
           </a:p>
           <a:p>
@@ -1723,44 +1644,272 @@
           <a:lstStyle/>
           <a:p>
             <a:r>
-              <a:rPr lang="sv-SE" b="1" dirty="0"/>
-              <a:t>Component</a:t>
+              <a:rPr lang="sv-SE" dirty="0" err="1"/>
+              <a:t>Lets</a:t>
             </a:r>
             <a:r>
               <a:rPr lang="sv-SE" dirty="0"/>
-              <a:t> is an interface. </a:t>
-            </a:r>
-            <a:endParaRPr lang="hu-HU" dirty="0"/>
-          </a:p>
-          <a:p>
-            <a:r>
-              <a:rPr lang="hu-HU" dirty="0"/>
-              <a:t>It declares the interface for objects in the composition.</a:t>
-            </a:r>
-          </a:p>
-          <a:p>
-            <a:r>
-              <a:rPr lang="hu-HU" dirty="0"/>
-              <a:t>It also</a:t>
-            </a:r>
-            <a:r>
-              <a:rPr lang="hu-HU" baseline="0" dirty="0"/>
-              <a:t> declares the interface for accessing and managing its child components.</a:t>
-            </a:r>
-            <a:endParaRPr lang="hu-HU" dirty="0"/>
-          </a:p>
-          <a:p>
+              <a:t> </a:t>
+            </a:r>
+            <a:r>
+              <a:rPr lang="sv-SE" dirty="0" err="1"/>
+              <a:t>say</a:t>
+            </a:r>
             <a:r>
               <a:rPr lang="sv-SE" dirty="0"/>
-              <a:t>Component </a:t>
+              <a:t> </a:t>
             </a:r>
             <a:r>
               <a:rPr lang="sv-SE" dirty="0" err="1"/>
+              <a:t>we</a:t>
+            </a:r>
+            <a:r>
+              <a:rPr lang="sv-SE" dirty="0"/>
+              <a:t> </a:t>
+            </a:r>
+            <a:r>
+              <a:rPr lang="sv-SE" dirty="0" err="1"/>
+              <a:t>would</a:t>
+            </a:r>
+            <a:r>
+              <a:rPr lang="sv-SE" dirty="0"/>
+              <a:t> like to</a:t>
+            </a:r>
+            <a:r>
+              <a:rPr lang="sv-SE" baseline="0" dirty="0"/>
+              <a:t> </a:t>
+            </a:r>
+            <a:r>
+              <a:rPr lang="sv-SE" baseline="0" dirty="0" err="1"/>
+              <a:t>have</a:t>
+            </a:r>
+            <a:r>
+              <a:rPr lang="sv-SE" baseline="0" dirty="0"/>
+              <a:t> a program </a:t>
+            </a:r>
+            <a:r>
+              <a:rPr lang="sv-SE" baseline="0" dirty="0" err="1"/>
+              <a:t>which</a:t>
+            </a:r>
+            <a:r>
+              <a:rPr lang="sv-SE" baseline="0" dirty="0"/>
+              <a:t> Draws different </a:t>
+            </a:r>
+            <a:r>
+              <a:rPr lang="sv-SE" baseline="0" dirty="0" err="1"/>
+              <a:t>things</a:t>
+            </a:r>
+            <a:r>
+              <a:rPr lang="sv-SE" baseline="0" dirty="0"/>
+              <a:t> to the </a:t>
+            </a:r>
+            <a:r>
+              <a:rPr lang="sv-SE" baseline="0" dirty="0" err="1"/>
+              <a:t>screen</a:t>
+            </a:r>
+            <a:r>
+              <a:rPr lang="sv-SE" baseline="0" dirty="0"/>
+              <a:t>(like </a:t>
+            </a:r>
+            <a:r>
+              <a:rPr lang="sv-SE" baseline="0" dirty="0" err="1"/>
+              <a:t>line</a:t>
+            </a:r>
+            <a:r>
+              <a:rPr lang="sv-SE" baseline="0" dirty="0"/>
+              <a:t>, </a:t>
+            </a:r>
+            <a:r>
+              <a:rPr lang="sv-SE" baseline="0" dirty="0" err="1"/>
+              <a:t>circle</a:t>
+            </a:r>
+            <a:r>
+              <a:rPr lang="sv-SE" baseline="0" dirty="0"/>
+              <a:t>, box and </a:t>
+            </a:r>
+            <a:r>
+              <a:rPr lang="sv-SE" baseline="0" dirty="0" err="1"/>
+              <a:t>triangle</a:t>
+            </a:r>
+            <a:r>
+              <a:rPr lang="sv-SE" baseline="0" dirty="0"/>
+              <a:t>).</a:t>
+            </a:r>
+          </a:p>
+          <a:p>
+            <a:endParaRPr lang="sv-SE" dirty="0"/>
+          </a:p>
+          <a:p>
+            <a:r>
+              <a:rPr lang="en-US" sz="1200" b="0" i="0" u="none" strike="noStrike" kern="1200" baseline="0" dirty="0">
+                <a:solidFill>
+                  <a:schemeClr val="tx1"/>
+                </a:solidFill>
+                <a:latin typeface="+mn-lt"/>
+                <a:ea typeface="+mn-ea"/>
+                <a:cs typeface="+mn-cs"/>
+              </a:rPr>
+              <a:t>The following diagram shows a typical composite object structure of recursively</a:t>
+            </a:r>
+          </a:p>
+          <a:p>
+            <a:r>
+              <a:rPr lang="sv-SE" sz="1200" b="0" i="0" u="none" strike="noStrike" kern="1200" baseline="0" dirty="0" err="1">
+                <a:solidFill>
+                  <a:schemeClr val="tx1"/>
+                </a:solidFill>
+                <a:latin typeface="+mn-lt"/>
+                <a:ea typeface="+mn-ea"/>
+                <a:cs typeface="+mn-cs"/>
+              </a:rPr>
+              <a:t>composed</a:t>
+            </a:r>
+            <a:r>
+              <a:rPr lang="sv-SE" sz="1200" b="0" i="0" u="none" strike="noStrike" kern="1200" baseline="0" dirty="0">
+                <a:solidFill>
+                  <a:schemeClr val="tx1"/>
+                </a:solidFill>
+                <a:latin typeface="+mn-lt"/>
+                <a:ea typeface="+mn-ea"/>
+                <a:cs typeface="+mn-cs"/>
+              </a:rPr>
+              <a:t> </a:t>
+            </a:r>
+            <a:r>
+              <a:rPr lang="sv-SE" sz="1200" b="0" i="0" u="none" strike="noStrike" kern="1200" baseline="0" dirty="0" err="1">
+                <a:solidFill>
+                  <a:schemeClr val="tx1"/>
+                </a:solidFill>
+                <a:latin typeface="+mn-lt"/>
+                <a:ea typeface="+mn-ea"/>
+                <a:cs typeface="+mn-cs"/>
+              </a:rPr>
+              <a:t>IDrawingComponent</a:t>
+            </a:r>
+            <a:r>
+              <a:rPr lang="sv-SE" sz="1200" b="0" i="0" u="none" strike="noStrike" kern="1200" baseline="0" dirty="0">
+                <a:solidFill>
+                  <a:schemeClr val="tx1"/>
+                </a:solidFill>
+                <a:latin typeface="+mn-lt"/>
+                <a:ea typeface="+mn-ea"/>
+                <a:cs typeface="+mn-cs"/>
+              </a:rPr>
+              <a:t> </a:t>
+            </a:r>
+            <a:r>
+              <a:rPr lang="sv-SE" sz="1200" b="0" i="0" u="none" strike="noStrike" kern="1200" baseline="0" dirty="0" err="1">
+                <a:solidFill>
+                  <a:schemeClr val="tx1"/>
+                </a:solidFill>
+                <a:latin typeface="+mn-lt"/>
+                <a:ea typeface="+mn-ea"/>
+                <a:cs typeface="+mn-cs"/>
+              </a:rPr>
+              <a:t>objects</a:t>
+            </a:r>
+            <a:endParaRPr lang="sv-SE" baseline="0" dirty="0"/>
+          </a:p>
+          <a:p>
+            <a:endParaRPr lang="sv-SE" dirty="0"/>
+          </a:p>
+          <a:p>
+            <a:endParaRPr lang="sv-SE" dirty="0"/>
+          </a:p>
+          <a:p>
+            <a:r>
+              <a:rPr lang="sv-SE" dirty="0" err="1"/>
+              <a:t>First</a:t>
+            </a:r>
+            <a:r>
+              <a:rPr lang="sv-SE" dirty="0"/>
+              <a:t> </a:t>
+            </a:r>
+            <a:r>
+              <a:rPr lang="sv-SE" dirty="0" err="1"/>
+              <a:t>thing</a:t>
+            </a:r>
+            <a:r>
+              <a:rPr lang="sv-SE" dirty="0"/>
+              <a:t> for the </a:t>
+            </a:r>
+            <a:r>
+              <a:rPr lang="sv-SE" dirty="0" err="1"/>
+              <a:t>composite</a:t>
+            </a:r>
+            <a:r>
+              <a:rPr lang="sv-SE" dirty="0"/>
+              <a:t> </a:t>
+            </a:r>
+            <a:r>
+              <a:rPr lang="sv-SE" dirty="0" err="1"/>
+              <a:t>pattern</a:t>
+            </a:r>
+            <a:r>
+              <a:rPr lang="sv-SE" dirty="0"/>
+              <a:t> is an</a:t>
+            </a:r>
+            <a:r>
+              <a:rPr lang="sv-SE" baseline="0" dirty="0"/>
+              <a:t> interface(</a:t>
+            </a:r>
+            <a:r>
+              <a:rPr lang="sv-SE" baseline="0" dirty="0" err="1"/>
+              <a:t>IDrawingComponent</a:t>
+            </a:r>
+            <a:r>
+              <a:rPr lang="sv-SE" baseline="0" dirty="0"/>
+              <a:t>) </a:t>
+            </a:r>
+            <a:r>
+              <a:rPr lang="sv-SE" baseline="0" dirty="0" err="1"/>
+              <a:t>which</a:t>
+            </a:r>
+            <a:r>
+              <a:rPr lang="sv-SE" baseline="0" dirty="0"/>
+              <a:t> the </a:t>
+            </a:r>
+            <a:r>
+              <a:rPr lang="sv-SE" baseline="0" dirty="0" err="1"/>
+              <a:t>Leaf</a:t>
+            </a:r>
+            <a:r>
+              <a:rPr lang="sv-SE" baseline="0" dirty="0"/>
+              <a:t> and the Composite </a:t>
+            </a:r>
+            <a:r>
+              <a:rPr lang="sv-SE" baseline="0" dirty="0" err="1"/>
               <a:t>will</a:t>
             </a:r>
             <a:r>
               <a:rPr lang="sv-SE" baseline="0" dirty="0"/>
               <a:t> </a:t>
+            </a:r>
+            <a:r>
+              <a:rPr lang="sv-SE" baseline="0" dirty="0" err="1"/>
+              <a:t>implement</a:t>
+            </a:r>
+            <a:r>
+              <a:rPr lang="sv-SE" baseline="0" dirty="0"/>
+              <a:t>.</a:t>
+            </a:r>
+          </a:p>
+          <a:p>
+            <a:r>
+              <a:rPr lang="sv-SE" baseline="0" dirty="0" err="1"/>
+              <a:t>We</a:t>
+            </a:r>
+            <a:r>
+              <a:rPr lang="sv-SE" baseline="0" dirty="0"/>
+              <a:t> </a:t>
+            </a:r>
+            <a:r>
+              <a:rPr lang="sv-SE" baseline="0" dirty="0" err="1"/>
+              <a:t>have</a:t>
+            </a:r>
+            <a:r>
+              <a:rPr lang="sv-SE" baseline="0" dirty="0"/>
+              <a:t> to </a:t>
             </a:r>
             <a:r>
               <a:rPr lang="sv-SE" baseline="0" dirty="0" err="1"/>
@@ -1768,6 +1917,149 @@
             </a:r>
             <a:r>
               <a:rPr lang="sv-SE" baseline="0" dirty="0"/>
+              <a:t> a Composite in the same </a:t>
+            </a:r>
+            <a:r>
+              <a:rPr lang="sv-SE" baseline="0" dirty="0" err="1"/>
+              <a:t>way</a:t>
+            </a:r>
+            <a:r>
+              <a:rPr lang="sv-SE" baseline="0" dirty="0"/>
+              <a:t>  as a </a:t>
+            </a:r>
+            <a:r>
+              <a:rPr lang="sv-SE" baseline="0" dirty="0" err="1"/>
+              <a:t>Leaf</a:t>
+            </a:r>
+            <a:r>
+              <a:rPr lang="sv-SE" baseline="0" dirty="0"/>
+              <a:t>.</a:t>
+            </a:r>
+          </a:p>
+          <a:p>
+            <a:endParaRPr lang="sv-SE" baseline="0" dirty="0"/>
+          </a:p>
+          <a:p>
+            <a:r>
+              <a:rPr lang="sv-SE" baseline="0" dirty="0" err="1"/>
+              <a:t>We</a:t>
+            </a:r>
+            <a:r>
+              <a:rPr lang="sv-SE" baseline="0" dirty="0"/>
+              <a:t> </a:t>
+            </a:r>
+            <a:r>
+              <a:rPr lang="sv-SE" baseline="0" dirty="0" err="1"/>
+              <a:t>can</a:t>
+            </a:r>
+            <a:r>
+              <a:rPr lang="sv-SE" baseline="0" dirty="0"/>
+              <a:t> </a:t>
+            </a:r>
+            <a:r>
+              <a:rPr lang="sv-SE" baseline="0" dirty="0" err="1"/>
+              <a:t>create</a:t>
+            </a:r>
+            <a:r>
+              <a:rPr lang="sv-SE" baseline="0" dirty="0"/>
+              <a:t> a </a:t>
+            </a:r>
+            <a:r>
+              <a:rPr lang="sv-SE" baseline="0" dirty="0" err="1"/>
+              <a:t>tree</a:t>
+            </a:r>
+            <a:r>
+              <a:rPr lang="sv-SE" baseline="0" dirty="0"/>
+              <a:t> as </a:t>
+            </a:r>
+            <a:r>
+              <a:rPr lang="sv-SE" baseline="0" dirty="0" err="1"/>
+              <a:t>many</a:t>
+            </a:r>
+            <a:r>
+              <a:rPr lang="sv-SE" baseline="0" dirty="0"/>
+              <a:t> </a:t>
+            </a:r>
+            <a:r>
+              <a:rPr lang="sv-SE" baseline="0" dirty="0" err="1"/>
+              <a:t>level</a:t>
+            </a:r>
+            <a:r>
+              <a:rPr lang="sv-SE" baseline="0" dirty="0"/>
+              <a:t> </a:t>
+            </a:r>
+            <a:r>
+              <a:rPr lang="sv-SE" baseline="0" dirty="0" err="1"/>
+              <a:t>of</a:t>
+            </a:r>
+            <a:r>
+              <a:rPr lang="sv-SE" baseline="0" dirty="0"/>
+              <a:t> </a:t>
+            </a:r>
+            <a:r>
+              <a:rPr lang="sv-SE" baseline="0" dirty="0" err="1"/>
+              <a:t>depth</a:t>
+            </a:r>
+            <a:r>
+              <a:rPr lang="sv-SE" baseline="0" dirty="0"/>
+              <a:t> as </a:t>
+            </a:r>
+            <a:r>
+              <a:rPr lang="sv-SE" baseline="0" dirty="0" err="1"/>
+              <a:t>we</a:t>
+            </a:r>
+            <a:r>
+              <a:rPr lang="sv-SE" baseline="0" dirty="0"/>
+              <a:t> </a:t>
+            </a:r>
+            <a:r>
+              <a:rPr lang="sv-SE" baseline="0" dirty="0" err="1"/>
+              <a:t>want</a:t>
+            </a:r>
+            <a:r>
+              <a:rPr lang="sv-SE" baseline="0" dirty="0"/>
+              <a:t>. The </a:t>
+            </a:r>
+            <a:r>
+              <a:rPr lang="sv-SE" baseline="0" dirty="0" err="1"/>
+              <a:t>logic</a:t>
+            </a:r>
+            <a:r>
+              <a:rPr lang="sv-SE" baseline="0" dirty="0"/>
+              <a:t> is still going to </a:t>
+            </a:r>
+            <a:r>
+              <a:rPr lang="sv-SE" baseline="0" dirty="0" err="1"/>
+              <a:t>work</a:t>
+            </a:r>
+            <a:r>
+              <a:rPr lang="sv-SE" baseline="0" dirty="0"/>
+              <a:t>.</a:t>
+            </a:r>
+          </a:p>
+          <a:p>
+            <a:r>
+              <a:rPr lang="sv-SE" baseline="0" dirty="0" err="1"/>
+              <a:t>We</a:t>
+            </a:r>
+            <a:r>
+              <a:rPr lang="sv-SE" baseline="0" dirty="0"/>
+              <a:t> </a:t>
+            </a:r>
+            <a:r>
+              <a:rPr lang="sv-SE" baseline="0" dirty="0" err="1"/>
+              <a:t>can</a:t>
+            </a:r>
+            <a:r>
+              <a:rPr lang="sv-SE" baseline="0" dirty="0"/>
+              <a:t> </a:t>
+            </a:r>
+            <a:r>
+              <a:rPr lang="sv-SE" baseline="0" dirty="0" err="1"/>
+              <a:t>treat</a:t>
+            </a:r>
+            <a:r>
+              <a:rPr lang="sv-SE" baseline="0" dirty="0"/>
               <a:t> the </a:t>
             </a:r>
             <a:r>
@@ -1776,7 +2068,39 @@
             </a:r>
             <a:r>
               <a:rPr lang="sv-SE" baseline="0" dirty="0"/>
-              <a:t> and the </a:t>
+              <a:t> as a </a:t>
+            </a:r>
+            <a:r>
+              <a:rPr lang="sv-SE" baseline="0" dirty="0" err="1"/>
+              <a:t>Leaf</a:t>
+            </a:r>
+            <a:r>
+              <a:rPr lang="sv-SE" baseline="0" dirty="0"/>
+              <a:t>. It </a:t>
+            </a:r>
+            <a:r>
+              <a:rPr lang="sv-SE" baseline="0" dirty="0" err="1"/>
+              <a:t>doesnt</a:t>
+            </a:r>
+            <a:r>
+              <a:rPr lang="sv-SE" baseline="0" dirty="0"/>
+              <a:t> </a:t>
+            </a:r>
+            <a:r>
+              <a:rPr lang="sv-SE" baseline="0" dirty="0" err="1"/>
+              <a:t>matter</a:t>
+            </a:r>
+            <a:r>
+              <a:rPr lang="sv-SE" baseline="0" dirty="0"/>
+              <a:t> </a:t>
+            </a:r>
+            <a:r>
+              <a:rPr lang="sv-SE" baseline="0" dirty="0" err="1"/>
+              <a:t>that</a:t>
+            </a:r>
+            <a:r>
+              <a:rPr lang="sv-SE" baseline="0" dirty="0"/>
+              <a:t> is it a </a:t>
             </a:r>
             <a:r>
               <a:rPr lang="sv-SE" baseline="0" dirty="0" err="1"/>
@@ -1784,98 +2108,6 @@
             </a:r>
             <a:r>
               <a:rPr lang="sv-SE" baseline="0" dirty="0"/>
-              <a:t> as the same.</a:t>
-            </a:r>
-          </a:p>
-          <a:p>
-            <a:endParaRPr lang="hu-HU" baseline="0" dirty="0"/>
-          </a:p>
-          <a:p>
-            <a:r>
-              <a:rPr lang="hu-HU" b="1" baseline="0" dirty="0"/>
-              <a:t>Leaf</a:t>
-            </a:r>
-            <a:r>
-              <a:rPr lang="hu-HU" baseline="0" dirty="0"/>
-              <a:t> represents leaf objects in the composition. Leaf has no child.</a:t>
-            </a:r>
-          </a:p>
-          <a:p>
-            <a:r>
-              <a:rPr lang="hu-HU" baseline="0" dirty="0"/>
-              <a:t>Leaf defines behaviour for primitive objects.</a:t>
-            </a:r>
-          </a:p>
-          <a:p>
-            <a:endParaRPr lang="hu-HU" baseline="0" dirty="0"/>
-          </a:p>
-          <a:p>
-            <a:r>
-              <a:rPr lang="sv-SE" b="1" baseline="0" dirty="0" err="1"/>
-              <a:t>Composit</a:t>
-            </a:r>
-            <a:r>
-              <a:rPr lang="hu-HU" b="1" baseline="0" dirty="0"/>
-              <a:t>e</a:t>
-            </a:r>
-            <a:r>
-              <a:rPr lang="sv-SE" b="1" baseline="0" dirty="0"/>
-              <a:t> </a:t>
-            </a:r>
-            <a:r>
-              <a:rPr lang="sv-SE" baseline="0" dirty="0" err="1"/>
-              <a:t>will</a:t>
-            </a:r>
-            <a:r>
-              <a:rPr lang="sv-SE" baseline="0" dirty="0"/>
-              <a:t> </a:t>
-            </a:r>
-            <a:r>
-              <a:rPr lang="sv-SE" baseline="0" dirty="0" err="1"/>
-              <a:t>contains</a:t>
-            </a:r>
-            <a:r>
-              <a:rPr lang="sv-SE" baseline="0" dirty="0"/>
-              <a:t> a list </a:t>
-            </a:r>
-            <a:r>
-              <a:rPr lang="sv-SE" baseline="0" dirty="0" err="1"/>
-              <a:t>of</a:t>
-            </a:r>
-            <a:r>
-              <a:rPr lang="sv-SE" baseline="0" dirty="0"/>
-              <a:t> </a:t>
-            </a:r>
-            <a:r>
-              <a:rPr lang="sv-SE" baseline="0" dirty="0" err="1"/>
-              <a:t>components</a:t>
-            </a:r>
-            <a:r>
-              <a:rPr lang="sv-SE" baseline="0" dirty="0"/>
-              <a:t>, </a:t>
-            </a:r>
-            <a:r>
-              <a:rPr lang="sv-SE" baseline="0" dirty="0" err="1"/>
-              <a:t>which</a:t>
-            </a:r>
-            <a:r>
-              <a:rPr lang="sv-SE" baseline="0" dirty="0"/>
-              <a:t> </a:t>
-            </a:r>
-            <a:r>
-              <a:rPr lang="sv-SE" baseline="0" dirty="0" err="1"/>
-              <a:t>can</a:t>
-            </a:r>
-            <a:r>
-              <a:rPr lang="sv-SE" baseline="0" dirty="0"/>
-              <a:t> be a </a:t>
-            </a:r>
-            <a:r>
-              <a:rPr lang="sv-SE" baseline="0" dirty="0" err="1"/>
-              <a:t>leaf</a:t>
-            </a:r>
-            <a:r>
-              <a:rPr lang="sv-SE" baseline="0" dirty="0"/>
               <a:t> or a </a:t>
             </a:r>
             <a:r>
@@ -1884,84 +2116,13 @@
             </a:r>
             <a:r>
               <a:rPr lang="sv-SE" baseline="0" dirty="0"/>
-              <a:t> as </a:t>
-            </a:r>
-            <a:r>
-              <a:rPr lang="sv-SE" baseline="0" dirty="0" err="1"/>
-              <a:t>well</a:t>
-            </a:r>
-            <a:r>
-              <a:rPr lang="sv-SE" baseline="0" dirty="0"/>
               <a:t>.</a:t>
             </a:r>
           </a:p>
           <a:p>
-            <a:r>
-              <a:rPr lang="sv-SE" baseline="0" dirty="0"/>
-              <a:t>Composite </a:t>
-            </a:r>
-            <a:r>
-              <a:rPr lang="sv-SE" baseline="0" dirty="0" err="1"/>
-              <a:t>needs</a:t>
-            </a:r>
-            <a:r>
-              <a:rPr lang="sv-SE" baseline="0" dirty="0"/>
-              <a:t> to </a:t>
-            </a:r>
-            <a:r>
-              <a:rPr lang="sv-SE" baseline="0" dirty="0" err="1"/>
-              <a:t>handle</a:t>
-            </a:r>
-            <a:r>
-              <a:rPr lang="sv-SE" baseline="0" dirty="0"/>
-              <a:t> </a:t>
-            </a:r>
-            <a:r>
-              <a:rPr lang="sv-SE" baseline="0" dirty="0" err="1"/>
-              <a:t>its</a:t>
-            </a:r>
-            <a:r>
-              <a:rPr lang="sv-SE" baseline="0" dirty="0"/>
-              <a:t> </a:t>
-            </a:r>
-            <a:r>
-              <a:rPr lang="sv-SE" baseline="0" dirty="0" err="1"/>
-              <a:t>children</a:t>
-            </a:r>
-            <a:r>
-              <a:rPr lang="hu-HU" baseline="0" dirty="0"/>
-              <a:t>, so it defines a behavior for components having children</a:t>
-            </a:r>
-            <a:r>
-              <a:rPr lang="sv-SE" baseline="0" dirty="0"/>
-              <a:t>.</a:t>
-            </a:r>
-            <a:endParaRPr lang="hu-HU" baseline="0" dirty="0"/>
-          </a:p>
-          <a:p>
-            <a:r>
-              <a:rPr lang="hu-HU" baseline="0" dirty="0"/>
-              <a:t>Stores child components.</a:t>
-            </a:r>
-          </a:p>
-          <a:p>
-            <a:r>
-              <a:rPr lang="hu-HU" baseline="0" dirty="0"/>
-              <a:t>Usually Composite will implement methods by delegating to the children.</a:t>
-            </a:r>
-          </a:p>
-          <a:p>
-            <a:endParaRPr lang="hu-HU" baseline="0" dirty="0"/>
-          </a:p>
-          <a:p>
-            <a:r>
-              <a:rPr lang="hu-HU" b="1" baseline="0" dirty="0"/>
-              <a:t>The client </a:t>
-            </a:r>
-            <a:r>
-              <a:rPr lang="hu-HU" baseline="0" dirty="0"/>
-              <a:t>simply uses the Component interface to manipulate the objects. Clients will treat all objects in the composite structure uniformly.</a:t>
-            </a:r>
+            <a:endParaRPr lang="sv-SE" baseline="0" dirty="0"/>
+          </a:p>
+          <a:p>
             <a:endParaRPr lang="sv-SE" dirty="0"/>
           </a:p>
         </p:txBody>
@@ -1983,7 +2144,7 @@
           <a:p>
             <a:fld id="{27C334D5-55AD-42ED-8491-40C1A78BB94C}" type="slidenum">
               <a:rPr lang="hu-HU" smtClean="0"/>
-              <a:t>19</a:t>
+              <a:t>20</a:t>
             </a:fld>
             <a:endParaRPr lang="hu-HU"/>
           </a:p>
@@ -1992,7 +2153,7 @@
     </p:spTree>
     <p:extLst>
       <p:ext uri="{BB962C8B-B14F-4D97-AF65-F5344CB8AC3E}">
-        <p14:creationId xmlns:p14="http://schemas.microsoft.com/office/powerpoint/2010/main" val="4161857565"/>
+        <p14:creationId xmlns:p14="http://schemas.microsoft.com/office/powerpoint/2010/main" val="975729413"/>
       </p:ext>
     </p:extLst>
   </p:cSld>
@@ -2106,7 +2267,7 @@
             </a:r>
             <a:r>
               <a:rPr lang="sv-SE" baseline="0" dirty="0" err="1"/>
-              <a:t>theat</a:t>
+              <a:t>treat</a:t>
             </a:r>
             <a:r>
               <a:rPr lang="sv-SE" baseline="0" dirty="0"/>
@@ -2122,54 +2283,6 @@
             </a:r>
             <a:r>
               <a:rPr lang="sv-SE" baseline="0" dirty="0" err="1"/>
-              <a:t>thats</a:t>
-            </a:r>
-            <a:r>
-              <a:rPr lang="sv-SE" baseline="0" dirty="0"/>
-              <a:t> going to </a:t>
-            </a:r>
-            <a:r>
-              <a:rPr lang="sv-SE" baseline="0" dirty="0" err="1"/>
-              <a:t>let</a:t>
-            </a:r>
-            <a:r>
-              <a:rPr lang="sv-SE" baseline="0" dirty="0"/>
-              <a:t> </a:t>
-            </a:r>
-            <a:r>
-              <a:rPr lang="sv-SE" baseline="0" dirty="0" err="1"/>
-              <a:t>me</a:t>
-            </a:r>
-            <a:r>
-              <a:rPr lang="sv-SE" baseline="0" dirty="0"/>
-              <a:t> </a:t>
-            </a:r>
-            <a:r>
-              <a:rPr lang="sv-SE" baseline="0" dirty="0" err="1"/>
-              <a:t>treat</a:t>
-            </a:r>
-            <a:r>
-              <a:rPr lang="sv-SE" baseline="0" dirty="0"/>
-              <a:t> </a:t>
-            </a:r>
-            <a:r>
-              <a:rPr lang="sv-SE" baseline="0" dirty="0" err="1"/>
-              <a:t>that</a:t>
-            </a:r>
-            <a:r>
-              <a:rPr lang="sv-SE" baseline="0" dirty="0"/>
-              <a:t> </a:t>
-            </a:r>
-            <a:r>
-              <a:rPr lang="sv-SE" baseline="0" dirty="0" err="1"/>
-              <a:t>group</a:t>
-            </a:r>
-            <a:r>
-              <a:rPr lang="sv-SE" baseline="0" dirty="0"/>
-              <a:t> </a:t>
-            </a:r>
-            <a:r>
-              <a:rPr lang="sv-SE" baseline="0" dirty="0" err="1"/>
               <a:t>of</a:t>
             </a:r>
             <a:r>
@@ -2182,7 +2295,7 @@
             </a:r>
             <a:r>
               <a:rPr lang="sv-SE" baseline="0" dirty="0"/>
-              <a:t> as </a:t>
+              <a:t> the same as </a:t>
             </a:r>
             <a:r>
               <a:rPr lang="sv-SE" baseline="0" dirty="0" err="1"/>
@@ -2204,10 +2317,7 @@
               <a:rPr lang="sv-SE" baseline="0" dirty="0" err="1"/>
               <a:t>thing</a:t>
             </a:r>
-            <a:r>
-              <a:rPr lang="sv-SE" baseline="0" dirty="0"/>
-              <a:t>.</a:t>
-            </a:r>
+            <a:endParaRPr lang="sv-SE" baseline="0" dirty="0"/>
           </a:p>
           <a:p>
             <a:r>
@@ -2301,7 +2411,7 @@
           <a:p>
             <a:fld id="{27C334D5-55AD-42ED-8491-40C1A78BB94C}" type="slidenum">
               <a:rPr lang="hu-HU" smtClean="0"/>
-              <a:t>20</a:t>
+              <a:t>21</a:t>
             </a:fld>
             <a:endParaRPr lang="hu-HU"/>
           </a:p>
@@ -2413,7 +2523,7 @@
           <a:p>
             <a:fld id="{27C334D5-55AD-42ED-8491-40C1A78BB94C}" type="slidenum">
               <a:rPr lang="hu-HU" smtClean="0"/>
-              <a:t>22</a:t>
+              <a:t>23</a:t>
             </a:fld>
             <a:endParaRPr lang="hu-HU"/>
           </a:p>
@@ -2500,59 +2610,263 @@
           <a:p>
             <a:r>
               <a:rPr lang="hu-HU" dirty="0"/>
-              <a:t>Here </a:t>
-            </a:r>
-            <a:r>
-              <a:rPr lang="hu-HU" dirty="0" err="1"/>
-              <a:t>are</a:t>
-            </a:r>
-            <a:r>
-              <a:rPr lang="hu-HU" dirty="0"/>
-              <a:t> </a:t>
-            </a:r>
-            <a:r>
-              <a:rPr lang="hu-HU" dirty="0" err="1"/>
-              <a:t>al</a:t>
-            </a:r>
-            <a:r>
-              <a:rPr lang="hu-HU" dirty="0"/>
-              <a:t> </a:t>
-            </a:r>
-            <a:r>
-              <a:rPr lang="hu-HU" dirty="0" err="1"/>
+              <a:t>Here are al the possible </a:t>
+            </a:r>
+            <a:r>
+              <a:rPr lang="sv-SE" dirty="0" err="1"/>
+              <a:t>meal</a:t>
+            </a:r>
+            <a:r>
+              <a:rPr lang="sv-SE" dirty="0"/>
+              <a:t> </a:t>
+            </a:r>
+            <a:r>
+              <a:rPr lang="hu-HU" baseline="0" dirty="0"/>
+              <a:t>that this burger house sell.</a:t>
+            </a:r>
+          </a:p>
+          <a:p>
+            <a:r>
+              <a:rPr lang="hu-HU" baseline="0" dirty="0"/>
+              <a:t>There is some duplication.</a:t>
+            </a:r>
+            <a:endParaRPr lang="sv-SE" baseline="0" dirty="0"/>
+          </a:p>
+          <a:p>
+            <a:r>
+              <a:rPr lang="sv-SE" baseline="0" dirty="0" err="1"/>
+              <a:t>This</a:t>
+            </a:r>
+            <a:r>
+              <a:rPr lang="sv-SE" baseline="0" dirty="0"/>
+              <a:t> is </a:t>
+            </a:r>
+            <a:r>
+              <a:rPr lang="sv-SE" baseline="0" dirty="0" err="1"/>
+              <a:t>similar</a:t>
+            </a:r>
+            <a:r>
+              <a:rPr lang="sv-SE" baseline="0" dirty="0"/>
+              <a:t> to </a:t>
+            </a:r>
+            <a:r>
+              <a:rPr lang="sv-SE" baseline="0" dirty="0" err="1"/>
+              <a:t>what</a:t>
+            </a:r>
+            <a:r>
+              <a:rPr lang="sv-SE" baseline="0" dirty="0"/>
+              <a:t> </a:t>
+            </a:r>
+            <a:r>
+              <a:rPr lang="sv-SE" baseline="0" dirty="0" err="1"/>
+              <a:t>we</a:t>
+            </a:r>
+            <a:r>
+              <a:rPr lang="sv-SE" baseline="0" dirty="0"/>
+              <a:t> do in the </a:t>
+            </a:r>
+            <a:r>
+              <a:rPr lang="sv-SE" baseline="0" dirty="0" err="1"/>
+              <a:t>code</a:t>
+            </a:r>
+            <a:r>
+              <a:rPr lang="sv-SE" baseline="0" dirty="0"/>
+              <a:t>, </a:t>
+            </a:r>
+            <a:r>
+              <a:rPr lang="sv-SE" baseline="0" dirty="0" err="1"/>
+              <a:t>you</a:t>
+            </a:r>
+            <a:r>
+              <a:rPr lang="sv-SE" baseline="0" dirty="0"/>
+              <a:t> </a:t>
+            </a:r>
+            <a:r>
+              <a:rPr lang="sv-SE" baseline="0" dirty="0" err="1"/>
+              <a:t>can</a:t>
+            </a:r>
+            <a:r>
+              <a:rPr lang="sv-SE" baseline="0" dirty="0"/>
+              <a:t> </a:t>
+            </a:r>
+            <a:r>
+              <a:rPr lang="sv-SE" baseline="0" dirty="0" err="1"/>
+              <a:t>think</a:t>
+            </a:r>
+            <a:r>
+              <a:rPr lang="sv-SE" baseline="0" dirty="0"/>
+              <a:t> </a:t>
+            </a:r>
+            <a:r>
+              <a:rPr lang="sv-SE" baseline="0" dirty="0" err="1"/>
+              <a:t>about</a:t>
+            </a:r>
+            <a:r>
+              <a:rPr lang="sv-SE" baseline="0" dirty="0"/>
+              <a:t> the </a:t>
+            </a:r>
+            <a:r>
+              <a:rPr lang="hu-HU" dirty="0"/>
+              <a:t>Abstraction as </a:t>
+            </a:r>
+            <a:r>
+              <a:rPr lang="sv-SE" dirty="0"/>
               <a:t>the</a:t>
             </a:r>
             <a:r>
               <a:rPr lang="hu-HU" dirty="0"/>
-              <a:t> </a:t>
-            </a:r>
-            <a:r>
-              <a:rPr lang="hu-HU" dirty="0" err="1"/>
-              <a:t>possible</a:t>
-            </a:r>
-            <a:r>
-              <a:rPr lang="hu-HU" dirty="0"/>
-              <a:t> </a:t>
-            </a:r>
-            <a:r>
-              <a:rPr lang="hu-HU" dirty="0" err="1"/>
-              <a:t>items</a:t>
-            </a:r>
-            <a:r>
-              <a:rPr lang="hu-HU" baseline="0" dirty="0"/>
-              <a:t> </a:t>
-            </a:r>
-            <a:r>
-              <a:rPr lang="hu-HU" baseline="0" dirty="0" err="1"/>
+              <a:t> burger, </a:t>
+            </a:r>
+            <a:r>
+              <a:rPr lang="sv-SE" dirty="0"/>
+              <a:t>and </a:t>
+            </a:r>
+            <a:r>
+              <a:rPr lang="sv-SE" dirty="0" err="1"/>
+              <a:t>you</a:t>
+            </a:r>
+            <a:r>
+              <a:rPr lang="sv-SE" dirty="0"/>
+              <a:t> </a:t>
+            </a:r>
+            <a:r>
+              <a:rPr lang="sv-SE" dirty="0" err="1"/>
+              <a:t>can</a:t>
+            </a:r>
+            <a:r>
+              <a:rPr lang="sv-SE" dirty="0"/>
+              <a:t> </a:t>
+            </a:r>
+            <a:r>
+              <a:rPr lang="sv-SE" dirty="0" err="1"/>
+              <a:t>think</a:t>
+            </a:r>
+            <a:r>
+              <a:rPr lang="sv-SE" dirty="0"/>
+              <a:t> </a:t>
+            </a:r>
+            <a:r>
+              <a:rPr lang="sv-SE" dirty="0" err="1"/>
+              <a:t>about</a:t>
+            </a:r>
+            <a:r>
+              <a:rPr lang="sv-SE" dirty="0"/>
+              <a:t> the </a:t>
+            </a:r>
+            <a:r>
+              <a:rPr lang="hu-HU" dirty="0"/>
+              <a:t>implementation </a:t>
+            </a:r>
+            <a:r>
+              <a:rPr lang="sv-SE" dirty="0"/>
+              <a:t>as</a:t>
+            </a:r>
+            <a:r>
+              <a:rPr lang="hu-HU" dirty="0"/>
+              <a:t> the combo, we have two</a:t>
+            </a:r>
+            <a:r>
+              <a:rPr lang="hu-HU" baseline="0" dirty="0"/>
+              <a:t> implementations here.</a:t>
+            </a:r>
+          </a:p>
+          <a:p>
+            <a:r>
+              <a:rPr lang="hu-HU" baseline="0" dirty="0" err="1"/>
+              <a:t>Fry</a:t>
+            </a:r>
+            <a:r>
+              <a:rPr lang="hu-HU" baseline="0" dirty="0"/>
+              <a:t> and </a:t>
+            </a:r>
+            <a:r>
+              <a:rPr lang="hu-HU" baseline="0" dirty="0" err="1"/>
+              <a:t>drink</a:t>
+            </a:r>
+            <a:r>
+              <a:rPr lang="hu-HU" baseline="0" dirty="0"/>
+              <a:t> </a:t>
+            </a:r>
+            <a:r>
+              <a:rPr lang="hu-HU" baseline="0" dirty="0" err="1"/>
+              <a:t>or</a:t>
+            </a:r>
+            <a:r>
+              <a:rPr lang="hu-HU" baseline="0" dirty="0"/>
+              <a:t> </a:t>
+            </a:r>
+            <a:r>
+              <a:rPr lang="hu-HU" baseline="0" dirty="0" err="1"/>
+              <a:t>the</a:t>
+            </a:r>
+            <a:r>
+              <a:rPr lang="hu-HU" baseline="0" dirty="0"/>
+              <a:t> </a:t>
+            </a:r>
+            <a:r>
+              <a:rPr lang="hu-HU" baseline="0" dirty="0" err="1"/>
+              <a:t>veggy</a:t>
+            </a:r>
+            <a:r>
+              <a:rPr lang="hu-HU" baseline="0" dirty="0"/>
+              <a:t> and </a:t>
+            </a:r>
+            <a:r>
+              <a:rPr lang="hu-HU" baseline="0" dirty="0" err="1"/>
+              <a:t>milk</a:t>
+            </a:r>
+            <a:endParaRPr lang="hu-HU" baseline="0" dirty="0"/>
+          </a:p>
+          <a:p>
+            <a:r>
+              <a:rPr lang="sv-SE" baseline="0" dirty="0"/>
+              <a:t>The </a:t>
+            </a:r>
+            <a:r>
+              <a:rPr lang="sv-SE" baseline="0" dirty="0" err="1"/>
+              <a:t>concept</a:t>
+            </a:r>
+            <a:r>
+              <a:rPr lang="sv-SE" baseline="0" dirty="0"/>
+              <a:t> is </a:t>
+            </a:r>
+            <a:r>
+              <a:rPr lang="sv-SE" baseline="0" dirty="0" err="1"/>
               <a:t>that</a:t>
             </a:r>
             <a:r>
-              <a:rPr lang="hu-HU" baseline="0" dirty="0"/>
-              <a:t> </a:t>
-            </a:r>
-            <a:r>
-              <a:rPr lang="hu-HU" baseline="0" dirty="0" err="1"/>
-              <a:t>this</a:t>
+              <a:rPr lang="sv-SE" baseline="0" dirty="0"/>
+              <a:t> </a:t>
+            </a:r>
+            <a:r>
+              <a:rPr lang="hu-HU" baseline="0" dirty="0"/>
+              <a:t>We are selling the meal not the burger.</a:t>
+            </a:r>
+          </a:p>
+          <a:p>
+            <a:r>
+              <a:rPr lang="hu-HU" baseline="0" dirty="0"/>
+              <a:t>What happens if we introduce a new combo meal, we have to create 4 new menu items. </a:t>
+            </a:r>
+            <a:r>
+              <a:rPr lang="hu-HU" baseline="0" dirty="0" err="1"/>
+              <a:t>If</a:t>
+            </a:r>
+            <a:r>
+              <a:rPr lang="hu-HU" baseline="0" dirty="0"/>
+              <a:t> </a:t>
+            </a:r>
+            <a:r>
+              <a:rPr lang="hu-HU" baseline="0" dirty="0" err="1"/>
+              <a:t>we</a:t>
+            </a:r>
+            <a:r>
+              <a:rPr lang="hu-HU" baseline="0" dirty="0"/>
+              <a:t> add a </a:t>
+            </a:r>
+            <a:r>
+              <a:rPr lang="hu-HU" baseline="0" dirty="0" err="1"/>
+              <a:t>new</a:t>
             </a:r>
             <a:r>
               <a:rPr lang="hu-HU" baseline="0" dirty="0"/>
@@ -2564,522 +2878,182 @@
             </a:r>
             <a:r>
               <a:rPr lang="hu-HU" baseline="0" dirty="0"/>
-              <a:t> house </a:t>
-            </a:r>
-            <a:r>
-              <a:rPr lang="hu-HU" baseline="0" dirty="0" err="1"/>
-              <a:t>sell</a:t>
-            </a:r>
-            <a:r>
-              <a:rPr lang="hu-HU" baseline="0" dirty="0"/>
+              <a:t> </a:t>
+            </a:r>
+            <a:r>
+              <a:rPr lang="hu-HU" baseline="0" dirty="0" err="1"/>
+              <a:t>we</a:t>
+            </a:r>
+            <a:r>
+              <a:rPr lang="hu-HU" baseline="0" dirty="0"/>
+              <a:t> </a:t>
+            </a:r>
+            <a:r>
+              <a:rPr lang="hu-HU" baseline="0" dirty="0" err="1"/>
+              <a:t>need</a:t>
+            </a:r>
+            <a:r>
+              <a:rPr lang="hu-HU" baseline="0" dirty="0"/>
+              <a:t> </a:t>
+            </a:r>
+            <a:r>
+              <a:rPr lang="hu-HU" baseline="0" dirty="0" err="1"/>
+              <a:t>to</a:t>
+            </a:r>
+            <a:r>
+              <a:rPr lang="hu-HU" baseline="0" dirty="0"/>
+              <a:t> add 4 </a:t>
+            </a:r>
+            <a:r>
+              <a:rPr lang="hu-HU" baseline="0" dirty="0" err="1"/>
+              <a:t>new</a:t>
+            </a:r>
+            <a:r>
+              <a:rPr lang="hu-HU" baseline="0" dirty="0"/>
+              <a:t> </a:t>
+            </a:r>
+            <a:r>
+              <a:rPr lang="hu-HU" baseline="0" dirty="0" err="1"/>
+              <a:t>menu</a:t>
+            </a:r>
+            <a:r>
+              <a:rPr lang="hu-HU" baseline="0" dirty="0"/>
+              <a:t> </a:t>
+            </a:r>
+            <a:r>
+              <a:rPr lang="hu-HU" baseline="0" dirty="0" err="1"/>
+              <a:t>item</a:t>
+            </a:r>
+            <a:r>
+              <a:rPr lang="hu-HU" baseline="0" dirty="0"/>
+              <a:t>. Or if we change..</a:t>
+            </a:r>
+            <a:endParaRPr lang="sv-SE" baseline="0" dirty="0"/>
+          </a:p>
+          <a:p>
+            <a:endParaRPr lang="sv-SE" baseline="0" dirty="0"/>
+          </a:p>
+          <a:p>
+            <a:pPr marL="0" marR="0" indent="0" algn="l" defTabSz="914400" rtl="0" eaLnBrk="1" fontAlgn="auto" latinLnBrk="0" hangingPunct="1">
+              <a:lnSpc>
+                <a:spcPct val="100000"/>
+              </a:lnSpc>
+              <a:spcBef>
+                <a:spcPts val="0"/>
+              </a:spcBef>
+              <a:spcAft>
+                <a:spcPts val="0"/>
+              </a:spcAft>
+              <a:buClrTx/>
+              <a:buSzTx/>
+              <a:buFontTx/>
+              <a:buNone/>
+              <a:tabLst/>
+              <a:defRPr/>
+            </a:pPr>
+            <a:r>
+              <a:rPr lang="hu-HU" baseline="0" dirty="0"/>
+              <a:t>We </a:t>
+            </a:r>
+            <a:r>
+              <a:rPr lang="sv-SE" baseline="0" dirty="0" err="1"/>
+              <a:t>should</a:t>
+            </a:r>
+            <a:r>
+              <a:rPr lang="sv-SE" baseline="0" dirty="0"/>
+              <a:t> </a:t>
+            </a:r>
+            <a:r>
+              <a:rPr lang="sv-SE" baseline="0" dirty="0" err="1"/>
+              <a:t>separate</a:t>
+            </a:r>
+            <a:r>
+              <a:rPr lang="sv-SE" baseline="0" dirty="0"/>
+              <a:t> </a:t>
+            </a:r>
+            <a:r>
+              <a:rPr lang="sv-SE" baseline="0" dirty="0" err="1"/>
+              <a:t>these</a:t>
+            </a:r>
+            <a:r>
+              <a:rPr lang="sv-SE" baseline="0" dirty="0"/>
+              <a:t> </a:t>
+            </a:r>
+            <a:r>
+              <a:rPr lang="sv-SE" baseline="0" dirty="0" err="1"/>
+              <a:t>two</a:t>
+            </a:r>
+            <a:r>
+              <a:rPr lang="sv-SE" baseline="0" dirty="0"/>
+              <a:t> </a:t>
+            </a:r>
+            <a:r>
+              <a:rPr lang="hu-HU" baseline="0" dirty="0"/>
+              <a:t>concepts.</a:t>
+            </a:r>
+            <a:r>
+              <a:rPr lang="sv-SE" baseline="0" dirty="0"/>
+              <a:t> On the </a:t>
+            </a:r>
+            <a:r>
+              <a:rPr lang="sv-SE" baseline="0" dirty="0" err="1"/>
+              <a:t>next</a:t>
+            </a:r>
+            <a:r>
+              <a:rPr lang="sv-SE" baseline="0" dirty="0"/>
+              <a:t> </a:t>
+            </a:r>
+            <a:r>
+              <a:rPr lang="sv-SE" baseline="0" dirty="0" err="1"/>
+              <a:t>slide</a:t>
+            </a:r>
+            <a:r>
+              <a:rPr lang="sv-SE" baseline="0" dirty="0"/>
+              <a:t> </a:t>
+            </a:r>
+            <a:r>
+              <a:rPr lang="sv-SE" baseline="0" dirty="0" err="1"/>
+              <a:t>we</a:t>
+            </a:r>
+            <a:r>
+              <a:rPr lang="sv-SE" baseline="0" dirty="0"/>
+              <a:t> </a:t>
+            </a:r>
+            <a:r>
+              <a:rPr lang="sv-SE" baseline="0" dirty="0" err="1"/>
+              <a:t>can</a:t>
+            </a:r>
+            <a:r>
+              <a:rPr lang="sv-SE" baseline="0" dirty="0"/>
+              <a:t> </a:t>
+            </a:r>
+            <a:r>
+              <a:rPr lang="sv-SE" baseline="0" dirty="0" err="1"/>
+              <a:t>see</a:t>
+            </a:r>
+            <a:r>
+              <a:rPr lang="sv-SE" baseline="0" dirty="0"/>
+              <a:t> a </a:t>
+            </a:r>
+            <a:r>
+              <a:rPr lang="sv-SE" baseline="0" dirty="0" err="1"/>
+              <a:t>simplified</a:t>
+            </a:r>
+            <a:r>
+              <a:rPr lang="sv-SE" baseline="0" dirty="0"/>
+              <a:t> </a:t>
+            </a:r>
+            <a:r>
+              <a:rPr lang="sv-SE" baseline="0" dirty="0" err="1"/>
+              <a:t>menu</a:t>
+            </a:r>
+            <a:r>
+              <a:rPr lang="sv-SE" baseline="0" dirty="0"/>
               <a:t>.</a:t>
             </a:r>
-          </a:p>
-          <a:p>
-            <a:r>
-              <a:rPr lang="hu-HU" baseline="0" dirty="0" err="1"/>
-              <a:t>There</a:t>
-            </a:r>
-            <a:r>
-              <a:rPr lang="hu-HU" baseline="0" dirty="0"/>
-              <a:t> is </a:t>
-            </a:r>
-            <a:r>
-              <a:rPr lang="hu-HU" baseline="0" dirty="0" err="1"/>
-              <a:t>some</a:t>
-            </a:r>
-            <a:r>
-              <a:rPr lang="hu-HU" baseline="0" dirty="0"/>
-              <a:t> </a:t>
-            </a:r>
-            <a:r>
-              <a:rPr lang="hu-HU" baseline="0" dirty="0" err="1"/>
-              <a:t>duplication</a:t>
-            </a:r>
-            <a:r>
-              <a:rPr lang="hu-HU" baseline="0" dirty="0"/>
-              <a:t>.</a:t>
-            </a:r>
-            <a:endParaRPr lang="hu-HU" dirty="0"/>
-          </a:p>
-          <a:p>
-            <a:r>
-              <a:rPr lang="hu-HU" dirty="0" err="1"/>
-              <a:t>Abstraction</a:t>
-            </a:r>
-            <a:r>
-              <a:rPr lang="hu-HU" dirty="0"/>
-              <a:t> </a:t>
-            </a:r>
-            <a:r>
-              <a:rPr lang="hu-HU" dirty="0" err="1"/>
-              <a:t>as</a:t>
-            </a:r>
-            <a:r>
-              <a:rPr lang="hu-HU" dirty="0"/>
-              <a:t> a </a:t>
-            </a:r>
-            <a:r>
-              <a:rPr lang="hu-HU" dirty="0" err="1"/>
-              <a:t>burger</a:t>
-            </a:r>
-            <a:r>
-              <a:rPr lang="hu-HU" dirty="0"/>
-              <a:t>, </a:t>
-            </a:r>
-            <a:r>
-              <a:rPr lang="hu-HU" dirty="0" err="1"/>
-              <a:t>implementation</a:t>
-            </a:r>
-            <a:r>
-              <a:rPr lang="hu-HU" dirty="0"/>
-              <a:t> is </a:t>
-            </a:r>
-            <a:r>
-              <a:rPr lang="hu-HU" dirty="0" err="1"/>
-              <a:t>the</a:t>
-            </a:r>
-            <a:r>
-              <a:rPr lang="hu-HU" dirty="0"/>
-              <a:t> </a:t>
-            </a:r>
-            <a:r>
-              <a:rPr lang="hu-HU" dirty="0" err="1"/>
-              <a:t>combo</a:t>
-            </a:r>
-            <a:r>
-              <a:rPr lang="hu-HU" dirty="0"/>
-              <a:t>, </a:t>
-            </a:r>
-            <a:r>
-              <a:rPr lang="hu-HU" dirty="0" err="1"/>
-              <a:t>we</a:t>
-            </a:r>
-            <a:r>
-              <a:rPr lang="hu-HU" dirty="0"/>
-              <a:t> </a:t>
-            </a:r>
-            <a:r>
-              <a:rPr lang="hu-HU" dirty="0" err="1"/>
-              <a:t>have</a:t>
-            </a:r>
-            <a:r>
-              <a:rPr lang="hu-HU" dirty="0"/>
-              <a:t> </a:t>
-            </a:r>
-            <a:r>
-              <a:rPr lang="hu-HU" dirty="0" err="1"/>
-              <a:t>two</a:t>
-            </a:r>
-            <a:r>
-              <a:rPr lang="hu-HU" baseline="0" dirty="0"/>
-              <a:t> </a:t>
-            </a:r>
-            <a:r>
-              <a:rPr lang="hu-HU" baseline="0" dirty="0" err="1"/>
-              <a:t>implementations</a:t>
-            </a:r>
-            <a:r>
-              <a:rPr lang="hu-HU" baseline="0" dirty="0"/>
-              <a:t> here.</a:t>
-            </a:r>
-          </a:p>
-          <a:p>
-            <a:r>
-              <a:rPr lang="hu-HU" baseline="0" dirty="0" err="1"/>
-              <a:t>Fry</a:t>
-            </a:r>
-            <a:r>
-              <a:rPr lang="hu-HU" baseline="0" dirty="0"/>
-              <a:t> and </a:t>
-            </a:r>
-            <a:r>
-              <a:rPr lang="hu-HU" baseline="0" dirty="0" err="1"/>
-              <a:t>drink</a:t>
-            </a:r>
-            <a:r>
-              <a:rPr lang="hu-HU" baseline="0" dirty="0"/>
-              <a:t> </a:t>
-            </a:r>
-            <a:r>
-              <a:rPr lang="hu-HU" baseline="0" dirty="0" err="1"/>
-              <a:t>or</a:t>
-            </a:r>
-            <a:r>
-              <a:rPr lang="hu-HU" baseline="0" dirty="0"/>
-              <a:t> </a:t>
-            </a:r>
-            <a:r>
-              <a:rPr lang="hu-HU" baseline="0" dirty="0" err="1"/>
-              <a:t>the</a:t>
-            </a:r>
-            <a:r>
-              <a:rPr lang="hu-HU" baseline="0" dirty="0"/>
-              <a:t> </a:t>
-            </a:r>
-            <a:r>
-              <a:rPr lang="hu-HU" baseline="0" dirty="0" err="1"/>
-              <a:t>veggy</a:t>
-            </a:r>
-            <a:r>
-              <a:rPr lang="hu-HU" baseline="0" dirty="0"/>
-              <a:t> and </a:t>
-            </a:r>
-            <a:r>
-              <a:rPr lang="hu-HU" baseline="0" dirty="0" err="1"/>
-              <a:t>milk</a:t>
-            </a:r>
             <a:endParaRPr lang="hu-HU" baseline="0" dirty="0"/>
           </a:p>
           <a:p>
-            <a:r>
-              <a:rPr lang="hu-HU" baseline="0" dirty="0" err="1"/>
-              <a:t>We</a:t>
-            </a:r>
-            <a:r>
-              <a:rPr lang="hu-HU" baseline="0" dirty="0"/>
-              <a:t> </a:t>
-            </a:r>
-            <a:r>
-              <a:rPr lang="hu-HU" baseline="0" dirty="0" err="1"/>
-              <a:t>are</a:t>
-            </a:r>
-            <a:r>
-              <a:rPr lang="hu-HU" baseline="0" dirty="0"/>
-              <a:t> </a:t>
-            </a:r>
-            <a:r>
-              <a:rPr lang="hu-HU" baseline="0" dirty="0" err="1"/>
-              <a:t>selling</a:t>
-            </a:r>
-            <a:r>
-              <a:rPr lang="hu-HU" baseline="0" dirty="0"/>
-              <a:t> </a:t>
-            </a:r>
-            <a:r>
-              <a:rPr lang="hu-HU" baseline="0" dirty="0" err="1"/>
-              <a:t>the</a:t>
-            </a:r>
-            <a:r>
-              <a:rPr lang="hu-HU" baseline="0" dirty="0"/>
-              <a:t> </a:t>
-            </a:r>
-            <a:r>
-              <a:rPr lang="hu-HU" baseline="0" dirty="0" err="1"/>
-              <a:t>meal</a:t>
-            </a:r>
-            <a:r>
-              <a:rPr lang="hu-HU" baseline="0" dirty="0"/>
-              <a:t> </a:t>
-            </a:r>
-            <a:r>
-              <a:rPr lang="hu-HU" baseline="0" dirty="0" err="1"/>
-              <a:t>not</a:t>
-            </a:r>
-            <a:r>
-              <a:rPr lang="hu-HU" baseline="0" dirty="0"/>
-              <a:t> </a:t>
-            </a:r>
-            <a:r>
-              <a:rPr lang="hu-HU" baseline="0" dirty="0" err="1"/>
-              <a:t>the</a:t>
-            </a:r>
-            <a:r>
-              <a:rPr lang="hu-HU" baseline="0" dirty="0"/>
-              <a:t> </a:t>
-            </a:r>
-            <a:r>
-              <a:rPr lang="hu-HU" baseline="0" dirty="0" err="1"/>
-              <a:t>burger</a:t>
-            </a:r>
-            <a:r>
-              <a:rPr lang="hu-HU" baseline="0" dirty="0"/>
-              <a:t>.</a:t>
-            </a:r>
-          </a:p>
-          <a:p>
-            <a:r>
-              <a:rPr lang="hu-HU" baseline="0" dirty="0" err="1"/>
-              <a:t>We</a:t>
-            </a:r>
-            <a:r>
-              <a:rPr lang="hu-HU" baseline="0" dirty="0"/>
-              <a:t> </a:t>
-            </a:r>
-            <a:r>
-              <a:rPr lang="hu-HU" baseline="0" dirty="0" err="1"/>
-              <a:t>are</a:t>
-            </a:r>
-            <a:r>
-              <a:rPr lang="hu-HU" baseline="0" dirty="0"/>
-              <a:t> </a:t>
-            </a:r>
-            <a:r>
-              <a:rPr lang="hu-HU" baseline="0" dirty="0" err="1"/>
-              <a:t>separationg</a:t>
-            </a:r>
-            <a:r>
-              <a:rPr lang="hu-HU" baseline="0" dirty="0"/>
-              <a:t> </a:t>
-            </a:r>
-            <a:r>
-              <a:rPr lang="hu-HU" baseline="0" dirty="0" err="1"/>
-              <a:t>these</a:t>
-            </a:r>
-            <a:r>
-              <a:rPr lang="hu-HU" baseline="0" dirty="0"/>
-              <a:t> </a:t>
-            </a:r>
-            <a:r>
-              <a:rPr lang="hu-HU" baseline="0" dirty="0" err="1"/>
-              <a:t>two</a:t>
-            </a:r>
-            <a:r>
-              <a:rPr lang="hu-HU" baseline="0" dirty="0"/>
-              <a:t> </a:t>
-            </a:r>
-            <a:r>
-              <a:rPr lang="hu-HU" baseline="0" dirty="0" err="1"/>
-              <a:t>concepts</a:t>
-            </a:r>
-            <a:r>
-              <a:rPr lang="hu-HU" baseline="0" dirty="0"/>
-              <a:t>.</a:t>
-            </a:r>
-          </a:p>
-          <a:p>
-            <a:r>
-              <a:rPr lang="hu-HU" baseline="0" dirty="0" err="1"/>
-              <a:t>What</a:t>
-            </a:r>
-            <a:r>
-              <a:rPr lang="hu-HU" baseline="0" dirty="0"/>
-              <a:t> </a:t>
-            </a:r>
-            <a:r>
-              <a:rPr lang="hu-HU" baseline="0" dirty="0" err="1"/>
-              <a:t>happens</a:t>
-            </a:r>
-            <a:r>
-              <a:rPr lang="hu-HU" baseline="0" dirty="0"/>
-              <a:t> </a:t>
-            </a:r>
-            <a:r>
-              <a:rPr lang="hu-HU" baseline="0" dirty="0" err="1"/>
-              <a:t>if</a:t>
-            </a:r>
-            <a:r>
-              <a:rPr lang="hu-HU" baseline="0" dirty="0"/>
-              <a:t> </a:t>
-            </a:r>
-            <a:r>
-              <a:rPr lang="hu-HU" baseline="0" dirty="0" err="1"/>
-              <a:t>we</a:t>
-            </a:r>
-            <a:r>
-              <a:rPr lang="hu-HU" baseline="0" dirty="0"/>
-              <a:t> </a:t>
-            </a:r>
-            <a:r>
-              <a:rPr lang="hu-HU" baseline="0" dirty="0" err="1"/>
-              <a:t>introduce</a:t>
-            </a:r>
-            <a:r>
-              <a:rPr lang="hu-HU" baseline="0" dirty="0"/>
-              <a:t> a </a:t>
-            </a:r>
-            <a:r>
-              <a:rPr lang="hu-HU" baseline="0" dirty="0" err="1"/>
-              <a:t>new</a:t>
-            </a:r>
-            <a:r>
-              <a:rPr lang="hu-HU" baseline="0" dirty="0"/>
-              <a:t> </a:t>
-            </a:r>
-            <a:r>
-              <a:rPr lang="hu-HU" baseline="0" dirty="0" err="1"/>
-              <a:t>combo</a:t>
-            </a:r>
-            <a:r>
-              <a:rPr lang="hu-HU" baseline="0" dirty="0"/>
-              <a:t> </a:t>
-            </a:r>
-            <a:r>
-              <a:rPr lang="hu-HU" baseline="0" dirty="0" err="1"/>
-              <a:t>meal</a:t>
-            </a:r>
-            <a:r>
-              <a:rPr lang="hu-HU" baseline="0" dirty="0"/>
-              <a:t>, </a:t>
-            </a:r>
-            <a:r>
-              <a:rPr lang="hu-HU" baseline="0" dirty="0" err="1"/>
-              <a:t>we</a:t>
-            </a:r>
-            <a:r>
-              <a:rPr lang="hu-HU" baseline="0" dirty="0"/>
-              <a:t> </a:t>
-            </a:r>
-            <a:r>
-              <a:rPr lang="hu-HU" baseline="0" dirty="0" err="1"/>
-              <a:t>have</a:t>
-            </a:r>
-            <a:r>
-              <a:rPr lang="hu-HU" baseline="0" dirty="0"/>
-              <a:t> </a:t>
-            </a:r>
-            <a:r>
-              <a:rPr lang="hu-HU" baseline="0" dirty="0" err="1"/>
-              <a:t>to</a:t>
-            </a:r>
-            <a:r>
-              <a:rPr lang="hu-HU" baseline="0" dirty="0"/>
-              <a:t> </a:t>
-            </a:r>
-            <a:r>
-              <a:rPr lang="hu-HU" baseline="0" dirty="0" err="1"/>
-              <a:t>create</a:t>
-            </a:r>
-            <a:r>
-              <a:rPr lang="hu-HU" baseline="0" dirty="0"/>
-              <a:t> 4 </a:t>
-            </a:r>
-            <a:r>
-              <a:rPr lang="hu-HU" baseline="0" dirty="0" err="1"/>
-              <a:t>new</a:t>
-            </a:r>
-            <a:r>
-              <a:rPr lang="hu-HU" baseline="0" dirty="0"/>
-              <a:t> </a:t>
-            </a:r>
-            <a:r>
-              <a:rPr lang="hu-HU" baseline="0" dirty="0" err="1"/>
-              <a:t>menu</a:t>
-            </a:r>
-            <a:r>
-              <a:rPr lang="hu-HU" baseline="0" dirty="0"/>
-              <a:t> </a:t>
-            </a:r>
-            <a:r>
-              <a:rPr lang="hu-HU" baseline="0" dirty="0" err="1"/>
-              <a:t>items</a:t>
-            </a:r>
-            <a:r>
-              <a:rPr lang="hu-HU" baseline="0" dirty="0"/>
-              <a:t>. </a:t>
-            </a:r>
-            <a:r>
-              <a:rPr lang="hu-HU" baseline="0" dirty="0" err="1"/>
-              <a:t>If</a:t>
-            </a:r>
-            <a:r>
-              <a:rPr lang="hu-HU" baseline="0" dirty="0"/>
-              <a:t> </a:t>
-            </a:r>
-            <a:r>
-              <a:rPr lang="hu-HU" baseline="0" dirty="0" err="1"/>
-              <a:t>we</a:t>
-            </a:r>
-            <a:r>
-              <a:rPr lang="hu-HU" baseline="0" dirty="0"/>
-              <a:t> add a </a:t>
-            </a:r>
-            <a:r>
-              <a:rPr lang="hu-HU" baseline="0" dirty="0" err="1"/>
-              <a:t>new</a:t>
-            </a:r>
-            <a:r>
-              <a:rPr lang="hu-HU" baseline="0" dirty="0"/>
-              <a:t> </a:t>
-            </a:r>
-            <a:r>
-              <a:rPr lang="hu-HU" baseline="0" dirty="0" err="1"/>
-              <a:t>burger</a:t>
-            </a:r>
-            <a:r>
-              <a:rPr lang="hu-HU" baseline="0" dirty="0"/>
-              <a:t> </a:t>
-            </a:r>
-            <a:r>
-              <a:rPr lang="hu-HU" baseline="0" dirty="0" err="1"/>
-              <a:t>we</a:t>
-            </a:r>
-            <a:r>
-              <a:rPr lang="hu-HU" baseline="0" dirty="0"/>
-              <a:t> </a:t>
-            </a:r>
-            <a:r>
-              <a:rPr lang="hu-HU" baseline="0" dirty="0" err="1"/>
-              <a:t>need</a:t>
-            </a:r>
-            <a:r>
-              <a:rPr lang="hu-HU" baseline="0" dirty="0"/>
-              <a:t> </a:t>
-            </a:r>
-            <a:r>
-              <a:rPr lang="hu-HU" baseline="0" dirty="0" err="1"/>
-              <a:t>to</a:t>
-            </a:r>
-            <a:r>
-              <a:rPr lang="hu-HU" baseline="0" dirty="0"/>
-              <a:t> add 4 </a:t>
-            </a:r>
-            <a:r>
-              <a:rPr lang="hu-HU" baseline="0" dirty="0" err="1"/>
-              <a:t>new</a:t>
-            </a:r>
-            <a:r>
-              <a:rPr lang="hu-HU" baseline="0" dirty="0"/>
-              <a:t> </a:t>
-            </a:r>
-            <a:r>
-              <a:rPr lang="hu-HU" baseline="0" dirty="0" err="1"/>
-              <a:t>menu</a:t>
-            </a:r>
-            <a:r>
-              <a:rPr lang="hu-HU" baseline="0" dirty="0"/>
-              <a:t> </a:t>
-            </a:r>
-            <a:r>
-              <a:rPr lang="hu-HU" baseline="0" dirty="0" err="1"/>
-              <a:t>item</a:t>
-            </a:r>
-            <a:r>
-              <a:rPr lang="hu-HU" baseline="0" dirty="0"/>
-              <a:t>. </a:t>
-            </a:r>
-            <a:r>
-              <a:rPr lang="hu-HU" baseline="0" dirty="0" err="1"/>
-              <a:t>Or</a:t>
-            </a:r>
-            <a:r>
-              <a:rPr lang="hu-HU" baseline="0" dirty="0"/>
-              <a:t> </a:t>
-            </a:r>
-            <a:r>
-              <a:rPr lang="hu-HU" baseline="0" dirty="0" err="1"/>
-              <a:t>if</a:t>
-            </a:r>
-            <a:r>
-              <a:rPr lang="hu-HU" baseline="0" dirty="0"/>
-              <a:t> </a:t>
-            </a:r>
-            <a:r>
-              <a:rPr lang="hu-HU" baseline="0" dirty="0" err="1"/>
-              <a:t>we</a:t>
-            </a:r>
-            <a:r>
-              <a:rPr lang="hu-HU" baseline="0" dirty="0"/>
-              <a:t> </a:t>
-            </a:r>
-            <a:r>
-              <a:rPr lang="hu-HU" baseline="0" dirty="0" err="1"/>
-              <a:t>change</a:t>
-            </a:r>
-            <a:r>
-              <a:rPr lang="hu-HU" baseline="0" dirty="0"/>
-              <a:t>..</a:t>
-            </a:r>
             <a:endParaRPr lang="hu-HU" dirty="0"/>
           </a:p>
         </p:txBody>
@@ -3187,120 +3161,171 @@
           </a:p>
           <a:p>
             <a:r>
-              <a:rPr lang="hu-HU" dirty="0" err="1"/>
+              <a:rPr lang="hu-HU" dirty="0"/>
               <a:t>Creating</a:t>
             </a:r>
             <a:r>
               <a:rPr lang="hu-HU" baseline="0" dirty="0"/>
-              <a:t> </a:t>
-            </a:r>
-            <a:r>
-              <a:rPr lang="hu-HU" baseline="0" dirty="0" err="1"/>
-              <a:t>meals</a:t>
-            </a:r>
-            <a:r>
-              <a:rPr lang="hu-HU" baseline="0" dirty="0"/>
-              <a:t> </a:t>
-            </a:r>
-            <a:r>
-              <a:rPr lang="hu-HU" baseline="0" dirty="0" err="1"/>
-              <a:t>by</a:t>
-            </a:r>
-            <a:r>
-              <a:rPr lang="hu-HU" baseline="0" dirty="0"/>
-              <a:t> </a:t>
-            </a:r>
-            <a:r>
-              <a:rPr lang="hu-HU" baseline="0" dirty="0" err="1"/>
-              <a:t>combining</a:t>
-            </a:r>
-            <a:r>
-              <a:rPr lang="hu-HU" baseline="0" dirty="0"/>
-              <a:t> </a:t>
-            </a:r>
-            <a:r>
-              <a:rPr lang="hu-HU" baseline="0" dirty="0" err="1"/>
-              <a:t>these</a:t>
-            </a:r>
-            <a:r>
-              <a:rPr lang="hu-HU" baseline="0" dirty="0"/>
-              <a:t> </a:t>
-            </a:r>
-            <a:r>
-              <a:rPr lang="hu-HU" baseline="0" dirty="0" err="1"/>
+              <a:t> meal</a:t>
+            </a:r>
+            <a:r>
+              <a:rPr lang="sv-SE" baseline="0" dirty="0"/>
+              <a:t> </a:t>
+            </a:r>
+            <a:r>
+              <a:rPr lang="sv-SE" baseline="0" dirty="0" err="1"/>
+              <a:t>concept</a:t>
+            </a:r>
+            <a:r>
+              <a:rPr lang="hu-HU" baseline="0" dirty="0"/>
+              <a:t> by combining these two together.</a:t>
+            </a:r>
+          </a:p>
+          <a:p>
+            <a:r>
+              <a:rPr lang="hu-HU" baseline="0" dirty="0"/>
+              <a:t>Abstraction and implementation is now two separate things.</a:t>
+            </a:r>
+            <a:r>
+              <a:rPr lang="sv-SE" baseline="0" dirty="0"/>
+              <a:t> </a:t>
+            </a:r>
+            <a:r>
+              <a:rPr lang="sv-SE" baseline="0" dirty="0" err="1"/>
+              <a:t>They</a:t>
+            </a:r>
+            <a:r>
+              <a:rPr lang="sv-SE" baseline="0" dirty="0"/>
+              <a:t> </a:t>
+            </a:r>
+            <a:r>
+              <a:rPr lang="sv-SE" baseline="0" dirty="0" err="1"/>
+              <a:t>are</a:t>
+            </a:r>
+            <a:r>
+              <a:rPr lang="sv-SE" baseline="0" dirty="0"/>
+              <a:t> </a:t>
+            </a:r>
+            <a:r>
+              <a:rPr lang="sv-SE" baseline="0" dirty="0" err="1"/>
               <a:t>two</a:t>
             </a:r>
             <a:r>
-              <a:rPr lang="hu-HU" baseline="0" dirty="0"/>
-              <a:t> </a:t>
-            </a:r>
-            <a:r>
-              <a:rPr lang="hu-HU" baseline="0" dirty="0" err="1"/>
-              <a:t>together</a:t>
-            </a:r>
-            <a:r>
-              <a:rPr lang="hu-HU" baseline="0" dirty="0"/>
+              <a:rPr lang="sv-SE" baseline="0" dirty="0"/>
+              <a:t> </a:t>
+            </a:r>
+            <a:r>
+              <a:rPr lang="sv-SE" baseline="0" dirty="0" err="1"/>
+              <a:t>separate</a:t>
+            </a:r>
+            <a:r>
+              <a:rPr lang="sv-SE" baseline="0" dirty="0"/>
+              <a:t> </a:t>
+            </a:r>
+            <a:r>
+              <a:rPr lang="sv-SE" baseline="0" dirty="0" err="1"/>
+              <a:t>concepts</a:t>
+            </a:r>
+            <a:r>
+              <a:rPr lang="sv-SE" baseline="0" dirty="0"/>
               <a:t>.</a:t>
             </a:r>
-          </a:p>
-          <a:p>
-            <a:r>
-              <a:rPr lang="hu-HU" baseline="0" dirty="0" err="1"/>
-              <a:t>Abstraction</a:t>
-            </a:r>
-            <a:r>
-              <a:rPr lang="hu-HU" baseline="0" dirty="0"/>
-              <a:t> and </a:t>
-            </a:r>
-            <a:r>
-              <a:rPr lang="hu-HU" baseline="0" dirty="0" err="1"/>
-              <a:t>implementation</a:t>
-            </a:r>
-            <a:r>
-              <a:rPr lang="hu-HU" baseline="0" dirty="0"/>
-              <a:t> is </a:t>
-            </a:r>
-            <a:r>
-              <a:rPr lang="hu-HU" baseline="0" dirty="0" err="1"/>
-              <a:t>now</a:t>
-            </a:r>
-            <a:r>
-              <a:rPr lang="hu-HU" baseline="0" dirty="0"/>
-              <a:t> </a:t>
-            </a:r>
-            <a:r>
-              <a:rPr lang="hu-HU" baseline="0" dirty="0" err="1"/>
-              <a:t>two</a:t>
-            </a:r>
-            <a:r>
-              <a:rPr lang="hu-HU" baseline="0" dirty="0"/>
-              <a:t> </a:t>
-            </a:r>
-            <a:r>
-              <a:rPr lang="hu-HU" baseline="0" dirty="0" err="1"/>
-              <a:t>separate</a:t>
-            </a:r>
-            <a:r>
-              <a:rPr lang="hu-HU" baseline="0" dirty="0"/>
-              <a:t> </a:t>
-            </a:r>
-            <a:r>
-              <a:rPr lang="hu-HU" baseline="0" dirty="0" err="1"/>
-              <a:t>things</a:t>
-            </a:r>
-            <a:r>
-              <a:rPr lang="hu-HU" baseline="0" dirty="0"/>
-              <a:t>.</a:t>
-            </a:r>
-          </a:p>
-          <a:p>
-            <a:r>
-              <a:rPr lang="hu-HU" baseline="0" dirty="0" err="1"/>
-              <a:t>Buger</a:t>
-            </a:r>
-            <a:r>
-              <a:rPr lang="hu-HU" baseline="0" dirty="0"/>
-              <a:t> is </a:t>
+            <a:endParaRPr lang="hu-HU" baseline="0" dirty="0"/>
+          </a:p>
+          <a:p>
+            <a:r>
+              <a:rPr lang="hu-HU" baseline="0" dirty="0"/>
+              <a:t>Buger is not ti</a:t>
+            </a:r>
+            <a:r>
+              <a:rPr lang="sv-SE" baseline="0" dirty="0"/>
+              <a:t>ed</a:t>
+            </a:r>
+            <a:r>
+              <a:rPr lang="hu-HU" baseline="0" dirty="0"/>
+              <a:t> to the combo anymore.</a:t>
+            </a:r>
+          </a:p>
+          <a:p>
+            <a:r>
+              <a:rPr lang="hu-HU" baseline="0" dirty="0" err="1"/>
+              <a:t>We</a:t>
+            </a:r>
+            <a:r>
+              <a:rPr lang="hu-HU" baseline="0" dirty="0"/>
+              <a:t> </a:t>
+            </a:r>
+            <a:r>
+              <a:rPr lang="hu-HU" baseline="0" dirty="0" err="1"/>
+              <a:t>can</a:t>
+            </a:r>
+            <a:r>
+              <a:rPr lang="hu-HU" baseline="0" dirty="0"/>
+              <a:t> add a </a:t>
+            </a:r>
+            <a:r>
+              <a:rPr lang="hu-HU" baseline="0" dirty="0" err="1"/>
+              <a:t>different</a:t>
+            </a:r>
+            <a:r>
+              <a:rPr lang="hu-HU" baseline="0" dirty="0"/>
+              <a:t> </a:t>
+            </a:r>
+            <a:r>
+              <a:rPr lang="hu-HU" baseline="0" dirty="0" err="1"/>
+              <a:t>combo</a:t>
+            </a:r>
+            <a:r>
+              <a:rPr lang="hu-HU" baseline="0" dirty="0"/>
+              <a:t> </a:t>
+            </a:r>
+            <a:r>
+              <a:rPr lang="hu-HU" baseline="0" dirty="0" err="1"/>
+              <a:t>or</a:t>
+            </a:r>
+            <a:r>
+              <a:rPr lang="hu-HU" baseline="0" dirty="0"/>
+              <a:t> </a:t>
+            </a:r>
+            <a:r>
+              <a:rPr lang="hu-HU" baseline="0" dirty="0" err="1"/>
+              <a:t>a</a:t>
+            </a:r>
+            <a:r>
+              <a:rPr lang="hu-HU" baseline="0" dirty="0"/>
+              <a:t> </a:t>
+            </a:r>
+            <a:r>
+              <a:rPr lang="hu-HU" baseline="0" dirty="0" err="1"/>
+              <a:t>new</a:t>
+            </a:r>
+            <a:r>
+              <a:rPr lang="hu-HU" baseline="0" dirty="0"/>
+              <a:t> </a:t>
+            </a:r>
+            <a:r>
+              <a:rPr lang="hu-HU" baseline="0" dirty="0" err="1"/>
+              <a:t>burger</a:t>
+            </a:r>
+            <a:r>
+              <a:rPr lang="hu-HU" baseline="0" dirty="0"/>
+              <a:t>. The </a:t>
+            </a:r>
+            <a:r>
+              <a:rPr lang="hu-HU" baseline="0" dirty="0" err="1"/>
+              <a:t>other</a:t>
+            </a:r>
+            <a:r>
+              <a:rPr lang="hu-HU" baseline="0" dirty="0"/>
+              <a:t> part </a:t>
+            </a:r>
+            <a:r>
+              <a:rPr lang="hu-HU" baseline="0" dirty="0" err="1"/>
+              <a:t>does</a:t>
+            </a:r>
+            <a:r>
+              <a:rPr lang="hu-HU" baseline="0" dirty="0"/>
+              <a:t> </a:t>
             </a:r>
             <a:r>
               <a:rPr lang="hu-HU" baseline="0" dirty="0" err="1"/>
@@ -3312,7 +3337,7 @@
             </a:r>
             <a:r>
               <a:rPr lang="hu-HU" baseline="0" dirty="0" err="1"/>
-              <a:t>tight</a:t>
+              <a:t>have</a:t>
             </a:r>
             <a:r>
               <a:rPr lang="hu-HU" baseline="0" dirty="0"/>
@@ -3328,136 +3353,6 @@
             </a:r>
             <a:r>
               <a:rPr lang="hu-HU" baseline="0" dirty="0" err="1"/>
-              <a:t>the</a:t>
-            </a:r>
-            <a:r>
-              <a:rPr lang="hu-HU" baseline="0" dirty="0"/>
-              <a:t> </a:t>
-            </a:r>
-            <a:r>
-              <a:rPr lang="hu-HU" baseline="0" dirty="0" err="1"/>
-              <a:t>combo</a:t>
-            </a:r>
-            <a:r>
-              <a:rPr lang="hu-HU" baseline="0" dirty="0"/>
-              <a:t> </a:t>
-            </a:r>
-            <a:r>
-              <a:rPr lang="hu-HU" baseline="0" dirty="0" err="1"/>
-              <a:t>anymore</a:t>
-            </a:r>
-            <a:r>
-              <a:rPr lang="hu-HU" baseline="0" dirty="0"/>
-              <a:t>.</a:t>
-            </a:r>
-          </a:p>
-          <a:p>
-            <a:r>
-              <a:rPr lang="hu-HU" baseline="0" dirty="0" err="1"/>
-              <a:t>We</a:t>
-            </a:r>
-            <a:r>
-              <a:rPr lang="hu-HU" baseline="0" dirty="0"/>
-              <a:t> </a:t>
-            </a:r>
-            <a:r>
-              <a:rPr lang="hu-HU" baseline="0" dirty="0" err="1"/>
-              <a:t>can</a:t>
-            </a:r>
-            <a:r>
-              <a:rPr lang="hu-HU" baseline="0" dirty="0"/>
-              <a:t> add a </a:t>
-            </a:r>
-            <a:r>
-              <a:rPr lang="hu-HU" baseline="0" dirty="0" err="1"/>
-              <a:t>different</a:t>
-            </a:r>
-            <a:r>
-              <a:rPr lang="hu-HU" baseline="0" dirty="0"/>
-              <a:t> </a:t>
-            </a:r>
-            <a:r>
-              <a:rPr lang="hu-HU" baseline="0" dirty="0" err="1"/>
-              <a:t>combo</a:t>
-            </a:r>
-            <a:r>
-              <a:rPr lang="hu-HU" baseline="0" dirty="0"/>
-              <a:t> </a:t>
-            </a:r>
-            <a:r>
-              <a:rPr lang="hu-HU" baseline="0" dirty="0" err="1"/>
-              <a:t>or</a:t>
-            </a:r>
-            <a:r>
-              <a:rPr lang="hu-HU" baseline="0" dirty="0"/>
-              <a:t> </a:t>
-            </a:r>
-            <a:r>
-              <a:rPr lang="hu-HU" baseline="0" dirty="0" err="1"/>
-              <a:t>a</a:t>
-            </a:r>
-            <a:r>
-              <a:rPr lang="hu-HU" baseline="0" dirty="0"/>
-              <a:t> </a:t>
-            </a:r>
-            <a:r>
-              <a:rPr lang="hu-HU" baseline="0" dirty="0" err="1"/>
-              <a:t>new</a:t>
-            </a:r>
-            <a:r>
-              <a:rPr lang="hu-HU" baseline="0" dirty="0"/>
-              <a:t> </a:t>
-            </a:r>
-            <a:r>
-              <a:rPr lang="hu-HU" baseline="0" dirty="0" err="1"/>
-              <a:t>burger</a:t>
-            </a:r>
-            <a:r>
-              <a:rPr lang="hu-HU" baseline="0" dirty="0"/>
-              <a:t>. The </a:t>
-            </a:r>
-            <a:r>
-              <a:rPr lang="hu-HU" baseline="0" dirty="0" err="1"/>
-              <a:t>other</a:t>
-            </a:r>
-            <a:r>
-              <a:rPr lang="hu-HU" baseline="0" dirty="0"/>
-              <a:t> part </a:t>
-            </a:r>
-            <a:r>
-              <a:rPr lang="hu-HU" baseline="0" dirty="0" err="1"/>
-              <a:t>does</a:t>
-            </a:r>
-            <a:r>
-              <a:rPr lang="hu-HU" baseline="0" dirty="0"/>
-              <a:t> </a:t>
-            </a:r>
-            <a:r>
-              <a:rPr lang="hu-HU" baseline="0" dirty="0" err="1"/>
-              <a:t>not</a:t>
-            </a:r>
-            <a:r>
-              <a:rPr lang="hu-HU" baseline="0" dirty="0"/>
-              <a:t> </a:t>
-            </a:r>
-            <a:r>
-              <a:rPr lang="hu-HU" baseline="0" dirty="0" err="1"/>
-              <a:t>have</a:t>
-            </a:r>
-            <a:r>
-              <a:rPr lang="hu-HU" baseline="0" dirty="0"/>
-              <a:t> </a:t>
-            </a:r>
-            <a:r>
-              <a:rPr lang="hu-HU" baseline="0" dirty="0" err="1"/>
-              <a:t>to</a:t>
-            </a:r>
-            <a:r>
-              <a:rPr lang="hu-HU" baseline="0" dirty="0"/>
-              <a:t> </a:t>
-            </a:r>
-            <a:r>
-              <a:rPr lang="hu-HU" baseline="0" dirty="0" err="1"/>
               <a:t>change</a:t>
             </a:r>
             <a:endParaRPr lang="hu-HU" baseline="0" dirty="0"/>
@@ -3465,151 +3360,8 @@
           <a:p>
             <a:r>
               <a:rPr lang="hu-HU" baseline="0" dirty="0"/>
-              <a:t>The </a:t>
-            </a:r>
-            <a:r>
-              <a:rPr lang="hu-HU" baseline="0" dirty="0" err="1"/>
-              <a:t>custumor</a:t>
-            </a:r>
-            <a:r>
-              <a:rPr lang="hu-HU" baseline="0" dirty="0"/>
-              <a:t> </a:t>
-            </a:r>
-            <a:r>
-              <a:rPr lang="hu-HU" baseline="0" dirty="0" err="1"/>
-              <a:t>can</a:t>
-            </a:r>
-            <a:r>
-              <a:rPr lang="hu-HU" baseline="0" dirty="0"/>
-              <a:t> </a:t>
-            </a:r>
-            <a:r>
-              <a:rPr lang="hu-HU" baseline="0" dirty="0" err="1"/>
-              <a:t>decide</a:t>
-            </a:r>
-            <a:r>
-              <a:rPr lang="hu-HU" baseline="0" dirty="0"/>
-              <a:t> </a:t>
-            </a:r>
-            <a:r>
-              <a:rPr lang="hu-HU" baseline="0" dirty="0" err="1"/>
-              <a:t>how</a:t>
-            </a:r>
-            <a:r>
-              <a:rPr lang="hu-HU" baseline="0" dirty="0"/>
-              <a:t> </a:t>
-            </a:r>
-            <a:r>
-              <a:rPr lang="hu-HU" baseline="0" dirty="0" err="1"/>
-              <a:t>they</a:t>
-            </a:r>
-            <a:r>
-              <a:rPr lang="hu-HU" baseline="0" dirty="0"/>
-              <a:t> </a:t>
-            </a:r>
-            <a:r>
-              <a:rPr lang="hu-HU" baseline="0" dirty="0" err="1"/>
-              <a:t>want</a:t>
-            </a:r>
-            <a:r>
-              <a:rPr lang="hu-HU" baseline="0" dirty="0"/>
-              <a:t> </a:t>
-            </a:r>
-            <a:r>
-              <a:rPr lang="hu-HU" baseline="0" dirty="0" err="1"/>
-              <a:t>to</a:t>
-            </a:r>
-            <a:r>
-              <a:rPr lang="hu-HU" baseline="0" dirty="0"/>
-              <a:t> </a:t>
-            </a:r>
-            <a:r>
-              <a:rPr lang="hu-HU" baseline="0" dirty="0" err="1"/>
-              <a:t>couple</a:t>
-            </a:r>
-            <a:r>
-              <a:rPr lang="hu-HU" baseline="0" dirty="0"/>
-              <a:t> </a:t>
-            </a:r>
-            <a:r>
-              <a:rPr lang="hu-HU" baseline="0" dirty="0" err="1"/>
-              <a:t>these</a:t>
-            </a:r>
-            <a:r>
-              <a:rPr lang="hu-HU" baseline="0" dirty="0"/>
-              <a:t> </a:t>
-            </a:r>
-            <a:r>
-              <a:rPr lang="hu-HU" baseline="0" dirty="0" err="1"/>
-              <a:t>two</a:t>
-            </a:r>
-            <a:r>
-              <a:rPr lang="hu-HU" baseline="0" dirty="0"/>
-              <a:t> </a:t>
-            </a:r>
-            <a:r>
-              <a:rPr lang="hu-HU" baseline="0" dirty="0" err="1"/>
-              <a:t>together</a:t>
-            </a:r>
-            <a:r>
-              <a:rPr lang="hu-HU" baseline="0" dirty="0"/>
-              <a:t>, </a:t>
-            </a:r>
-            <a:r>
-              <a:rPr lang="hu-HU" baseline="0" dirty="0" err="1"/>
-              <a:t>not</a:t>
-            </a:r>
-            <a:r>
-              <a:rPr lang="hu-HU" baseline="0" dirty="0"/>
-              <a:t> </a:t>
-            </a:r>
-            <a:r>
-              <a:rPr lang="hu-HU" baseline="0" dirty="0" err="1"/>
-              <a:t>me</a:t>
-            </a:r>
-            <a:r>
-              <a:rPr lang="hu-HU" baseline="0" dirty="0"/>
-              <a:t> </a:t>
-            </a:r>
-            <a:r>
-              <a:rPr lang="hu-HU" baseline="0" dirty="0" err="1"/>
-              <a:t>who</a:t>
-            </a:r>
-            <a:r>
-              <a:rPr lang="hu-HU" baseline="0" dirty="0"/>
-              <a:t> </a:t>
-            </a:r>
-            <a:r>
-              <a:rPr lang="hu-HU" baseline="0" dirty="0" err="1"/>
-              <a:t>create</a:t>
-            </a:r>
-            <a:r>
-              <a:rPr lang="hu-HU" baseline="0" dirty="0"/>
-              <a:t> </a:t>
-            </a:r>
-            <a:r>
-              <a:rPr lang="hu-HU" baseline="0" dirty="0" err="1"/>
-              <a:t>the</a:t>
-            </a:r>
-            <a:r>
-              <a:rPr lang="hu-HU" baseline="0" dirty="0"/>
-              <a:t> </a:t>
-            </a:r>
-            <a:r>
-              <a:rPr lang="hu-HU" baseline="0" dirty="0" err="1"/>
-              <a:t>menu</a:t>
-            </a:r>
-            <a:r>
-              <a:rPr lang="hu-HU" baseline="0" dirty="0"/>
-              <a:t>..</a:t>
-            </a:r>
-          </a:p>
-          <a:p>
-            <a:r>
-              <a:rPr lang="hu-HU" baseline="0" dirty="0"/>
-              <a:t>25.</a:t>
-            </a:r>
-            <a:endParaRPr lang="hu-HU" dirty="0"/>
+              <a:t>The custumor can decide how they want to couple these two together, not me who create the menu..</a:t>
+            </a:r>
           </a:p>
         </p:txBody>
       </p:sp>
@@ -3784,12 +3536,8 @@
           </a:p>
           <a:p>
             <a:r>
-              <a:rPr lang="hu-HU" baseline="0" dirty="0" err="1"/>
-              <a:t>Each</a:t>
-            </a:r>
-            <a:r>
-              <a:rPr lang="hu-HU" baseline="0" dirty="0"/>
-              <a:t> has a Print.</a:t>
+              <a:rPr lang="hu-HU" baseline="0" dirty="0"/>
+              <a:t>Each has a Print.</a:t>
             </a:r>
             <a:endParaRPr lang="hu-HU" dirty="0"/>
           </a:p>
@@ -3876,88 +3624,173 @@
           <a:lstStyle/>
           <a:p>
             <a:r>
-              <a:rPr lang="hu-HU" dirty="0" err="1"/>
-              <a:t>Faq</a:t>
-            </a:r>
-            <a:r>
-              <a:rPr lang="hu-HU" dirty="0"/>
+              <a:rPr lang="hu-HU" baseline="0" dirty="0"/>
+              <a:t>If we would stick to this solution than we would have a large headach</a:t>
+            </a:r>
+            <a:r>
+              <a:rPr lang="sv-SE" baseline="0" dirty="0"/>
+              <a:t>e </a:t>
+            </a:r>
+            <a:r>
+              <a:rPr lang="hu-HU" baseline="0" dirty="0"/>
+              <a:t>in the ma</a:t>
+            </a:r>
+            <a:r>
+              <a:rPr lang="sv-SE" baseline="0" dirty="0"/>
+              <a:t>i</a:t>
+            </a:r>
+            <a:r>
+              <a:rPr lang="hu-HU" baseline="0" dirty="0"/>
+              <a:t>ntenance</a:t>
+            </a:r>
+            <a:r>
+              <a:rPr lang="sv-SE" baseline="0" dirty="0"/>
               <a:t>, </a:t>
             </a:r>
             <a:r>
-              <a:rPr lang="hu-HU" dirty="0" err="1"/>
-              <a:t>book</a:t>
-            </a:r>
-            <a:r>
-              <a:rPr lang="hu-HU" dirty="0"/>
-              <a:t> </a:t>
-            </a:r>
-            <a:r>
-              <a:rPr lang="hu-HU" dirty="0" err="1"/>
-              <a:t>are</a:t>
-            </a:r>
-            <a:r>
-              <a:rPr lang="hu-HU" dirty="0"/>
-              <a:t> </a:t>
-            </a:r>
-            <a:r>
-              <a:rPr lang="hu-HU" dirty="0" err="1"/>
-              <a:t>all</a:t>
-            </a:r>
-            <a:r>
-              <a:rPr lang="hu-HU" dirty="0"/>
-              <a:t> </a:t>
-            </a:r>
-            <a:r>
-              <a:rPr lang="hu-HU" dirty="0" err="1"/>
-              <a:t>kinds</a:t>
-            </a:r>
-            <a:r>
-              <a:rPr lang="hu-HU" dirty="0"/>
+              <a:rPr lang="sv-SE" baseline="0" dirty="0" err="1"/>
+              <a:t>since</a:t>
+            </a:r>
+            <a:r>
+              <a:rPr lang="sv-SE" baseline="0" dirty="0"/>
+              <a:t> </a:t>
+            </a:r>
+            <a:r>
+              <a:rPr lang="sv-SE" baseline="0" dirty="0" err="1"/>
+              <a:t>we</a:t>
+            </a:r>
+            <a:r>
+              <a:rPr lang="sv-SE" baseline="0" dirty="0"/>
+              <a:t> </a:t>
+            </a:r>
+            <a:r>
+              <a:rPr lang="sv-SE" baseline="0" dirty="0" err="1"/>
+              <a:t>would</a:t>
+            </a:r>
+            <a:r>
+              <a:rPr lang="sv-SE" baseline="0" dirty="0"/>
+              <a:t> </a:t>
+            </a:r>
+            <a:r>
+              <a:rPr lang="sv-SE" baseline="0" dirty="0" err="1"/>
+              <a:t>have</a:t>
+            </a:r>
+            <a:r>
+              <a:rPr lang="sv-SE" baseline="0" dirty="0"/>
+              <a:t> a </a:t>
+            </a:r>
+            <a:r>
+              <a:rPr lang="sv-SE" baseline="0" dirty="0" err="1"/>
+              <a:t>lot</a:t>
+            </a:r>
+            <a:r>
+              <a:rPr lang="sv-SE" baseline="0" dirty="0"/>
+              <a:t> </a:t>
+            </a:r>
+            <a:r>
+              <a:rPr lang="sv-SE" baseline="0" dirty="0" err="1"/>
+              <a:t>of</a:t>
+            </a:r>
+            <a:r>
+              <a:rPr lang="sv-SE" baseline="0" dirty="0"/>
+              <a:t> ”versions” </a:t>
+            </a:r>
+            <a:r>
+              <a:rPr lang="sv-SE" baseline="0" dirty="0" err="1"/>
+              <a:t>of</a:t>
+            </a:r>
+            <a:r>
+              <a:rPr lang="sv-SE" baseline="0" dirty="0"/>
+              <a:t> the </a:t>
+            </a:r>
+            <a:r>
+              <a:rPr lang="sv-SE" baseline="0" dirty="0" err="1"/>
+              <a:t>books</a:t>
+            </a:r>
+            <a:r>
+              <a:rPr lang="sv-SE" baseline="0" dirty="0"/>
+              <a:t>, </a:t>
+            </a:r>
+            <a:r>
+              <a:rPr lang="sv-SE" baseline="0" dirty="0" err="1"/>
+              <a:t>faq</a:t>
+            </a:r>
+            <a:r>
+              <a:rPr lang="sv-SE" baseline="0" dirty="0"/>
+              <a:t> and termpaper </a:t>
+            </a:r>
+            <a:r>
+              <a:rPr lang="sv-SE" baseline="0" dirty="0" err="1"/>
+              <a:t>based</a:t>
+            </a:r>
+            <a:r>
+              <a:rPr lang="sv-SE" baseline="0" dirty="0"/>
+              <a:t> on the formatting.</a:t>
+            </a:r>
+            <a:endParaRPr lang="hu-HU" baseline="0" dirty="0"/>
+          </a:p>
+          <a:p>
+            <a:r>
+              <a:rPr lang="hu-HU" baseline="0" dirty="0"/>
+              <a:t>For a new formatting </a:t>
+            </a:r>
+            <a:r>
+              <a:rPr lang="sv-SE" baseline="0" dirty="0"/>
+              <a:t>(like </a:t>
+            </a:r>
+            <a:r>
+              <a:rPr lang="sv-SE" baseline="0" dirty="0" err="1"/>
+              <a:t>BackwardsFormatting</a:t>
+            </a:r>
+            <a:r>
+              <a:rPr lang="sv-SE" baseline="0" dirty="0"/>
+              <a:t>) </a:t>
+            </a:r>
+            <a:r>
+              <a:rPr lang="hu-HU" baseline="0" dirty="0"/>
+              <a:t>we have to create a new Book, faq  and Termpaper </a:t>
+            </a:r>
+            <a:r>
+              <a:rPr lang="sv-SE" baseline="0" dirty="0" err="1"/>
+              <a:t>backwards</a:t>
+            </a:r>
+            <a:r>
+              <a:rPr lang="hu-HU" baseline="0" dirty="0"/>
+              <a:t> formatting version.</a:t>
+            </a:r>
+          </a:p>
+          <a:p>
+            <a:r>
+              <a:rPr lang="hu-HU" baseline="0" dirty="0"/>
+              <a:t>Print is an </a:t>
+            </a:r>
+            <a:r>
+              <a:rPr lang="hu-HU" baseline="0" dirty="0" err="1"/>
+              <a:t>implementation</a:t>
+            </a:r>
+            <a:r>
+              <a:rPr lang="hu-HU" baseline="0" dirty="0"/>
               <a:t> of </a:t>
             </a:r>
             <a:r>
-              <a:rPr lang="hu-HU" dirty="0" err="1"/>
-              <a:t>documents</a:t>
-            </a:r>
-            <a:r>
-              <a:rPr lang="hu-HU" baseline="0" dirty="0"/>
-              <a:t> </a:t>
-            </a:r>
-            <a:r>
-              <a:rPr lang="hu-HU" baseline="0" dirty="0" err="1"/>
-              <a:t>or</a:t>
-            </a:r>
-            <a:r>
-              <a:rPr lang="hu-HU" baseline="0" dirty="0"/>
-              <a:t> </a:t>
-            </a:r>
-            <a:r>
-              <a:rPr lang="hu-HU" baseline="0" dirty="0" err="1"/>
-              <a:t>manuscripts</a:t>
-            </a:r>
-            <a:r>
-              <a:rPr lang="hu-HU" baseline="0" dirty="0"/>
-              <a:t>. </a:t>
-            </a:r>
-            <a:r>
-              <a:rPr lang="hu-HU" baseline="0" dirty="0" err="1"/>
-              <a:t>These</a:t>
-            </a:r>
-            <a:r>
-              <a:rPr lang="hu-HU" baseline="0" dirty="0"/>
-              <a:t> has </a:t>
-            </a:r>
-            <a:r>
-              <a:rPr lang="hu-HU" baseline="0" dirty="0" err="1"/>
-              <a:t>different</a:t>
-            </a:r>
-            <a:r>
-              <a:rPr lang="hu-HU" baseline="0" dirty="0"/>
-              <a:t> </a:t>
-            </a:r>
-            <a:r>
-              <a:rPr lang="hu-HU" baseline="0" dirty="0" err="1"/>
-              <a:t>attributes</a:t>
+              <a:rPr lang="hu-HU" baseline="0" dirty="0" err="1"/>
+              <a:t>the</a:t>
+            </a:r>
+            <a:r>
+              <a:rPr lang="hu-HU" baseline="0" dirty="0"/>
+              <a:t> </a:t>
+            </a:r>
+            <a:r>
+              <a:rPr lang="hu-HU" baseline="0" dirty="0" err="1"/>
+              <a:t>IManuscript</a:t>
+            </a:r>
+            <a:r>
+              <a:rPr lang="hu-HU" baseline="0" dirty="0"/>
+              <a:t> </a:t>
+            </a:r>
+            <a:r>
+              <a:rPr lang="hu-HU" baseline="0" dirty="0" err="1"/>
+              <a:t>interface</a:t>
             </a:r>
             <a:r>
               <a:rPr lang="hu-HU" baseline="0" dirty="0"/>
@@ -3966,361 +3799,30 @@
           </a:p>
           <a:p>
             <a:r>
-              <a:rPr lang="hu-HU" baseline="0" dirty="0" err="1"/>
-              <a:t>Each</a:t>
-            </a:r>
-            <a:r>
-              <a:rPr lang="hu-HU" baseline="0" dirty="0"/>
-              <a:t> has a Print.</a:t>
-            </a:r>
-          </a:p>
-          <a:p>
-            <a:r>
-              <a:rPr lang="hu-HU" baseline="0" dirty="0" err="1"/>
-              <a:t>If</a:t>
-            </a:r>
-            <a:r>
-              <a:rPr lang="hu-HU" baseline="0" dirty="0"/>
-              <a:t> </a:t>
-            </a:r>
-            <a:r>
-              <a:rPr lang="hu-HU" baseline="0" dirty="0" err="1"/>
-              <a:t>we</a:t>
-            </a:r>
-            <a:r>
-              <a:rPr lang="hu-HU" baseline="0" dirty="0"/>
-              <a:t> </a:t>
-            </a:r>
-            <a:r>
-              <a:rPr lang="hu-HU" baseline="0" dirty="0" err="1"/>
-              <a:t>would</a:t>
-            </a:r>
-            <a:r>
-              <a:rPr lang="hu-HU" baseline="0" dirty="0"/>
-              <a:t> </a:t>
-            </a:r>
-            <a:r>
-              <a:rPr lang="hu-HU" baseline="0" dirty="0" err="1"/>
-              <a:t>stick</a:t>
-            </a:r>
-            <a:r>
-              <a:rPr lang="hu-HU" baseline="0" dirty="0"/>
-              <a:t> </a:t>
-            </a:r>
-            <a:r>
-              <a:rPr lang="hu-HU" baseline="0" dirty="0" err="1"/>
-              <a:t>to</a:t>
-            </a:r>
-            <a:r>
-              <a:rPr lang="hu-HU" baseline="0" dirty="0"/>
-              <a:t> </a:t>
-            </a:r>
-            <a:r>
-              <a:rPr lang="hu-HU" baseline="0" dirty="0" err="1"/>
-              <a:t>this</a:t>
-            </a:r>
-            <a:r>
-              <a:rPr lang="hu-HU" baseline="0" dirty="0"/>
-              <a:t> </a:t>
-            </a:r>
-            <a:r>
-              <a:rPr lang="hu-HU" baseline="0" dirty="0" err="1"/>
-              <a:t>solution</a:t>
-            </a:r>
-            <a:r>
-              <a:rPr lang="hu-HU" baseline="0" dirty="0"/>
-              <a:t> </a:t>
-            </a:r>
-            <a:r>
-              <a:rPr lang="hu-HU" baseline="0" dirty="0" err="1"/>
-              <a:t>than</a:t>
-            </a:r>
-            <a:r>
-              <a:rPr lang="hu-HU" baseline="0" dirty="0"/>
-              <a:t> </a:t>
-            </a:r>
-            <a:r>
-              <a:rPr lang="hu-HU" baseline="0" dirty="0" err="1"/>
-              <a:t>we</a:t>
-            </a:r>
-            <a:r>
-              <a:rPr lang="hu-HU" baseline="0" dirty="0"/>
-              <a:t> </a:t>
-            </a:r>
-            <a:r>
-              <a:rPr lang="hu-HU" baseline="0" dirty="0" err="1"/>
-              <a:t>would</a:t>
-            </a:r>
-            <a:r>
-              <a:rPr lang="hu-HU" baseline="0" dirty="0"/>
-              <a:t> </a:t>
-            </a:r>
-            <a:r>
-              <a:rPr lang="hu-HU" baseline="0" dirty="0" err="1"/>
-              <a:t>have</a:t>
-            </a:r>
-            <a:r>
-              <a:rPr lang="hu-HU" baseline="0" dirty="0"/>
-              <a:t> a </a:t>
-            </a:r>
-            <a:r>
-              <a:rPr lang="hu-HU" baseline="0" dirty="0" err="1"/>
-              <a:t>large</a:t>
-            </a:r>
-            <a:r>
-              <a:rPr lang="hu-HU" baseline="0" dirty="0"/>
-              <a:t> </a:t>
-            </a:r>
-            <a:r>
-              <a:rPr lang="hu-HU" baseline="0" dirty="0" err="1"/>
-              <a:t>headachin</a:t>
-            </a:r>
-            <a:r>
-              <a:rPr lang="hu-HU" baseline="0" dirty="0"/>
-              <a:t> </a:t>
-            </a:r>
-            <a:r>
-              <a:rPr lang="hu-HU" baseline="0" dirty="0" err="1"/>
-              <a:t>the</a:t>
-            </a:r>
-            <a:r>
-              <a:rPr lang="hu-HU" baseline="0" dirty="0"/>
-              <a:t> </a:t>
-            </a:r>
-            <a:r>
-              <a:rPr lang="hu-HU" baseline="0" dirty="0" err="1"/>
-              <a:t>mantenance</a:t>
-            </a:r>
-            <a:r>
-              <a:rPr lang="hu-HU" baseline="0" dirty="0"/>
-              <a:t>. </a:t>
-            </a:r>
-          </a:p>
-          <a:p>
-            <a:r>
-              <a:rPr lang="hu-HU" baseline="0" dirty="0" err="1"/>
-              <a:t>For</a:t>
-            </a:r>
-            <a:r>
-              <a:rPr lang="hu-HU" baseline="0" dirty="0"/>
-              <a:t> a </a:t>
-            </a:r>
-            <a:r>
-              <a:rPr lang="hu-HU" baseline="0" dirty="0" err="1"/>
-              <a:t>new</a:t>
-            </a:r>
-            <a:r>
-              <a:rPr lang="hu-HU" baseline="0" dirty="0"/>
-              <a:t> </a:t>
-            </a:r>
-            <a:r>
-              <a:rPr lang="hu-HU" baseline="0" dirty="0" err="1"/>
-              <a:t>formatting</a:t>
-            </a:r>
-            <a:r>
-              <a:rPr lang="hu-HU" baseline="0" dirty="0"/>
-              <a:t> </a:t>
-            </a:r>
-            <a:r>
-              <a:rPr lang="hu-HU" baseline="0" dirty="0" err="1"/>
-              <a:t>we</a:t>
-            </a:r>
-            <a:r>
-              <a:rPr lang="hu-HU" baseline="0" dirty="0"/>
-              <a:t> </a:t>
-            </a:r>
-            <a:r>
-              <a:rPr lang="hu-HU" baseline="0" dirty="0" err="1"/>
-              <a:t>have</a:t>
-            </a:r>
-            <a:r>
-              <a:rPr lang="hu-HU" baseline="0" dirty="0"/>
-              <a:t> </a:t>
-            </a:r>
-            <a:r>
-              <a:rPr lang="hu-HU" baseline="0" dirty="0" err="1"/>
-              <a:t>to</a:t>
-            </a:r>
-            <a:r>
-              <a:rPr lang="hu-HU" baseline="0" dirty="0"/>
-              <a:t> </a:t>
-            </a:r>
-            <a:r>
-              <a:rPr lang="hu-HU" baseline="0" dirty="0" err="1"/>
-              <a:t>create</a:t>
-            </a:r>
-            <a:r>
-              <a:rPr lang="hu-HU" baseline="0" dirty="0"/>
-              <a:t> </a:t>
-            </a:r>
-            <a:r>
-              <a:rPr lang="hu-HU" baseline="0" dirty="0" err="1"/>
-              <a:t>a</a:t>
-            </a:r>
-            <a:r>
-              <a:rPr lang="hu-HU" baseline="0" dirty="0"/>
-              <a:t> </a:t>
-            </a:r>
-            <a:r>
-              <a:rPr lang="hu-HU" baseline="0" dirty="0" err="1"/>
-              <a:t>new</a:t>
-            </a:r>
-            <a:r>
-              <a:rPr lang="hu-HU" baseline="0" dirty="0"/>
-              <a:t> </a:t>
-            </a:r>
-            <a:r>
-              <a:rPr lang="hu-HU" baseline="0" dirty="0" err="1"/>
-              <a:t>Book</a:t>
-            </a:r>
-            <a:r>
-              <a:rPr lang="hu-HU" baseline="0" dirty="0"/>
-              <a:t>, </a:t>
-            </a:r>
-            <a:r>
-              <a:rPr lang="hu-HU" baseline="0" dirty="0" err="1"/>
-              <a:t>faq</a:t>
-            </a:r>
-            <a:r>
-              <a:rPr lang="hu-HU" baseline="0" dirty="0"/>
-              <a:t>  and </a:t>
-            </a:r>
-            <a:r>
-              <a:rPr lang="hu-HU" baseline="0" dirty="0" err="1"/>
-              <a:t>Termpaper</a:t>
-            </a:r>
-            <a:r>
-              <a:rPr lang="hu-HU" baseline="0" dirty="0"/>
-              <a:t> </a:t>
-            </a:r>
-            <a:r>
-              <a:rPr lang="hu-HU" baseline="0" dirty="0" err="1"/>
-              <a:t>fancy</a:t>
-            </a:r>
-            <a:r>
-              <a:rPr lang="hu-HU" baseline="0" dirty="0"/>
-              <a:t> </a:t>
-            </a:r>
-            <a:r>
-              <a:rPr lang="hu-HU" baseline="0" dirty="0" err="1"/>
-              <a:t>formatting</a:t>
-            </a:r>
-            <a:r>
-              <a:rPr lang="hu-HU" baseline="0" dirty="0"/>
-              <a:t> version.</a:t>
-            </a:r>
-          </a:p>
-          <a:p>
-            <a:r>
-              <a:rPr lang="hu-HU" baseline="0" dirty="0"/>
-              <a:t>Print is an </a:t>
-            </a:r>
-            <a:r>
-              <a:rPr lang="hu-HU" baseline="0" dirty="0" err="1"/>
-              <a:t>implementation</a:t>
-            </a:r>
-            <a:r>
-              <a:rPr lang="hu-HU" baseline="0" dirty="0"/>
-              <a:t> of </a:t>
-            </a:r>
-            <a:r>
-              <a:rPr lang="hu-HU" baseline="0" dirty="0" err="1"/>
-              <a:t>the</a:t>
-            </a:r>
-            <a:r>
-              <a:rPr lang="hu-HU" baseline="0" dirty="0"/>
-              <a:t> </a:t>
-            </a:r>
-            <a:r>
-              <a:rPr lang="hu-HU" baseline="0" dirty="0" err="1"/>
-              <a:t>IManuscript</a:t>
-            </a:r>
-            <a:r>
-              <a:rPr lang="hu-HU" baseline="0" dirty="0"/>
-              <a:t> </a:t>
-            </a:r>
-            <a:r>
-              <a:rPr lang="hu-HU" baseline="0" dirty="0" err="1"/>
-              <a:t>interface</a:t>
-            </a:r>
-            <a:r>
-              <a:rPr lang="hu-HU" baseline="0" dirty="0"/>
-              <a:t>.</a:t>
-            </a:r>
-          </a:p>
-          <a:p>
-            <a:r>
-              <a:rPr lang="hu-HU" baseline="0" dirty="0" err="1"/>
-              <a:t>But</a:t>
-            </a:r>
-            <a:r>
-              <a:rPr lang="hu-HU" baseline="0" dirty="0"/>
-              <a:t> </a:t>
-            </a:r>
-            <a:r>
-              <a:rPr lang="hu-HU" baseline="0" dirty="0" err="1"/>
-              <a:t>what</a:t>
-            </a:r>
-            <a:r>
-              <a:rPr lang="hu-HU" baseline="0" dirty="0"/>
-              <a:t> </a:t>
-            </a:r>
-            <a:r>
-              <a:rPr lang="hu-HU" baseline="0" dirty="0" err="1"/>
-              <a:t>we</a:t>
-            </a:r>
-            <a:r>
-              <a:rPr lang="hu-HU" baseline="0" dirty="0"/>
-              <a:t> </a:t>
-            </a:r>
-            <a:r>
-              <a:rPr lang="hu-HU" baseline="0" dirty="0" err="1"/>
-              <a:t>want</a:t>
-            </a:r>
-            <a:r>
-              <a:rPr lang="hu-HU" baseline="0" dirty="0"/>
-              <a:t> is </a:t>
-            </a:r>
-            <a:r>
-              <a:rPr lang="hu-HU" baseline="0" dirty="0" err="1"/>
-              <a:t>to</a:t>
-            </a:r>
-            <a:r>
-              <a:rPr lang="hu-HU" baseline="0" dirty="0"/>
-              <a:t> </a:t>
-            </a:r>
-            <a:r>
-              <a:rPr lang="hu-HU" baseline="0" dirty="0" err="1"/>
-              <a:t>have</a:t>
-            </a:r>
-            <a:r>
-              <a:rPr lang="hu-HU" baseline="0" dirty="0"/>
-              <a:t> an </a:t>
-            </a:r>
-            <a:r>
-              <a:rPr lang="hu-HU" baseline="0" dirty="0" err="1"/>
-              <a:t>other</a:t>
-            </a:r>
-            <a:r>
-              <a:rPr lang="hu-HU" baseline="0" dirty="0"/>
-              <a:t> </a:t>
-            </a:r>
-            <a:r>
-              <a:rPr lang="hu-HU" baseline="0" dirty="0" err="1"/>
-              <a:t>level</a:t>
-            </a:r>
-            <a:r>
-              <a:rPr lang="hu-HU" baseline="0" dirty="0"/>
-              <a:t> of </a:t>
-            </a:r>
-            <a:r>
-              <a:rPr lang="hu-HU" baseline="0" dirty="0" err="1"/>
-              <a:t>abstraction</a:t>
-            </a:r>
-            <a:r>
-              <a:rPr lang="hu-HU" baseline="0" dirty="0"/>
-              <a:t>.</a:t>
-            </a:r>
+              <a:rPr lang="hu-HU" baseline="0" dirty="0"/>
+              <a:t>But what we want is to have an other level of abstraction.</a:t>
+            </a:r>
+            <a:r>
+              <a:rPr lang="sv-SE" baseline="0" dirty="0"/>
+              <a:t> </a:t>
+            </a:r>
+            <a:r>
+              <a:rPr lang="sv-SE" baseline="0" dirty="0" err="1"/>
+              <a:t>We</a:t>
+            </a:r>
+            <a:r>
+              <a:rPr lang="sv-SE" baseline="0" dirty="0"/>
+              <a:t> </a:t>
+            </a:r>
+            <a:r>
+              <a:rPr lang="sv-SE" baseline="0" dirty="0" err="1"/>
+              <a:t>decouple</a:t>
+            </a:r>
+            <a:r>
+              <a:rPr lang="sv-SE" baseline="0" dirty="0"/>
+              <a:t> the formatting from the Printing.</a:t>
+            </a:r>
+            <a:endParaRPr lang="hu-HU" baseline="0" dirty="0"/>
           </a:p>
           <a:p>
             <a:r>
@@ -4563,72 +4065,64 @@
           </a:p>
           <a:p>
             <a:r>
-              <a:rPr lang="hu-HU" dirty="0" err="1"/>
+              <a:rPr lang="hu-HU" dirty="0"/>
               <a:t>What</a:t>
             </a:r>
             <a:r>
               <a:rPr lang="hu-HU" baseline="0" dirty="0"/>
-              <a:t> </a:t>
-            </a:r>
-            <a:r>
-              <a:rPr lang="hu-HU" baseline="0" dirty="0" err="1"/>
-              <a:t>we</a:t>
-            </a:r>
-            <a:r>
-              <a:rPr lang="hu-HU" baseline="0" dirty="0"/>
-              <a:t> </a:t>
-            </a:r>
-            <a:r>
-              <a:rPr lang="hu-HU" baseline="0" dirty="0" err="1"/>
-              <a:t>really</a:t>
-            </a:r>
-            <a:r>
-              <a:rPr lang="hu-HU" baseline="0" dirty="0"/>
-              <a:t> </a:t>
-            </a:r>
-            <a:r>
-              <a:rPr lang="hu-HU" baseline="0" dirty="0" err="1"/>
-              <a:t>want</a:t>
-            </a:r>
-            <a:r>
-              <a:rPr lang="hu-HU" baseline="0" dirty="0"/>
-              <a:t> is </a:t>
-            </a:r>
-            <a:r>
-              <a:rPr lang="hu-HU" baseline="0" dirty="0" err="1"/>
-              <a:t>to</a:t>
-            </a:r>
-            <a:r>
-              <a:rPr lang="hu-HU" baseline="0" dirty="0"/>
-              <a:t> </a:t>
-            </a:r>
-            <a:r>
-              <a:rPr lang="hu-HU" baseline="0" dirty="0" err="1"/>
-              <a:t>force</a:t>
-            </a:r>
-            <a:r>
-              <a:rPr lang="hu-HU" baseline="0" dirty="0"/>
-              <a:t> </a:t>
-            </a:r>
-            <a:r>
-              <a:rPr lang="hu-HU" baseline="0" dirty="0" err="1"/>
-              <a:t>those</a:t>
-            </a:r>
-            <a:r>
-              <a:rPr lang="hu-HU" baseline="0" dirty="0"/>
-              <a:t> </a:t>
-            </a:r>
-            <a:r>
-              <a:rPr lang="hu-HU" baseline="0" dirty="0" err="1"/>
-              <a:t>who</a:t>
-            </a:r>
-            <a:r>
-              <a:rPr lang="hu-HU" baseline="0" dirty="0"/>
-              <a:t> </a:t>
-            </a:r>
-            <a:r>
-              <a:rPr lang="hu-HU" baseline="0" dirty="0" err="1"/>
-              <a:t>implements</a:t>
+              <a:t> we really want is to force those who implements the IManuScript to tak</a:t>
+            </a:r>
+            <a:r>
+              <a:rPr lang="sv-SE" baseline="0" dirty="0"/>
+              <a:t>e</a:t>
+            </a:r>
+            <a:r>
+              <a:rPr lang="hu-HU" baseline="0" dirty="0"/>
+              <a:t> a formatter.</a:t>
+            </a:r>
+          </a:p>
+          <a:p>
+            <a:r>
+              <a:rPr lang="hu-HU" baseline="0" dirty="0"/>
+              <a:t>If you are an I</a:t>
+            </a:r>
+            <a:r>
+              <a:rPr lang="sv-SE" baseline="0" dirty="0"/>
+              <a:t>M</a:t>
+            </a:r>
+            <a:r>
+              <a:rPr lang="hu-HU" baseline="0" dirty="0"/>
+              <a:t>anuScript, then you need to have a formatter.</a:t>
+            </a:r>
+          </a:p>
+          <a:p>
+            <a:r>
+              <a:rPr lang="hu-HU" baseline="0" dirty="0" err="1"/>
+              <a:t>Lets</a:t>
+            </a:r>
+            <a:r>
+              <a:rPr lang="hu-HU" baseline="0" dirty="0"/>
+              <a:t> </a:t>
+            </a:r>
+            <a:r>
+              <a:rPr lang="hu-HU" baseline="0" dirty="0" err="1"/>
+              <a:t>define</a:t>
+            </a:r>
+            <a:r>
+              <a:rPr lang="hu-HU" baseline="0" dirty="0"/>
+              <a:t> a </a:t>
+            </a:r>
+            <a:r>
+              <a:rPr lang="hu-HU" baseline="0" dirty="0" err="1"/>
+              <a:t>constructor</a:t>
+            </a:r>
+            <a:r>
+              <a:rPr lang="hu-HU" baseline="0" dirty="0"/>
+              <a:t> </a:t>
+            </a:r>
+            <a:r>
+              <a:rPr lang="hu-HU" baseline="0" dirty="0" err="1"/>
+              <a:t>in</a:t>
             </a:r>
             <a:r>
               <a:rPr lang="hu-HU" baseline="0" dirty="0"/>
@@ -4648,23 +4142,31 @@
             </a:r>
             <a:r>
               <a:rPr lang="hu-HU" baseline="0" dirty="0"/>
-              <a:t> </a:t>
-            </a:r>
-            <a:r>
-              <a:rPr lang="hu-HU" baseline="0" dirty="0" err="1"/>
-              <a:t>to</a:t>
-            </a:r>
-            <a:r>
-              <a:rPr lang="hu-HU" baseline="0" dirty="0"/>
-              <a:t> </a:t>
-            </a:r>
-            <a:r>
-              <a:rPr lang="hu-HU" baseline="0" dirty="0" err="1"/>
-              <a:t>tak</a:t>
-            </a:r>
-            <a:r>
-              <a:rPr lang="hu-HU" baseline="0" dirty="0"/>
-              <a:t> a </a:t>
+              <a:t>, </a:t>
+            </a:r>
+            <a:r>
+              <a:rPr lang="hu-HU" baseline="0" dirty="0" err="1"/>
+              <a:t>which</a:t>
+            </a:r>
+            <a:r>
+              <a:rPr lang="hu-HU" baseline="0" dirty="0"/>
+              <a:t> </a:t>
+            </a:r>
+            <a:r>
+              <a:rPr lang="hu-HU" baseline="0" dirty="0" err="1"/>
+              <a:t>accepts</a:t>
+            </a:r>
+            <a:r>
+              <a:rPr lang="hu-HU" baseline="0" dirty="0"/>
+              <a:t> </a:t>
+            </a:r>
+            <a:r>
+              <a:rPr lang="hu-HU" baseline="0" dirty="0" err="1"/>
+              <a:t>a</a:t>
+            </a:r>
+            <a:r>
+              <a:rPr lang="hu-HU" baseline="0" dirty="0"/>
+              <a:t> </a:t>
             </a:r>
             <a:r>
               <a:rPr lang="hu-HU" baseline="0" dirty="0" err="1"/>
@@ -4678,79 +4180,47 @@
           <a:p>
             <a:r>
               <a:rPr lang="hu-HU" baseline="0" dirty="0" err="1"/>
-              <a:t>If</a:t>
-            </a:r>
-            <a:r>
-              <a:rPr lang="hu-HU" baseline="0" dirty="0"/>
-              <a:t> </a:t>
-            </a:r>
-            <a:r>
-              <a:rPr lang="hu-HU" baseline="0" dirty="0" err="1"/>
-              <a:t>you</a:t>
-            </a:r>
-            <a:r>
-              <a:rPr lang="hu-HU" baseline="0" dirty="0"/>
-              <a:t> </a:t>
-            </a:r>
-            <a:r>
-              <a:rPr lang="hu-HU" baseline="0" dirty="0" err="1"/>
-              <a:t>are</a:t>
-            </a:r>
-            <a:r>
-              <a:rPr lang="hu-HU" baseline="0" dirty="0"/>
-              <a:t> an </a:t>
-            </a:r>
-            <a:r>
-              <a:rPr lang="hu-HU" baseline="0" dirty="0" err="1"/>
-              <a:t>ImanuScript</a:t>
-            </a:r>
-            <a:r>
-              <a:rPr lang="hu-HU" baseline="0" dirty="0"/>
-              <a:t>, </a:t>
-            </a:r>
-            <a:r>
-              <a:rPr lang="hu-HU" baseline="0" dirty="0" err="1"/>
-              <a:t>then</a:t>
-            </a:r>
-            <a:r>
-              <a:rPr lang="hu-HU" baseline="0" dirty="0"/>
-              <a:t> </a:t>
-            </a:r>
-            <a:r>
-              <a:rPr lang="hu-HU" baseline="0" dirty="0" err="1"/>
-              <a:t>you</a:t>
-            </a:r>
-            <a:r>
-              <a:rPr lang="hu-HU" baseline="0" dirty="0"/>
-              <a:t> </a:t>
-            </a:r>
-            <a:r>
-              <a:rPr lang="hu-HU" baseline="0" dirty="0" err="1"/>
-              <a:t>need</a:t>
-            </a:r>
-            <a:r>
-              <a:rPr lang="hu-HU" baseline="0" dirty="0"/>
-              <a:t> </a:t>
-            </a:r>
-            <a:r>
-              <a:rPr lang="hu-HU" baseline="0" dirty="0" err="1"/>
-              <a:t>to</a:t>
-            </a:r>
-            <a:r>
-              <a:rPr lang="hu-HU" baseline="0" dirty="0"/>
-              <a:t> </a:t>
-            </a:r>
-            <a:r>
-              <a:rPr lang="hu-HU" baseline="0" dirty="0" err="1"/>
-              <a:t>have</a:t>
-            </a:r>
-            <a:r>
-              <a:rPr lang="hu-HU" baseline="0" dirty="0"/>
-              <a:t> a </a:t>
-            </a:r>
-            <a:r>
-              <a:rPr lang="hu-HU" baseline="0" dirty="0" err="1"/>
-              <a:t>formatter</a:t>
+              <a:t>We</a:t>
+            </a:r>
+            <a:r>
+              <a:rPr lang="hu-HU" baseline="0" dirty="0"/>
+              <a:t> </a:t>
+            </a:r>
+            <a:r>
+              <a:rPr lang="hu-HU" baseline="0" dirty="0" err="1"/>
+              <a:t>extended</a:t>
+            </a:r>
+            <a:r>
+              <a:rPr lang="hu-HU" baseline="0" dirty="0"/>
+              <a:t> </a:t>
+            </a:r>
+            <a:r>
+              <a:rPr lang="hu-HU" baseline="0" dirty="0" err="1"/>
+              <a:t>the</a:t>
+            </a:r>
+            <a:r>
+              <a:rPr lang="hu-HU" baseline="0" dirty="0"/>
+              <a:t> </a:t>
+            </a:r>
+            <a:r>
+              <a:rPr lang="hu-HU" baseline="0" dirty="0" err="1"/>
+              <a:t>abilitiy</a:t>
+            </a:r>
+            <a:r>
+              <a:rPr lang="hu-HU" baseline="0" dirty="0"/>
+              <a:t> of a </a:t>
+            </a:r>
+            <a:r>
+              <a:rPr lang="hu-HU" baseline="0" dirty="0" err="1"/>
+              <a:t>set</a:t>
+            </a:r>
+            <a:r>
+              <a:rPr lang="hu-HU" baseline="0" dirty="0"/>
+              <a:t> of </a:t>
+            </a:r>
+            <a:r>
+              <a:rPr lang="hu-HU" baseline="0" dirty="0" err="1"/>
+              <a:t>classes</a:t>
             </a:r>
             <a:r>
               <a:rPr lang="hu-HU" baseline="0" dirty="0"/>
@@ -4760,31 +4230,23 @@
           <a:p>
             <a:r>
               <a:rPr lang="hu-HU" baseline="0" dirty="0" err="1"/>
-              <a:t>Lets</a:t>
-            </a:r>
-            <a:r>
-              <a:rPr lang="hu-HU" baseline="0" dirty="0"/>
-              <a:t> </a:t>
-            </a:r>
-            <a:r>
-              <a:rPr lang="hu-HU" baseline="0" dirty="0" err="1"/>
-              <a:t>define</a:t>
-            </a:r>
-            <a:r>
-              <a:rPr lang="hu-HU" baseline="0" dirty="0"/>
-              <a:t> a </a:t>
-            </a:r>
-            <a:r>
-              <a:rPr lang="hu-HU" baseline="0" dirty="0" err="1"/>
-              <a:t>constructor</a:t>
-            </a:r>
-            <a:r>
-              <a:rPr lang="hu-HU" baseline="0" dirty="0"/>
-              <a:t> </a:t>
-            </a:r>
-            <a:r>
-              <a:rPr lang="hu-HU" baseline="0" dirty="0" err="1"/>
-              <a:t>in</a:t>
+              <a:t>We</a:t>
+            </a:r>
+            <a:r>
+              <a:rPr lang="hu-HU" baseline="0" dirty="0"/>
+              <a:t> </a:t>
+            </a:r>
+            <a:r>
+              <a:rPr lang="hu-HU" baseline="0" dirty="0" err="1"/>
+              <a:t>successfully</a:t>
+            </a:r>
+            <a:r>
+              <a:rPr lang="hu-HU" baseline="0" dirty="0"/>
+              <a:t> </a:t>
+            </a:r>
+            <a:r>
+              <a:rPr lang="hu-HU" baseline="0" dirty="0" err="1"/>
+              <a:t>decouple</a:t>
             </a:r>
             <a:r>
               <a:rPr lang="hu-HU" baseline="0" dirty="0"/>
@@ -4800,39 +4262,31 @@
             </a:r>
             <a:r>
               <a:rPr lang="hu-HU" baseline="0" dirty="0" err="1"/>
-              <a:t>IManuScript</a:t>
-            </a:r>
-            <a:r>
-              <a:rPr lang="hu-HU" baseline="0" dirty="0"/>
-              <a:t>, </a:t>
-            </a:r>
-            <a:r>
-              <a:rPr lang="hu-HU" baseline="0" dirty="0" err="1"/>
-              <a:t>which</a:t>
-            </a:r>
-            <a:r>
-              <a:rPr lang="hu-HU" baseline="0" dirty="0"/>
-              <a:t> </a:t>
-            </a:r>
-            <a:r>
-              <a:rPr lang="hu-HU" baseline="0" dirty="0" err="1"/>
-              <a:t>accepts</a:t>
-            </a:r>
-            <a:r>
-              <a:rPr lang="hu-HU" baseline="0" dirty="0"/>
-              <a:t> </a:t>
-            </a:r>
-            <a:r>
-              <a:rPr lang="hu-HU" baseline="0" dirty="0" err="1"/>
-              <a:t>a</a:t>
-            </a:r>
-            <a:r>
-              <a:rPr lang="hu-HU" baseline="0" dirty="0"/>
-              <a:t> </a:t>
-            </a:r>
-            <a:r>
-              <a:rPr lang="hu-HU" baseline="0" dirty="0" err="1"/>
-              <a:t>formatter</a:t>
+              <a:t>abstraction</a:t>
+            </a:r>
+            <a:r>
+              <a:rPr lang="hu-HU" baseline="0" dirty="0"/>
+              <a:t> </a:t>
+            </a:r>
+            <a:r>
+              <a:rPr lang="hu-HU" baseline="0" dirty="0" err="1"/>
+              <a:t>from</a:t>
+            </a:r>
+            <a:r>
+              <a:rPr lang="hu-HU" baseline="0" dirty="0"/>
+              <a:t> </a:t>
+            </a:r>
+            <a:r>
+              <a:rPr lang="hu-HU" baseline="0" dirty="0" err="1"/>
+              <a:t>the</a:t>
+            </a:r>
+            <a:r>
+              <a:rPr lang="hu-HU" baseline="0" dirty="0"/>
+              <a:t> </a:t>
+            </a:r>
+            <a:r>
+              <a:rPr lang="hu-HU" baseline="0" dirty="0" err="1"/>
+              <a:t>implementation</a:t>
             </a:r>
             <a:r>
               <a:rPr lang="hu-HU" baseline="0" dirty="0"/>
@@ -4840,300 +4294,20 @@
             </a:r>
           </a:p>
           <a:p>
-            <a:r>
-              <a:rPr lang="hu-HU" baseline="0" dirty="0" err="1"/>
-              <a:t>We</a:t>
-            </a:r>
-            <a:r>
-              <a:rPr lang="hu-HU" baseline="0" dirty="0"/>
-              <a:t> </a:t>
-            </a:r>
-            <a:r>
-              <a:rPr lang="hu-HU" baseline="0" dirty="0" err="1"/>
-              <a:t>extended</a:t>
-            </a:r>
-            <a:r>
-              <a:rPr lang="hu-HU" baseline="0" dirty="0"/>
-              <a:t> </a:t>
-            </a:r>
-            <a:r>
-              <a:rPr lang="hu-HU" baseline="0" dirty="0" err="1"/>
-              <a:t>the</a:t>
-            </a:r>
-            <a:r>
-              <a:rPr lang="hu-HU" baseline="0" dirty="0"/>
-              <a:t> </a:t>
-            </a:r>
-            <a:r>
-              <a:rPr lang="hu-HU" baseline="0" dirty="0" err="1"/>
-              <a:t>abilitiy</a:t>
-            </a:r>
-            <a:r>
-              <a:rPr lang="hu-HU" baseline="0" dirty="0"/>
-              <a:t> of a </a:t>
-            </a:r>
-            <a:r>
-              <a:rPr lang="hu-HU" baseline="0" dirty="0" err="1"/>
-              <a:t>set</a:t>
-            </a:r>
-            <a:r>
-              <a:rPr lang="hu-HU" baseline="0" dirty="0"/>
-              <a:t> of </a:t>
-            </a:r>
-            <a:r>
-              <a:rPr lang="hu-HU" baseline="0" dirty="0" err="1"/>
-              <a:t>classes</a:t>
-            </a:r>
-            <a:r>
-              <a:rPr lang="hu-HU" baseline="0" dirty="0"/>
-              <a:t>.</a:t>
-            </a:r>
-          </a:p>
-          <a:p>
-            <a:r>
-              <a:rPr lang="hu-HU" baseline="0" dirty="0" err="1"/>
-              <a:t>We</a:t>
-            </a:r>
-            <a:r>
-              <a:rPr lang="hu-HU" baseline="0" dirty="0"/>
-              <a:t> </a:t>
-            </a:r>
-            <a:r>
-              <a:rPr lang="hu-HU" baseline="0" dirty="0" err="1"/>
-              <a:t>successfully</a:t>
-            </a:r>
-            <a:r>
-              <a:rPr lang="hu-HU" baseline="0" dirty="0"/>
-              <a:t> </a:t>
-            </a:r>
-            <a:r>
-              <a:rPr lang="hu-HU" baseline="0" dirty="0" err="1"/>
-              <a:t>decouple</a:t>
-            </a:r>
-            <a:r>
-              <a:rPr lang="hu-HU" baseline="0" dirty="0"/>
-              <a:t> </a:t>
-            </a:r>
-            <a:r>
-              <a:rPr lang="hu-HU" baseline="0" dirty="0" err="1"/>
-              <a:t>the</a:t>
-            </a:r>
-            <a:r>
-              <a:rPr lang="hu-HU" baseline="0" dirty="0"/>
-              <a:t> </a:t>
-            </a:r>
-            <a:r>
-              <a:rPr lang="hu-HU" baseline="0" dirty="0" err="1"/>
-              <a:t>abstraction</a:t>
-            </a:r>
-            <a:r>
-              <a:rPr lang="hu-HU" baseline="0" dirty="0"/>
-              <a:t> </a:t>
-            </a:r>
-            <a:r>
-              <a:rPr lang="hu-HU" baseline="0" dirty="0" err="1"/>
-              <a:t>from</a:t>
-            </a:r>
-            <a:r>
-              <a:rPr lang="hu-HU" baseline="0" dirty="0"/>
-              <a:t> </a:t>
-            </a:r>
-            <a:r>
-              <a:rPr lang="hu-HU" baseline="0" dirty="0" err="1"/>
-              <a:t>the</a:t>
-            </a:r>
-            <a:r>
-              <a:rPr lang="hu-HU" baseline="0" dirty="0"/>
-              <a:t> </a:t>
-            </a:r>
-            <a:r>
-              <a:rPr lang="hu-HU" baseline="0" dirty="0" err="1"/>
-              <a:t>implementation</a:t>
-            </a:r>
-            <a:r>
-              <a:rPr lang="hu-HU" baseline="0" dirty="0"/>
-              <a:t>.</a:t>
-            </a:r>
-          </a:p>
-          <a:p>
             <a:endParaRPr lang="hu-HU" baseline="0" dirty="0"/>
           </a:p>
           <a:p>
             <a:r>
-              <a:rPr lang="hu-HU" baseline="0" dirty="0" err="1"/>
-              <a:t>We</a:t>
-            </a:r>
-            <a:r>
-              <a:rPr lang="hu-HU" baseline="0" dirty="0"/>
-              <a:t> </a:t>
-            </a:r>
-            <a:r>
-              <a:rPr lang="hu-HU" baseline="0" dirty="0" err="1"/>
-              <a:t>refer</a:t>
-            </a:r>
-            <a:r>
-              <a:rPr lang="hu-HU" baseline="0" dirty="0"/>
-              <a:t> </a:t>
-            </a:r>
-            <a:r>
-              <a:rPr lang="hu-HU" baseline="0" dirty="0" err="1"/>
-              <a:t>to</a:t>
-            </a:r>
-            <a:r>
-              <a:rPr lang="hu-HU" baseline="0" dirty="0"/>
-              <a:t> </a:t>
-            </a:r>
-            <a:r>
-              <a:rPr lang="hu-HU" baseline="0" dirty="0" err="1"/>
-              <a:t>the</a:t>
-            </a:r>
-            <a:r>
-              <a:rPr lang="hu-HU" baseline="0" dirty="0"/>
-              <a:t> </a:t>
-            </a:r>
-            <a:r>
-              <a:rPr lang="hu-HU" baseline="0" dirty="0" err="1"/>
-              <a:t>relationship</a:t>
-            </a:r>
-            <a:r>
-              <a:rPr lang="hu-HU" baseline="0" dirty="0"/>
-              <a:t> </a:t>
-            </a:r>
-            <a:r>
-              <a:rPr lang="hu-HU" baseline="0" dirty="0" err="1"/>
-              <a:t>between</a:t>
-            </a:r>
-            <a:r>
-              <a:rPr lang="hu-HU" baseline="0" dirty="0"/>
-              <a:t> </a:t>
-            </a:r>
-            <a:r>
-              <a:rPr lang="hu-HU" baseline="0" dirty="0" err="1"/>
-              <a:t>IManuScript</a:t>
-            </a:r>
-            <a:r>
-              <a:rPr lang="hu-HU" baseline="0" dirty="0"/>
-              <a:t> an </a:t>
-            </a:r>
-            <a:r>
-              <a:rPr lang="hu-HU" baseline="0" dirty="0" err="1"/>
-              <a:t>Iformatter</a:t>
-            </a:r>
-            <a:r>
-              <a:rPr lang="hu-HU" baseline="0" dirty="0"/>
-              <a:t> </a:t>
-            </a:r>
-            <a:r>
-              <a:rPr lang="hu-HU" baseline="0" dirty="0" err="1"/>
-              <a:t>as</a:t>
-            </a:r>
-            <a:r>
-              <a:rPr lang="hu-HU" baseline="0" dirty="0"/>
-              <a:t> a </a:t>
-            </a:r>
-            <a:r>
-              <a:rPr lang="hu-HU" baseline="0" dirty="0" err="1"/>
-              <a:t>bridge</a:t>
-            </a:r>
-            <a:r>
-              <a:rPr lang="hu-HU" baseline="0" dirty="0"/>
-              <a:t>, </a:t>
-            </a:r>
-            <a:r>
-              <a:rPr lang="hu-HU" baseline="0" dirty="0" err="1"/>
-              <a:t>because</a:t>
-            </a:r>
-            <a:r>
-              <a:rPr lang="hu-HU" baseline="0" dirty="0"/>
-              <a:t> </a:t>
-            </a:r>
-            <a:r>
-              <a:rPr lang="hu-HU" baseline="0" dirty="0" err="1"/>
-              <a:t>its</a:t>
-            </a:r>
-            <a:r>
-              <a:rPr lang="hu-HU" baseline="0" dirty="0"/>
-              <a:t> </a:t>
-            </a:r>
-            <a:r>
-              <a:rPr lang="hu-HU" baseline="0" dirty="0" err="1"/>
-              <a:t>bridges</a:t>
-            </a:r>
-            <a:r>
-              <a:rPr lang="hu-HU" baseline="0" dirty="0"/>
-              <a:t> </a:t>
-            </a:r>
-            <a:r>
-              <a:rPr lang="hu-HU" baseline="0" dirty="0" err="1"/>
-              <a:t>the</a:t>
-            </a:r>
-            <a:r>
-              <a:rPr lang="hu-HU" baseline="0" dirty="0"/>
-              <a:t> </a:t>
-            </a:r>
-            <a:r>
-              <a:rPr lang="hu-HU" baseline="0" dirty="0" err="1"/>
-              <a:t>abstraction</a:t>
-            </a:r>
-            <a:r>
-              <a:rPr lang="hu-HU" baseline="0" dirty="0"/>
-              <a:t> and </a:t>
-            </a:r>
-            <a:r>
-              <a:rPr lang="hu-HU" baseline="0" dirty="0" err="1"/>
-              <a:t>its</a:t>
-            </a:r>
-            <a:r>
-              <a:rPr lang="hu-HU" baseline="0" dirty="0"/>
-              <a:t> </a:t>
-            </a:r>
-            <a:r>
-              <a:rPr lang="hu-HU" baseline="0" dirty="0" err="1"/>
-              <a:t>implementation</a:t>
-            </a:r>
-            <a:r>
-              <a:rPr lang="hu-HU" baseline="0" dirty="0"/>
-              <a:t>, </a:t>
-            </a:r>
-            <a:r>
-              <a:rPr lang="hu-HU" baseline="0" dirty="0" err="1"/>
-              <a:t>and</a:t>
-            </a:r>
-            <a:r>
-              <a:rPr lang="hu-HU" baseline="0" dirty="0"/>
-              <a:t> </a:t>
-            </a:r>
-            <a:r>
-              <a:rPr lang="hu-HU" baseline="0" dirty="0" err="1"/>
-              <a:t>letting</a:t>
-            </a:r>
-            <a:r>
-              <a:rPr lang="hu-HU" baseline="0" dirty="0"/>
-              <a:t> </a:t>
-            </a:r>
-            <a:r>
-              <a:rPr lang="hu-HU" baseline="0" dirty="0" err="1"/>
-              <a:t>them</a:t>
-            </a:r>
-            <a:r>
-              <a:rPr lang="hu-HU" baseline="0" dirty="0"/>
-              <a:t> </a:t>
-            </a:r>
-            <a:r>
-              <a:rPr lang="hu-HU" baseline="0" dirty="0" err="1"/>
-              <a:t>vary</a:t>
-            </a:r>
-            <a:r>
-              <a:rPr lang="hu-HU" baseline="0" dirty="0"/>
-              <a:t> </a:t>
-            </a:r>
-            <a:r>
-              <a:rPr lang="hu-HU" baseline="0" dirty="0" err="1"/>
-              <a:t>independently</a:t>
-            </a:r>
-            <a:r>
-              <a:rPr lang="hu-HU" baseline="0" dirty="0"/>
-              <a:t>.</a:t>
+              <a:rPr lang="hu-HU" baseline="0" dirty="0"/>
+              <a:t>We refer to the relationship between IManuScript an</a:t>
+            </a:r>
+            <a:r>
+              <a:rPr lang="sv-SE" baseline="0" dirty="0"/>
+              <a:t>d the</a:t>
+            </a:r>
+            <a:r>
+              <a:rPr lang="hu-HU" baseline="0" dirty="0"/>
+              <a:t> Iformatter as a bridge, because its bridges the abstraction and its implementation, and letting them vary independently.</a:t>
             </a:r>
             <a:endParaRPr lang="hu-HU" dirty="0"/>
           </a:p>
@@ -5220,7 +4394,7 @@
           <a:lstStyle/>
           <a:p>
             <a:r>
-              <a:rPr lang="hu-HU" dirty="0" err="1"/>
+              <a:rPr lang="hu-HU" b="1" dirty="0" err="1"/>
               <a:t>Abstraction</a:t>
             </a:r>
             <a:r>
@@ -5461,7 +4635,7 @@
           </a:p>
           <a:p>
             <a:r>
-              <a:rPr lang="hu-HU" baseline="0" dirty="0" err="1"/>
+              <a:rPr lang="hu-HU" b="1" baseline="0" dirty="0" err="1"/>
               <a:t>Implementor</a:t>
             </a:r>
             <a:r>
@@ -5597,213 +4771,34 @@
           </a:p>
           <a:p>
             <a:r>
-              <a:rPr lang="hu-HU" baseline="0" dirty="0" err="1"/>
-              <a:t>We</a:t>
-            </a:r>
-            <a:r>
-              <a:rPr lang="hu-HU" baseline="0" dirty="0"/>
-              <a:t> </a:t>
-            </a:r>
-            <a:r>
-              <a:rPr lang="hu-HU" baseline="0" dirty="0" err="1"/>
-              <a:t>didnt</a:t>
-            </a:r>
-            <a:r>
-              <a:rPr lang="hu-HU" baseline="0" dirty="0"/>
-              <a:t> </a:t>
-            </a:r>
-            <a:r>
-              <a:rPr lang="hu-HU" baseline="0" dirty="0" err="1"/>
-              <a:t>watn</a:t>
-            </a:r>
-            <a:r>
-              <a:rPr lang="hu-HU" baseline="0" dirty="0"/>
-              <a:t> </a:t>
-            </a:r>
-            <a:r>
-              <a:rPr lang="hu-HU" baseline="0" dirty="0" err="1"/>
-              <a:t>the</a:t>
-            </a:r>
-            <a:r>
-              <a:rPr lang="hu-HU" baseline="0" dirty="0"/>
-              <a:t> </a:t>
-            </a:r>
-            <a:r>
-              <a:rPr lang="hu-HU" baseline="0" dirty="0" err="1"/>
-              <a:t>formatter</a:t>
-            </a:r>
-            <a:r>
-              <a:rPr lang="hu-HU" baseline="0" dirty="0"/>
-              <a:t> </a:t>
-            </a:r>
-            <a:r>
-              <a:rPr lang="hu-HU" baseline="0" dirty="0" err="1"/>
-              <a:t>to</a:t>
-            </a:r>
-            <a:r>
-              <a:rPr lang="hu-HU" baseline="0" dirty="0"/>
-              <a:t> be </a:t>
-            </a:r>
-            <a:r>
-              <a:rPr lang="hu-HU" baseline="0" dirty="0" err="1"/>
-              <a:t>tide</a:t>
-            </a:r>
-            <a:r>
-              <a:rPr lang="hu-HU" baseline="0" dirty="0"/>
-              <a:t> </a:t>
-            </a:r>
-            <a:r>
-              <a:rPr lang="hu-HU" baseline="0" dirty="0" err="1"/>
-              <a:t>to</a:t>
-            </a:r>
-            <a:r>
-              <a:rPr lang="hu-HU" baseline="0" dirty="0"/>
-              <a:t> </a:t>
-            </a:r>
-            <a:r>
-              <a:rPr lang="hu-HU" baseline="0" dirty="0" err="1"/>
-              <a:t>the</a:t>
-            </a:r>
-            <a:r>
-              <a:rPr lang="hu-HU" baseline="0" dirty="0"/>
-              <a:t> </a:t>
-            </a:r>
-            <a:r>
-              <a:rPr lang="hu-HU" baseline="0" dirty="0" err="1"/>
-              <a:t>type</a:t>
-            </a:r>
-            <a:r>
-              <a:rPr lang="hu-HU" baseline="0" dirty="0"/>
-              <a:t> of </a:t>
-            </a:r>
-            <a:r>
-              <a:rPr lang="hu-HU" baseline="0" dirty="0" err="1"/>
-              <a:t>the</a:t>
-            </a:r>
-            <a:r>
-              <a:rPr lang="hu-HU" baseline="0" dirty="0"/>
-              <a:t> </a:t>
-            </a:r>
-            <a:r>
-              <a:rPr lang="hu-HU" baseline="0" dirty="0" err="1"/>
-              <a:t>manuscript</a:t>
-            </a:r>
-            <a:r>
-              <a:rPr lang="hu-HU" baseline="0" dirty="0"/>
-              <a:t>. </a:t>
-            </a:r>
-            <a:r>
-              <a:rPr lang="hu-HU" baseline="0" dirty="0" err="1"/>
-              <a:t>We</a:t>
-            </a:r>
-            <a:r>
-              <a:rPr lang="hu-HU" baseline="0" dirty="0"/>
-              <a:t> </a:t>
-            </a:r>
-            <a:r>
-              <a:rPr lang="hu-HU" baseline="0" dirty="0" err="1"/>
-              <a:t>didnt</a:t>
-            </a:r>
-            <a:r>
-              <a:rPr lang="hu-HU" baseline="0" dirty="0"/>
-              <a:t> </a:t>
-            </a:r>
-            <a:r>
-              <a:rPr lang="hu-HU" baseline="0" dirty="0" err="1"/>
-              <a:t>want</a:t>
-            </a:r>
-            <a:r>
-              <a:rPr lang="hu-HU" baseline="0" dirty="0"/>
-              <a:t> </a:t>
-            </a:r>
-            <a:r>
-              <a:rPr lang="hu-HU" baseline="0" dirty="0" err="1"/>
-              <a:t>that</a:t>
-            </a:r>
-            <a:r>
-              <a:rPr lang="hu-HU" baseline="0" dirty="0"/>
-              <a:t> a </a:t>
-            </a:r>
-            <a:r>
-              <a:rPr lang="hu-HU" baseline="0" dirty="0" err="1"/>
-              <a:t>book</a:t>
-            </a:r>
-            <a:r>
-              <a:rPr lang="hu-HU" baseline="0" dirty="0"/>
-              <a:t> </a:t>
-            </a:r>
-            <a:r>
-              <a:rPr lang="hu-HU" baseline="0" dirty="0" err="1"/>
-              <a:t>should</a:t>
-            </a:r>
-            <a:r>
-              <a:rPr lang="hu-HU" baseline="0" dirty="0"/>
-              <a:t> </a:t>
-            </a:r>
-            <a:r>
-              <a:rPr lang="hu-HU" baseline="0" dirty="0" err="1"/>
-              <a:t>have</a:t>
-            </a:r>
-            <a:r>
-              <a:rPr lang="hu-HU" baseline="0" dirty="0"/>
-              <a:t> </a:t>
-            </a:r>
-            <a:r>
-              <a:rPr lang="hu-HU" baseline="0" dirty="0" err="1"/>
-              <a:t>only</a:t>
-            </a:r>
-            <a:r>
-              <a:rPr lang="hu-HU" baseline="0" dirty="0"/>
-              <a:t> </a:t>
-            </a:r>
-            <a:r>
-              <a:rPr lang="hu-HU" baseline="0" dirty="0" err="1"/>
-              <a:t>one</a:t>
-            </a:r>
-            <a:r>
-              <a:rPr lang="hu-HU" baseline="0" dirty="0"/>
-              <a:t> </a:t>
-            </a:r>
-            <a:r>
-              <a:rPr lang="hu-HU" baseline="0" dirty="0" err="1"/>
-              <a:t>type</a:t>
-            </a:r>
-            <a:r>
-              <a:rPr lang="hu-HU" baseline="0" dirty="0"/>
-              <a:t> of </a:t>
-            </a:r>
-            <a:r>
-              <a:rPr lang="hu-HU" baseline="0" dirty="0" err="1"/>
-              <a:t>formatting</a:t>
-            </a:r>
-            <a:r>
-              <a:rPr lang="hu-HU" baseline="0" dirty="0"/>
-              <a:t>, </a:t>
-            </a:r>
-            <a:r>
-              <a:rPr lang="hu-HU" baseline="0" dirty="0" err="1"/>
-              <a:t>like</a:t>
-            </a:r>
-            <a:r>
-              <a:rPr lang="hu-HU" baseline="0" dirty="0"/>
-              <a:t> standard </a:t>
-            </a:r>
-            <a:r>
-              <a:rPr lang="hu-HU" baseline="0" dirty="0" err="1"/>
-              <a:t>or</a:t>
-            </a:r>
-            <a:r>
-              <a:rPr lang="hu-HU" baseline="0" dirty="0"/>
-              <a:t> </a:t>
-            </a:r>
-            <a:r>
-              <a:rPr lang="hu-HU" baseline="0" dirty="0" err="1"/>
-              <a:t>Reverse</a:t>
-            </a:r>
-            <a:r>
-              <a:rPr lang="hu-HU" baseline="0" dirty="0"/>
+              <a:rPr lang="hu-HU" baseline="0" dirty="0"/>
+              <a:t>We didnt w</a:t>
+            </a:r>
+            <a:r>
+              <a:rPr lang="sv-SE" baseline="0" dirty="0"/>
+              <a:t>a</a:t>
+            </a:r>
+            <a:r>
+              <a:rPr lang="hu-HU" baseline="0" dirty="0"/>
+              <a:t>n</a:t>
+            </a:r>
+            <a:r>
+              <a:rPr lang="sv-SE" baseline="0" dirty="0"/>
+              <a:t>t</a:t>
+            </a:r>
+            <a:r>
+              <a:rPr lang="hu-HU" baseline="0" dirty="0"/>
+              <a:t> the formatter to be tide to the type of the manuscript. We didnt want that a book should have only one type of formatting, like standard or </a:t>
+            </a:r>
+            <a:r>
+              <a:rPr lang="sv-SE" baseline="0" dirty="0" err="1"/>
+              <a:t>Backwards</a:t>
+            </a:r>
+            <a:r>
+              <a:rPr lang="sv-SE" baseline="0" dirty="0"/>
               <a:t>.</a:t>
             </a:r>
+            <a:endParaRPr lang="hu-HU" baseline="0" dirty="0"/>
           </a:p>
           <a:p>
             <a:r>
@@ -6048,7 +5043,7 @@
               <a:t> </a:t>
             </a:r>
             <a:r>
-              <a:rPr lang="hu-HU" baseline="0" dirty="0" err="1"/>
+              <a:rPr lang="hu-HU" b="1" baseline="0" dirty="0" err="1"/>
               <a:t>ConcreteImplementor</a:t>
             </a:r>
             <a:r>
@@ -6306,71 +5301,15 @@
             </a:r>
             <a:r>
               <a:rPr lang="hu-HU" baseline="0" dirty="0"/>
-              <a:t>. </a:t>
-            </a:r>
-            <a:r>
-              <a:rPr lang="hu-HU" baseline="0" dirty="0" err="1"/>
-              <a:t>We</a:t>
-            </a:r>
-            <a:r>
-              <a:rPr lang="hu-HU" baseline="0" dirty="0"/>
-              <a:t> </a:t>
-            </a:r>
-            <a:r>
-              <a:rPr lang="hu-HU" baseline="0" dirty="0" err="1"/>
-              <a:t>can</a:t>
-            </a:r>
-            <a:r>
-              <a:rPr lang="hu-HU" baseline="0" dirty="0"/>
-              <a:t> </a:t>
-            </a:r>
-            <a:r>
-              <a:rPr lang="hu-HU" baseline="0" dirty="0" err="1"/>
-              <a:t>have</a:t>
-            </a:r>
-            <a:r>
-              <a:rPr lang="hu-HU" baseline="0" dirty="0"/>
-              <a:t> </a:t>
-            </a:r>
-            <a:r>
-              <a:rPr lang="hu-HU" baseline="0" dirty="0" err="1"/>
-              <a:t>differnt</a:t>
-            </a:r>
-            <a:r>
-              <a:rPr lang="hu-HU" baseline="0" dirty="0"/>
-              <a:t> </a:t>
-            </a:r>
-            <a:r>
-              <a:rPr lang="hu-HU" baseline="0" dirty="0" err="1"/>
-              <a:t>type</a:t>
-            </a:r>
-            <a:r>
-              <a:rPr lang="hu-HU" baseline="0" dirty="0"/>
-              <a:t> of </a:t>
-            </a:r>
-            <a:r>
-              <a:rPr lang="hu-HU" baseline="0" dirty="0" err="1"/>
-              <a:t>Printers</a:t>
-            </a:r>
-            <a:r>
-              <a:rPr lang="hu-HU" baseline="0" dirty="0"/>
-              <a:t> , </a:t>
-            </a:r>
-            <a:r>
-              <a:rPr lang="hu-HU" baseline="0" dirty="0" err="1"/>
-              <a:t>or</a:t>
-            </a:r>
-            <a:r>
-              <a:rPr lang="hu-HU" baseline="0" dirty="0"/>
-              <a:t> </a:t>
-            </a:r>
-            <a:r>
-              <a:rPr lang="hu-HU" baseline="0" dirty="0" err="1"/>
-              <a:t>language</a:t>
-            </a:r>
-            <a:r>
-              <a:rPr lang="hu-HU" baseline="0" dirty="0"/>
-              <a:t>. </a:t>
+              <a:t>. We can have differnt type of Printers , or language</a:t>
+            </a:r>
+            <a:r>
+              <a:rPr lang="sv-SE" baseline="0" dirty="0"/>
+              <a:t>.</a:t>
+            </a:r>
+            <a:r>
+              <a:rPr lang="hu-HU" baseline="0" dirty="0"/>
+              <a:t> </a:t>
             </a:r>
           </a:p>
           <a:p>
@@ -6800,40 +5739,248 @@
           <a:lstStyle/>
           <a:p>
             <a:r>
+              <a:rPr lang="sv-SE" b="1" dirty="0"/>
+              <a:t>Component</a:t>
+            </a:r>
+            <a:r>
+              <a:rPr lang="sv-SE" dirty="0"/>
+              <a:t> is an interface. </a:t>
+            </a:r>
+            <a:endParaRPr lang="hu-HU" dirty="0"/>
+          </a:p>
+          <a:p>
+            <a:r>
+              <a:rPr lang="hu-HU" dirty="0"/>
+              <a:t>It declares the interface for objects in the composition.</a:t>
+            </a:r>
+            <a:endParaRPr lang="sv-SE" dirty="0"/>
+          </a:p>
+          <a:p>
+            <a:r>
+              <a:rPr lang="en-US" sz="1200" b="0" i="0" u="none" strike="noStrike" kern="1200" baseline="0" dirty="0">
+                <a:solidFill>
+                  <a:schemeClr val="tx1"/>
+                </a:solidFill>
+                <a:latin typeface="+mn-lt"/>
+                <a:ea typeface="+mn-ea"/>
+                <a:cs typeface="+mn-cs"/>
+              </a:rPr>
+              <a:t>Implements default behavior for the interface common to all classes,</a:t>
+            </a:r>
+          </a:p>
+          <a:p>
+            <a:r>
+              <a:rPr lang="sv-SE" sz="1200" b="0" i="0" u="none" strike="noStrike" kern="1200" baseline="0" dirty="0">
+                <a:solidFill>
+                  <a:schemeClr val="tx1"/>
+                </a:solidFill>
+                <a:latin typeface="+mn-lt"/>
+                <a:ea typeface="+mn-ea"/>
+                <a:cs typeface="+mn-cs"/>
+              </a:rPr>
+              <a:t>as </a:t>
+            </a:r>
+            <a:r>
+              <a:rPr lang="sv-SE" sz="1200" b="0" i="0" u="none" strike="noStrike" kern="1200" baseline="0" dirty="0" err="1">
+                <a:solidFill>
+                  <a:schemeClr val="tx1"/>
+                </a:solidFill>
+                <a:latin typeface="+mn-lt"/>
+                <a:ea typeface="+mn-ea"/>
+                <a:cs typeface="+mn-cs"/>
+              </a:rPr>
+              <a:t>appropriate</a:t>
+            </a:r>
+            <a:r>
+              <a:rPr lang="sv-SE" sz="1200" b="0" i="0" u="none" strike="noStrike" kern="1200" baseline="0" dirty="0">
+                <a:solidFill>
+                  <a:schemeClr val="tx1"/>
+                </a:solidFill>
+                <a:latin typeface="+mn-lt"/>
+                <a:ea typeface="+mn-ea"/>
+                <a:cs typeface="+mn-cs"/>
+              </a:rPr>
+              <a:t>.</a:t>
+            </a:r>
+            <a:endParaRPr lang="hu-HU" dirty="0"/>
+          </a:p>
+          <a:p>
+            <a:r>
+              <a:rPr lang="hu-HU" dirty="0"/>
+              <a:t>It also</a:t>
+            </a:r>
+            <a:r>
+              <a:rPr lang="hu-HU" baseline="0" dirty="0"/>
+              <a:t> declares the interface for accessing and managing its child components.</a:t>
+            </a:r>
+            <a:endParaRPr lang="sv-SE" baseline="0" dirty="0"/>
+          </a:p>
+          <a:p>
+            <a:r>
+              <a:rPr lang="sv-SE" baseline="0" dirty="0"/>
+              <a:t>So </a:t>
+            </a:r>
+            <a:r>
+              <a:rPr lang="sv-SE" baseline="0" dirty="0" err="1"/>
+              <a:t>this</a:t>
+            </a:r>
+            <a:r>
+              <a:rPr lang="sv-SE" baseline="0" dirty="0"/>
+              <a:t> abstract </a:t>
+            </a:r>
+            <a:r>
+              <a:rPr lang="sv-SE" baseline="0" dirty="0" err="1"/>
+              <a:t>class</a:t>
+            </a:r>
+            <a:r>
+              <a:rPr lang="sv-SE" baseline="0" dirty="0"/>
+              <a:t> </a:t>
+            </a:r>
+            <a:r>
+              <a:rPr lang="sv-SE" baseline="0" dirty="0" err="1"/>
+              <a:t>represents</a:t>
+            </a:r>
+            <a:r>
+              <a:rPr lang="sv-SE" baseline="0" dirty="0"/>
+              <a:t> </a:t>
+            </a:r>
+            <a:r>
+              <a:rPr lang="sv-SE" baseline="0" dirty="0" err="1"/>
+              <a:t>both</a:t>
+            </a:r>
+            <a:r>
+              <a:rPr lang="sv-SE" baseline="0" dirty="0"/>
+              <a:t> primitives and </a:t>
+            </a:r>
+            <a:r>
+              <a:rPr lang="sv-SE" baseline="0" dirty="0" err="1"/>
+              <a:t>their</a:t>
+            </a:r>
+            <a:r>
+              <a:rPr lang="sv-SE" baseline="0" dirty="0"/>
+              <a:t> containers.</a:t>
+            </a:r>
+            <a:endParaRPr lang="hu-HU" dirty="0"/>
+          </a:p>
+          <a:p>
+            <a:r>
+              <a:rPr lang="sv-SE" dirty="0"/>
+              <a:t>Component </a:t>
+            </a:r>
+            <a:r>
               <a:rPr lang="sv-SE" dirty="0" err="1"/>
-              <a:t>First</a:t>
-            </a:r>
-            <a:r>
-              <a:rPr lang="sv-SE" dirty="0"/>
-              <a:t> </a:t>
-            </a:r>
-            <a:r>
-              <a:rPr lang="sv-SE" dirty="0" err="1"/>
-              <a:t>thing</a:t>
-            </a:r>
-            <a:r>
-              <a:rPr lang="sv-SE" dirty="0"/>
-              <a:t> for the </a:t>
-            </a:r>
-            <a:r>
-              <a:rPr lang="sv-SE" dirty="0" err="1"/>
+              <a:t>will</a:t>
+            </a:r>
+            <a:r>
+              <a:rPr lang="sv-SE" baseline="0" dirty="0"/>
+              <a:t> </a:t>
+            </a:r>
+            <a:r>
+              <a:rPr lang="sv-SE" baseline="0" dirty="0" err="1"/>
+              <a:t>treat</a:t>
+            </a:r>
+            <a:r>
+              <a:rPr lang="sv-SE" baseline="0" dirty="0"/>
+              <a:t> the </a:t>
+            </a:r>
+            <a:r>
+              <a:rPr lang="sv-SE" baseline="0" dirty="0" err="1"/>
               <a:t>composite</a:t>
             </a:r>
             <a:r>
-              <a:rPr lang="sv-SE" dirty="0"/>
-              <a:t> </a:t>
-            </a:r>
-            <a:r>
-              <a:rPr lang="sv-SE" dirty="0" err="1"/>
-              <a:t>pattern</a:t>
-            </a:r>
-            <a:r>
-              <a:rPr lang="sv-SE" dirty="0"/>
-              <a:t> is an</a:t>
-            </a:r>
-            <a:r>
-              <a:rPr lang="sv-SE" baseline="0" dirty="0"/>
-              <a:t> interface </a:t>
+              <a:rPr lang="sv-SE" baseline="0" dirty="0"/>
+              <a:t> and the </a:t>
+            </a:r>
+            <a:r>
+              <a:rPr lang="sv-SE" baseline="0" dirty="0" err="1"/>
+              <a:t>leaf</a:t>
+            </a:r>
+            <a:r>
+              <a:rPr lang="sv-SE" baseline="0" dirty="0"/>
+              <a:t> as the same.</a:t>
+            </a:r>
+          </a:p>
+          <a:p>
+            <a:endParaRPr lang="hu-HU" baseline="0" dirty="0"/>
+          </a:p>
+          <a:p>
+            <a:r>
+              <a:rPr lang="hu-HU" b="1" baseline="0" dirty="0"/>
+              <a:t>Leaf</a:t>
+            </a:r>
+            <a:r>
+              <a:rPr lang="hu-HU" baseline="0" dirty="0"/>
+              <a:t> represents leaf objects in the composition. Leaf has no child.</a:t>
+            </a:r>
+          </a:p>
+          <a:p>
+            <a:r>
+              <a:rPr lang="hu-HU" baseline="0" dirty="0"/>
+              <a:t>Leaf defines behaviour for primitive objects.</a:t>
+            </a:r>
+            <a:endParaRPr lang="sv-SE" baseline="0" dirty="0"/>
+          </a:p>
+          <a:p>
+            <a:r>
+              <a:rPr lang="en-US" sz="1200" b="0" i="0" u="none" strike="noStrike" kern="1200" baseline="0" dirty="0">
+                <a:solidFill>
+                  <a:schemeClr val="tx1"/>
+                </a:solidFill>
+                <a:latin typeface="+mn-lt"/>
+                <a:ea typeface="+mn-ea"/>
+                <a:cs typeface="+mn-cs"/>
+              </a:rPr>
+              <a:t>Since Leaf has no child Leaf, none of these subclasses implements child-related operations.</a:t>
+            </a:r>
+            <a:endParaRPr lang="hu-HU" baseline="0" dirty="0"/>
+          </a:p>
+          <a:p>
+            <a:endParaRPr lang="hu-HU" baseline="0" dirty="0"/>
+          </a:p>
+          <a:p>
+            <a:r>
+              <a:rPr lang="sv-SE" b="1" baseline="0" dirty="0" err="1"/>
+              <a:t>Composit</a:t>
+            </a:r>
+            <a:r>
+              <a:rPr lang="hu-HU" b="1" baseline="0" dirty="0"/>
+              <a:t>e</a:t>
+            </a:r>
+            <a:r>
+              <a:rPr lang="sv-SE" b="1" baseline="0" dirty="0"/>
+              <a:t> </a:t>
+            </a:r>
+            <a:r>
+              <a:rPr lang="sv-SE" baseline="0" dirty="0" err="1"/>
+              <a:t>will</a:t>
+            </a:r>
+            <a:r>
+              <a:rPr lang="sv-SE" baseline="0" dirty="0"/>
+              <a:t> </a:t>
+            </a:r>
+            <a:r>
+              <a:rPr lang="sv-SE" baseline="0" dirty="0" err="1"/>
+              <a:t>contains</a:t>
+            </a:r>
+            <a:r>
+              <a:rPr lang="sv-SE" baseline="0" dirty="0"/>
+              <a:t> a list </a:t>
+            </a:r>
+            <a:r>
+              <a:rPr lang="sv-SE" baseline="0" dirty="0" err="1"/>
+              <a:t>of</a:t>
+            </a:r>
+            <a:r>
+              <a:rPr lang="sv-SE" baseline="0" dirty="0"/>
+              <a:t> </a:t>
+            </a:r>
+            <a:r>
+              <a:rPr lang="sv-SE" baseline="0" dirty="0" err="1"/>
+              <a:t>components</a:t>
+            </a:r>
+            <a:r>
+              <a:rPr lang="sv-SE" baseline="0" dirty="0"/>
+              <a:t>, </a:t>
             </a:r>
             <a:r>
               <a:rPr lang="sv-SE" baseline="0" dirty="0" err="1"/>
@@ -6841,75 +5988,7 @@
             </a:r>
             <a:r>
               <a:rPr lang="sv-SE" baseline="0" dirty="0"/>
-              <a:t> the person and the </a:t>
-            </a:r>
-            <a:r>
-              <a:rPr lang="sv-SE" baseline="0" dirty="0" err="1"/>
-              <a:t>group</a:t>
-            </a:r>
-            <a:r>
-              <a:rPr lang="sv-SE" baseline="0" dirty="0"/>
-              <a:t> </a:t>
-            </a:r>
-            <a:r>
-              <a:rPr lang="sv-SE" baseline="0" dirty="0" err="1"/>
-              <a:t>will</a:t>
-            </a:r>
-            <a:r>
-              <a:rPr lang="sv-SE" baseline="0" dirty="0"/>
-              <a:t> </a:t>
-            </a:r>
-            <a:r>
-              <a:rPr lang="sv-SE" baseline="0" dirty="0" err="1"/>
-              <a:t>implement</a:t>
-            </a:r>
-            <a:r>
-              <a:rPr lang="sv-SE" baseline="0" dirty="0"/>
-              <a:t>.</a:t>
-            </a:r>
-          </a:p>
-          <a:p>
-            <a:r>
-              <a:rPr lang="sv-SE" baseline="0" dirty="0" err="1"/>
-              <a:t>We</a:t>
-            </a:r>
-            <a:r>
-              <a:rPr lang="sv-SE" baseline="0" dirty="0"/>
-              <a:t> </a:t>
-            </a:r>
-            <a:r>
-              <a:rPr lang="sv-SE" baseline="0" dirty="0" err="1"/>
-              <a:t>have</a:t>
-            </a:r>
-            <a:r>
-              <a:rPr lang="sv-SE" baseline="0" dirty="0"/>
-              <a:t> to </a:t>
-            </a:r>
-            <a:r>
-              <a:rPr lang="sv-SE" baseline="0" dirty="0" err="1"/>
-              <a:t>treat</a:t>
-            </a:r>
-            <a:r>
-              <a:rPr lang="sv-SE" baseline="0" dirty="0"/>
-              <a:t> a </a:t>
-            </a:r>
-            <a:r>
-              <a:rPr lang="sv-SE" baseline="0" dirty="0" err="1"/>
-              <a:t>group</a:t>
-            </a:r>
-            <a:r>
-              <a:rPr lang="sv-SE" baseline="0" dirty="0"/>
-              <a:t> as like a person.</a:t>
-            </a:r>
-          </a:p>
-          <a:p>
-            <a:r>
-              <a:rPr lang="sv-SE" baseline="0" dirty="0" err="1"/>
-              <a:t>One</a:t>
-            </a:r>
-            <a:r>
-              <a:rPr lang="sv-SE" baseline="0" dirty="0"/>
-              <a:t> person </a:t>
+              <a:t> </a:t>
             </a:r>
             <a:r>
               <a:rPr lang="sv-SE" baseline="0" dirty="0" err="1"/>
@@ -6917,321 +5996,7 @@
             </a:r>
             <a:r>
               <a:rPr lang="sv-SE" baseline="0" dirty="0"/>
-              <a:t> be a party or a </a:t>
-            </a:r>
-            <a:r>
-              <a:rPr lang="sv-SE" baseline="0" dirty="0" err="1"/>
-              <a:t>group</a:t>
-            </a:r>
-            <a:r>
-              <a:rPr lang="sv-SE" baseline="0" dirty="0"/>
-              <a:t> </a:t>
-            </a:r>
-            <a:r>
-              <a:rPr lang="sv-SE" baseline="0" dirty="0" err="1"/>
-              <a:t>of</a:t>
-            </a:r>
-            <a:r>
-              <a:rPr lang="sv-SE" baseline="0" dirty="0"/>
-              <a:t> </a:t>
-            </a:r>
-            <a:r>
-              <a:rPr lang="sv-SE" baseline="0" dirty="0" err="1"/>
-              <a:t>people</a:t>
-            </a:r>
-            <a:r>
-              <a:rPr lang="sv-SE" baseline="0" dirty="0"/>
-              <a:t> </a:t>
-            </a:r>
-            <a:r>
-              <a:rPr lang="sv-SE" baseline="0" dirty="0" err="1"/>
-              <a:t>can</a:t>
-            </a:r>
-            <a:r>
-              <a:rPr lang="sv-SE" baseline="0" dirty="0"/>
-              <a:t> be a party.</a:t>
-            </a:r>
-          </a:p>
-          <a:p>
-            <a:endParaRPr lang="sv-SE" baseline="0" dirty="0"/>
-          </a:p>
-          <a:p>
-            <a:r>
-              <a:rPr lang="sv-SE" baseline="0" dirty="0" err="1"/>
-              <a:t>We</a:t>
-            </a:r>
-            <a:r>
-              <a:rPr lang="sv-SE" baseline="0" dirty="0"/>
-              <a:t> </a:t>
-            </a:r>
-            <a:r>
-              <a:rPr lang="sv-SE" baseline="0" dirty="0" err="1"/>
-              <a:t>can</a:t>
-            </a:r>
-            <a:r>
-              <a:rPr lang="sv-SE" baseline="0" dirty="0"/>
-              <a:t> </a:t>
-            </a:r>
-            <a:r>
-              <a:rPr lang="sv-SE" baseline="0" dirty="0" err="1"/>
-              <a:t>create</a:t>
-            </a:r>
-            <a:r>
-              <a:rPr lang="sv-SE" baseline="0" dirty="0"/>
-              <a:t> a </a:t>
-            </a:r>
-            <a:r>
-              <a:rPr lang="sv-SE" baseline="0" dirty="0" err="1"/>
-              <a:t>tree</a:t>
-            </a:r>
-            <a:r>
-              <a:rPr lang="sv-SE" baseline="0" dirty="0"/>
-              <a:t> as </a:t>
-            </a:r>
-            <a:r>
-              <a:rPr lang="sv-SE" baseline="0" dirty="0" err="1"/>
-              <a:t>many</a:t>
-            </a:r>
-            <a:r>
-              <a:rPr lang="sv-SE" baseline="0" dirty="0"/>
-              <a:t> </a:t>
-            </a:r>
-            <a:r>
-              <a:rPr lang="sv-SE" baseline="0" dirty="0" err="1"/>
-              <a:t>level</a:t>
-            </a:r>
-            <a:r>
-              <a:rPr lang="sv-SE" baseline="0" dirty="0"/>
-              <a:t> </a:t>
-            </a:r>
-            <a:r>
-              <a:rPr lang="sv-SE" baseline="0" dirty="0" err="1"/>
-              <a:t>of</a:t>
-            </a:r>
-            <a:r>
-              <a:rPr lang="sv-SE" baseline="0" dirty="0"/>
-              <a:t> </a:t>
-            </a:r>
-            <a:r>
-              <a:rPr lang="sv-SE" baseline="0" dirty="0" err="1"/>
-              <a:t>depth</a:t>
-            </a:r>
-            <a:r>
-              <a:rPr lang="sv-SE" baseline="0" dirty="0"/>
-              <a:t> as </a:t>
-            </a:r>
-            <a:r>
-              <a:rPr lang="sv-SE" baseline="0" dirty="0" err="1"/>
-              <a:t>we</a:t>
-            </a:r>
-            <a:r>
-              <a:rPr lang="sv-SE" baseline="0" dirty="0"/>
-              <a:t> </a:t>
-            </a:r>
-            <a:r>
-              <a:rPr lang="sv-SE" baseline="0" dirty="0" err="1"/>
-              <a:t>want</a:t>
-            </a:r>
-            <a:r>
-              <a:rPr lang="sv-SE" baseline="0" dirty="0"/>
-              <a:t>. The </a:t>
-            </a:r>
-            <a:r>
-              <a:rPr lang="sv-SE" baseline="0" dirty="0" err="1"/>
-              <a:t>logic</a:t>
-            </a:r>
-            <a:r>
-              <a:rPr lang="sv-SE" baseline="0" dirty="0"/>
-              <a:t> is still going to </a:t>
-            </a:r>
-            <a:r>
-              <a:rPr lang="sv-SE" baseline="0" dirty="0" err="1"/>
-              <a:t>work</a:t>
-            </a:r>
-            <a:r>
-              <a:rPr lang="sv-SE" baseline="0" dirty="0"/>
-              <a:t>.</a:t>
-            </a:r>
-          </a:p>
-          <a:p>
-            <a:r>
-              <a:rPr lang="sv-SE" baseline="0" dirty="0" err="1"/>
-              <a:t>We</a:t>
-            </a:r>
-            <a:r>
-              <a:rPr lang="sv-SE" baseline="0" dirty="0"/>
-              <a:t> </a:t>
-            </a:r>
-            <a:r>
-              <a:rPr lang="sv-SE" baseline="0" dirty="0" err="1"/>
-              <a:t>can</a:t>
-            </a:r>
-            <a:r>
-              <a:rPr lang="sv-SE" baseline="0" dirty="0"/>
-              <a:t> </a:t>
-            </a:r>
-            <a:r>
-              <a:rPr lang="sv-SE" baseline="0" dirty="0" err="1"/>
-              <a:t>treat</a:t>
-            </a:r>
-            <a:r>
-              <a:rPr lang="sv-SE" baseline="0" dirty="0"/>
-              <a:t> the </a:t>
-            </a:r>
-            <a:r>
-              <a:rPr lang="sv-SE" baseline="0" dirty="0" err="1"/>
-              <a:t>group</a:t>
-            </a:r>
-            <a:r>
-              <a:rPr lang="sv-SE" baseline="0" dirty="0"/>
-              <a:t> as an </a:t>
-            </a:r>
-            <a:r>
-              <a:rPr lang="sv-SE" baseline="0" dirty="0" err="1"/>
-              <a:t>individual</a:t>
-            </a:r>
-            <a:r>
-              <a:rPr lang="sv-SE" baseline="0" dirty="0"/>
-              <a:t>.</a:t>
-            </a:r>
-          </a:p>
-          <a:p>
-            <a:endParaRPr lang="sv-SE" baseline="0" dirty="0"/>
-          </a:p>
-          <a:p>
-            <a:r>
-              <a:rPr lang="sv-SE" baseline="0" dirty="0" err="1"/>
-              <a:t>We</a:t>
-            </a:r>
-            <a:r>
-              <a:rPr lang="sv-SE" baseline="0" dirty="0"/>
-              <a:t> </a:t>
-            </a:r>
-            <a:r>
-              <a:rPr lang="sv-SE" baseline="0" dirty="0" err="1"/>
-              <a:t>put</a:t>
-            </a:r>
-            <a:r>
-              <a:rPr lang="sv-SE" baseline="0" dirty="0"/>
-              <a:t> the </a:t>
-            </a:r>
-            <a:r>
-              <a:rPr lang="sv-SE" baseline="0" dirty="0" err="1"/>
-              <a:t>differences</a:t>
-            </a:r>
-            <a:r>
-              <a:rPr lang="sv-SE" baseline="0" dirty="0"/>
-              <a:t> in the </a:t>
-            </a:r>
-            <a:r>
-              <a:rPr lang="sv-SE" baseline="0" dirty="0" err="1"/>
-              <a:t>group</a:t>
-            </a:r>
-            <a:r>
-              <a:rPr lang="sv-SE" baseline="0" dirty="0"/>
-              <a:t> and the person </a:t>
-            </a:r>
-            <a:r>
-              <a:rPr lang="sv-SE" baseline="0" dirty="0" err="1"/>
-              <a:t>class</a:t>
-            </a:r>
-            <a:r>
-              <a:rPr lang="sv-SE" baseline="0" dirty="0"/>
-              <a:t>. So </a:t>
-            </a:r>
-            <a:r>
-              <a:rPr lang="sv-SE" baseline="0" dirty="0" err="1"/>
-              <a:t>our</a:t>
-            </a:r>
-            <a:r>
-              <a:rPr lang="sv-SE" baseline="0" dirty="0"/>
-              <a:t> </a:t>
-            </a:r>
-            <a:r>
-              <a:rPr lang="sv-SE" baseline="0" dirty="0" err="1"/>
-              <a:t>main</a:t>
-            </a:r>
-            <a:r>
-              <a:rPr lang="sv-SE" baseline="0" dirty="0"/>
-              <a:t> </a:t>
-            </a:r>
-            <a:r>
-              <a:rPr lang="sv-SE" baseline="0" dirty="0" err="1"/>
-              <a:t>proem</a:t>
-            </a:r>
-            <a:r>
-              <a:rPr lang="sv-SE" baseline="0" dirty="0"/>
-              <a:t> </a:t>
-            </a:r>
-            <a:r>
-              <a:rPr lang="sv-SE" baseline="0" dirty="0" err="1"/>
-              <a:t>doesnt</a:t>
-            </a:r>
-            <a:r>
-              <a:rPr lang="sv-SE" baseline="0" dirty="0"/>
-              <a:t> </a:t>
-            </a:r>
-            <a:r>
-              <a:rPr lang="sv-SE" baseline="0" dirty="0" err="1"/>
-              <a:t>have</a:t>
-            </a:r>
-            <a:r>
-              <a:rPr lang="sv-SE" baseline="0" dirty="0"/>
-              <a:t> to </a:t>
-            </a:r>
-            <a:r>
-              <a:rPr lang="sv-SE" baseline="0" dirty="0" err="1"/>
-              <a:t>know</a:t>
-            </a:r>
-            <a:r>
-              <a:rPr lang="sv-SE" baseline="0" dirty="0"/>
-              <a:t> </a:t>
-            </a:r>
-            <a:r>
-              <a:rPr lang="sv-SE" baseline="0" dirty="0" err="1"/>
-              <a:t>about</a:t>
-            </a:r>
-            <a:r>
-              <a:rPr lang="sv-SE" baseline="0" dirty="0"/>
-              <a:t> the </a:t>
-            </a:r>
-            <a:r>
-              <a:rPr lang="sv-SE" baseline="0" dirty="0" err="1"/>
-              <a:t>differences</a:t>
-            </a:r>
-            <a:r>
-              <a:rPr lang="sv-SE" baseline="0" dirty="0"/>
-              <a:t>.</a:t>
-            </a:r>
-          </a:p>
-          <a:p>
-            <a:r>
-              <a:rPr lang="sv-SE" baseline="0" dirty="0"/>
-              <a:t>It </a:t>
-            </a:r>
-            <a:r>
-              <a:rPr lang="sv-SE" baseline="0" dirty="0" err="1"/>
-              <a:t>doesnt</a:t>
-            </a:r>
-            <a:r>
-              <a:rPr lang="sv-SE" baseline="0" dirty="0"/>
-              <a:t> </a:t>
-            </a:r>
-            <a:r>
-              <a:rPr lang="sv-SE" baseline="0" dirty="0" err="1"/>
-              <a:t>matter</a:t>
-            </a:r>
-            <a:r>
-              <a:rPr lang="sv-SE" baseline="0" dirty="0"/>
-              <a:t> </a:t>
-            </a:r>
-            <a:r>
-              <a:rPr lang="sv-SE" baseline="0" dirty="0" err="1"/>
-              <a:t>that</a:t>
-            </a:r>
-            <a:r>
-              <a:rPr lang="sv-SE" baseline="0" dirty="0"/>
-              <a:t> is it a </a:t>
+              <a:t> be a </a:t>
             </a:r>
             <a:r>
               <a:rPr lang="sv-SE" baseline="0" dirty="0" err="1"/>
@@ -7247,7 +6012,133 @@
             </a:r>
             <a:r>
               <a:rPr lang="sv-SE" baseline="0" dirty="0"/>
+              <a:t> as </a:t>
+            </a:r>
+            <a:r>
+              <a:rPr lang="sv-SE" baseline="0" dirty="0" err="1"/>
+              <a:t>well</a:t>
+            </a:r>
+            <a:r>
+              <a:rPr lang="sv-SE" baseline="0" dirty="0"/>
               <a:t>.</a:t>
+            </a:r>
+          </a:p>
+          <a:p>
+            <a:r>
+              <a:rPr lang="sv-SE" baseline="0" dirty="0"/>
+              <a:t>Composite </a:t>
+            </a:r>
+            <a:r>
+              <a:rPr lang="sv-SE" baseline="0" dirty="0" err="1"/>
+              <a:t>needs</a:t>
+            </a:r>
+            <a:r>
+              <a:rPr lang="sv-SE" baseline="0" dirty="0"/>
+              <a:t> to </a:t>
+            </a:r>
+            <a:r>
+              <a:rPr lang="sv-SE" baseline="0" dirty="0" err="1"/>
+              <a:t>handle</a:t>
+            </a:r>
+            <a:r>
+              <a:rPr lang="sv-SE" baseline="0" dirty="0"/>
+              <a:t> </a:t>
+            </a:r>
+            <a:r>
+              <a:rPr lang="sv-SE" baseline="0" dirty="0" err="1"/>
+              <a:t>its</a:t>
+            </a:r>
+            <a:r>
+              <a:rPr lang="sv-SE" baseline="0" dirty="0"/>
+              <a:t> </a:t>
+            </a:r>
+            <a:r>
+              <a:rPr lang="sv-SE" baseline="0" dirty="0" err="1"/>
+              <a:t>children</a:t>
+            </a:r>
+            <a:r>
+              <a:rPr lang="hu-HU" baseline="0" dirty="0"/>
+              <a:t>, so it defines a behavior for components having children</a:t>
+            </a:r>
+            <a:r>
+              <a:rPr lang="sv-SE" baseline="0" dirty="0"/>
+              <a:t>.</a:t>
+            </a:r>
+            <a:endParaRPr lang="hu-HU" baseline="0" dirty="0"/>
+          </a:p>
+          <a:p>
+            <a:r>
+              <a:rPr lang="hu-HU" baseline="0" dirty="0"/>
+              <a:t>Stores child components</a:t>
+            </a:r>
+            <a:r>
+              <a:rPr lang="sv-SE" baseline="0" dirty="0"/>
+              <a:t> (</a:t>
+            </a:r>
+            <a:r>
+              <a:rPr lang="sv-SE" baseline="0" dirty="0" err="1"/>
+              <a:t>e.g</a:t>
+            </a:r>
+            <a:r>
+              <a:rPr lang="sv-SE" baseline="0" dirty="0"/>
+              <a:t>: in a </a:t>
+            </a:r>
+            <a:r>
+              <a:rPr lang="sv-SE" baseline="0" dirty="0" err="1"/>
+              <a:t>vector</a:t>
+            </a:r>
+            <a:r>
+              <a:rPr lang="sv-SE" baseline="0" dirty="0"/>
+              <a:t> or a list)</a:t>
+            </a:r>
+            <a:r>
+              <a:rPr lang="hu-HU" baseline="0" dirty="0"/>
+              <a:t>.</a:t>
+            </a:r>
+          </a:p>
+          <a:p>
+            <a:r>
+              <a:rPr lang="hu-HU" baseline="0" dirty="0"/>
+              <a:t>Usually Composite will implement methods by delegating to the children.</a:t>
+            </a:r>
+          </a:p>
+          <a:p>
+            <a:endParaRPr lang="hu-HU" baseline="0" dirty="0"/>
+          </a:p>
+          <a:p>
+            <a:r>
+              <a:rPr lang="hu-HU" b="1" baseline="0" dirty="0"/>
+              <a:t>The client </a:t>
+            </a:r>
+            <a:r>
+              <a:rPr lang="hu-HU" baseline="0" dirty="0"/>
+              <a:t>simply uses the Component interface to manipulate the objects. </a:t>
+            </a:r>
+            <a:endParaRPr lang="sv-SE" baseline="0" dirty="0"/>
+          </a:p>
+          <a:p>
+            <a:endParaRPr lang="sv-SE" baseline="0" dirty="0"/>
+          </a:p>
+          <a:p>
+            <a:endParaRPr lang="sv-SE" baseline="0" dirty="0"/>
+          </a:p>
+          <a:p>
+            <a:endParaRPr lang="sv-SE" baseline="0" dirty="0"/>
+          </a:p>
+          <a:p>
+            <a:endParaRPr lang="sv-SE" baseline="0" dirty="0"/>
+          </a:p>
+          <a:p>
+            <a:endParaRPr lang="sv-SE" baseline="0" dirty="0"/>
+          </a:p>
+          <a:p>
+            <a:r>
+              <a:rPr lang="sv-SE" baseline="0" dirty="0"/>
+              <a:t>//</a:t>
+            </a:r>
+            <a:r>
+              <a:rPr lang="hu-HU" baseline="0" dirty="0"/>
+              <a:t>Clients will treat all objects in the composite structure uniformly.</a:t>
             </a:r>
             <a:endParaRPr lang="sv-SE" dirty="0"/>
           </a:p>
@@ -7270,7 +6161,7 @@
           <a:p>
             <a:fld id="{27C334D5-55AD-42ED-8491-40C1A78BB94C}" type="slidenum">
               <a:rPr lang="hu-HU" smtClean="0"/>
-              <a:t>18</a:t>
+              <a:t>19</a:t>
             </a:fld>
             <a:endParaRPr lang="hu-HU"/>
           </a:p>
@@ -7279,7 +6170,7 @@
     </p:spTree>
     <p:extLst>
       <p:ext uri="{BB962C8B-B14F-4D97-AF65-F5344CB8AC3E}">
-        <p14:creationId xmlns:p14="http://schemas.microsoft.com/office/powerpoint/2010/main" val="975729413"/>
+        <p14:creationId xmlns:p14="http://schemas.microsoft.com/office/powerpoint/2010/main" val="4161857565"/>
       </p:ext>
     </p:extLst>
   </p:cSld>
@@ -7420,7 +6311,7 @@
           <a:p>
             <a:fld id="{48C0C014-2D3F-4BC7-B778-21FA01B01EF7}" type="datetime1">
               <a:rPr lang="hu-HU" smtClean="0"/>
-              <a:t>2016.06.20.</a:t>
+              <a:t>2016.06.21.</a:t>
             </a:fld>
             <a:endParaRPr lang="hu-HU"/>
           </a:p>
@@ -7591,7 +6482,7 @@
           <a:p>
             <a:fld id="{48C0C014-2D3F-4BC7-B778-21FA01B01EF7}" type="datetime1">
               <a:rPr lang="hu-HU" smtClean="0"/>
-              <a:t>2016.06.20.</a:t>
+              <a:t>2016.06.21.</a:t>
             </a:fld>
             <a:endParaRPr lang="hu-HU"/>
           </a:p>
@@ -7772,7 +6663,7 @@
           <a:p>
             <a:fld id="{48C0C014-2D3F-4BC7-B778-21FA01B01EF7}" type="datetime1">
               <a:rPr lang="hu-HU" smtClean="0"/>
-              <a:t>2016.06.20.</a:t>
+              <a:t>2016.06.21.</a:t>
             </a:fld>
             <a:endParaRPr lang="hu-HU"/>
           </a:p>
@@ -7943,7 +6834,7 @@
           <a:p>
             <a:fld id="{48C0C014-2D3F-4BC7-B778-21FA01B01EF7}" type="datetime1">
               <a:rPr lang="hu-HU" smtClean="0"/>
-              <a:t>2016.06.20.</a:t>
+              <a:t>2016.06.21.</a:t>
             </a:fld>
             <a:endParaRPr lang="hu-HU"/>
           </a:p>
@@ -8190,7 +7081,7 @@
           <a:p>
             <a:fld id="{48C0C014-2D3F-4BC7-B778-21FA01B01EF7}" type="datetime1">
               <a:rPr lang="hu-HU" smtClean="0"/>
-              <a:t>2016.06.20.</a:t>
+              <a:t>2016.06.21.</a:t>
             </a:fld>
             <a:endParaRPr lang="hu-HU"/>
           </a:p>
@@ -8423,7 +7314,7 @@
           <a:p>
             <a:fld id="{48C0C014-2D3F-4BC7-B778-21FA01B01EF7}" type="datetime1">
               <a:rPr lang="hu-HU" smtClean="0"/>
-              <a:t>2016.06.20.</a:t>
+              <a:t>2016.06.21.</a:t>
             </a:fld>
             <a:endParaRPr lang="hu-HU"/>
           </a:p>
@@ -8791,7 +7682,7 @@
           <a:p>
             <a:fld id="{48C0C014-2D3F-4BC7-B778-21FA01B01EF7}" type="datetime1">
               <a:rPr lang="hu-HU" smtClean="0"/>
-              <a:t>2016.06.20.</a:t>
+              <a:t>2016.06.21.</a:t>
             </a:fld>
             <a:endParaRPr lang="hu-HU"/>
           </a:p>
@@ -8910,7 +7801,7 @@
           <a:p>
             <a:fld id="{48C0C014-2D3F-4BC7-B778-21FA01B01EF7}" type="datetime1">
               <a:rPr lang="hu-HU" smtClean="0"/>
-              <a:t>2016.06.20.</a:t>
+              <a:t>2016.06.21.</a:t>
             </a:fld>
             <a:endParaRPr lang="hu-HU"/>
           </a:p>
@@ -9006,7 +7897,7 @@
           <a:p>
             <a:fld id="{48C0C014-2D3F-4BC7-B778-21FA01B01EF7}" type="datetime1">
               <a:rPr lang="hu-HU" smtClean="0"/>
-              <a:t>2016.06.20.</a:t>
+              <a:t>2016.06.21.</a:t>
             </a:fld>
             <a:endParaRPr lang="hu-HU"/>
           </a:p>
@@ -9284,7 +8175,7 @@
           <a:p>
             <a:fld id="{48C0C014-2D3F-4BC7-B778-21FA01B01EF7}" type="datetime1">
               <a:rPr lang="hu-HU" smtClean="0"/>
-              <a:t>2016.06.20.</a:t>
+              <a:t>2016.06.21.</a:t>
             </a:fld>
             <a:endParaRPr lang="hu-HU"/>
           </a:p>
@@ -9542,7 +8433,7 @@
           <a:p>
             <a:fld id="{48C0C014-2D3F-4BC7-B778-21FA01B01EF7}" type="datetime1">
               <a:rPr lang="hu-HU" smtClean="0"/>
-              <a:t>2016.06.20.</a:t>
+              <a:t>2016.06.21.</a:t>
             </a:fld>
             <a:endParaRPr lang="hu-HU"/>
           </a:p>
@@ -9756,7 +8647,7 @@
           <a:p>
             <a:fld id="{48C0C014-2D3F-4BC7-B778-21FA01B01EF7}" type="datetime1">
               <a:rPr lang="hu-HU" smtClean="0"/>
-              <a:t>2016.06.20.</a:t>
+              <a:t>2016.06.21.</a:t>
             </a:fld>
             <a:endParaRPr lang="hu-HU"/>
           </a:p>
@@ -10318,7 +9209,7 @@
         <p:spPr/>
         <p:txBody>
           <a:bodyPr>
-            <a:normAutofit lnSpcReduction="10000"/>
+            <a:normAutofit/>
           </a:bodyPr>
           <a:lstStyle/>
           <a:p>
@@ -10383,7 +9274,7 @@
             </a:r>
             <a:r>
               <a:rPr lang="en-US" dirty="0"/>
-              <a:t>implementation. This might be the case, for example, when the implementation</a:t>
+              <a:t>implementation. This might be the case, for example, when the implementation must be selected or switched at run-time.</a:t>
             </a:r>
             <a:endParaRPr lang="hu-HU" dirty="0"/>
           </a:p>
@@ -10411,19 +9302,7 @@
             </a:r>
             <a:r>
               <a:rPr lang="en-US" dirty="0"/>
-              <a:t>abstractions and implementations and extend them </a:t>
-            </a:r>
-            <a:r>
-              <a:rPr lang="en-US" dirty="0" err="1"/>
-              <a:t>independently.n</a:t>
-            </a:r>
-            <a:r>
-              <a:rPr lang="hu-HU" dirty="0"/>
-              <a:t> </a:t>
-            </a:r>
-            <a:r>
-              <a:rPr lang="en-US" dirty="0"/>
-              <a:t>must be selected or switched at run-time.</a:t>
+              <a:t>abstractions and implementations and extend them independently.</a:t>
             </a:r>
             <a:endParaRPr lang="hu-HU" dirty="0"/>
           </a:p>
@@ -11160,60 +10039,16 @@
           </a:p>
           <a:p>
             <a:r>
-              <a:rPr lang="hu-HU" dirty="0" err="1"/>
-              <a:t>Abstract</a:t>
-            </a:r>
-            <a:r>
-              <a:rPr lang="hu-HU" dirty="0"/>
-              <a:t> </a:t>
-            </a:r>
-            <a:r>
-              <a:rPr lang="hu-HU" dirty="0" err="1"/>
-              <a:t>Factory</a:t>
-            </a:r>
-            <a:r>
-              <a:rPr lang="hu-HU" dirty="0"/>
-              <a:t>: </a:t>
-            </a:r>
-            <a:r>
-              <a:rPr lang="hu-HU" dirty="0" err="1"/>
-              <a:t>can</a:t>
-            </a:r>
-            <a:r>
-              <a:rPr lang="hu-HU" dirty="0"/>
-              <a:t> </a:t>
-            </a:r>
-            <a:r>
-              <a:rPr lang="hu-HU" dirty="0" err="1"/>
-              <a:t>create</a:t>
-            </a:r>
-            <a:r>
-              <a:rPr lang="hu-HU" dirty="0"/>
-              <a:t> and </a:t>
-            </a:r>
-            <a:r>
-              <a:rPr lang="hu-HU" dirty="0" err="1"/>
-              <a:t>configura</a:t>
-            </a:r>
-            <a:r>
-              <a:rPr lang="hu-HU" dirty="0"/>
-              <a:t> a </a:t>
-            </a:r>
-            <a:r>
-              <a:rPr lang="hu-HU" dirty="0" err="1"/>
-              <a:t>particular</a:t>
-            </a:r>
-            <a:r>
-              <a:rPr lang="hu-HU" dirty="0"/>
-              <a:t> </a:t>
-            </a:r>
-            <a:r>
-              <a:rPr lang="hu-HU" dirty="0" err="1"/>
-              <a:t>Bridge</a:t>
-            </a:r>
-            <a:r>
-              <a:rPr lang="hu-HU" dirty="0"/>
-              <a:t>.</a:t>
+              <a:rPr lang="hu-HU" dirty="0"/>
+              <a:t>Abstract Factory: can create and configur</a:t>
+            </a:r>
+            <a:r>
+              <a:rPr lang="sv-SE" dirty="0"/>
+              <a:t>e</a:t>
+            </a:r>
+            <a:r>
+              <a:rPr lang="hu-HU" dirty="0"/>
+              <a:t> a particular Bridge.</a:t>
             </a:r>
           </a:p>
         </p:txBody>
@@ -11255,6 +10090,89 @@
 </file>
 
 <file path=ppt/slides/slide14.xml><?xml version="1.0" encoding="utf-8"?>
+<p:sld xmlns:a="http://schemas.openxmlformats.org/drawingml/2006/main" xmlns:r="http://schemas.openxmlformats.org/officeDocument/2006/relationships" xmlns:p="http://schemas.openxmlformats.org/presentationml/2006/main">
+  <p:cSld>
+    <p:spTree>
+      <p:nvGrpSpPr>
+        <p:cNvPr id="1" name=""/>
+        <p:cNvGrpSpPr/>
+        <p:nvPr/>
+      </p:nvGrpSpPr>
+      <p:grpSpPr>
+        <a:xfrm>
+          <a:off x="0" y="0"/>
+          <a:ext cx="0" cy="0"/>
+          <a:chOff x="0" y="0"/>
+          <a:chExt cx="0" cy="0"/>
+        </a:xfrm>
+      </p:grpSpPr>
+      <p:sp>
+        <p:nvSpPr>
+          <p:cNvPr id="2" name="Cím 1"/>
+          <p:cNvSpPr>
+            <a:spLocks noGrp="1"/>
+          </p:cNvSpPr>
+          <p:nvPr>
+            <p:ph type="title"/>
+          </p:nvPr>
+        </p:nvSpPr>
+        <p:spPr>
+          <a:xfrm>
+            <a:off x="740924" y="2816495"/>
+            <a:ext cx="10515600" cy="1325563"/>
+          </a:xfrm>
+        </p:spPr>
+        <p:txBody>
+          <a:bodyPr>
+            <a:noAutofit/>
+          </a:bodyPr>
+          <a:lstStyle/>
+          <a:p>
+            <a:pPr algn="ctr"/>
+            <a:r>
+              <a:rPr lang="hu-HU" sz="11500" dirty="0"/>
+              <a:t>Q&amp;A</a:t>
+            </a:r>
+          </a:p>
+        </p:txBody>
+      </p:sp>
+      <p:sp>
+        <p:nvSpPr>
+          <p:cNvPr id="4" name="Dia számának helye 3"/>
+          <p:cNvSpPr>
+            <a:spLocks noGrp="1"/>
+          </p:cNvSpPr>
+          <p:nvPr>
+            <p:ph type="sldNum" sz="quarter" idx="12"/>
+          </p:nvPr>
+        </p:nvSpPr>
+        <p:spPr/>
+        <p:txBody>
+          <a:bodyPr/>
+          <a:lstStyle/>
+          <a:p>
+            <a:fld id="{F28C9355-BD38-4B88-A605-51440FB067EA}" type="slidenum">
+              <a:rPr lang="hu-HU" smtClean="0"/>
+              <a:t>14</a:t>
+            </a:fld>
+            <a:endParaRPr lang="hu-HU"/>
+          </a:p>
+        </p:txBody>
+      </p:sp>
+    </p:spTree>
+    <p:extLst>
+      <p:ext uri="{BB962C8B-B14F-4D97-AF65-F5344CB8AC3E}">
+        <p14:creationId xmlns:p14="http://schemas.microsoft.com/office/powerpoint/2010/main" val="1774087891"/>
+      </p:ext>
+    </p:extLst>
+  </p:cSld>
+  <p:clrMapOvr>
+    <a:masterClrMapping/>
+  </p:clrMapOvr>
+</p:sld>
+</file>
+
+<file path=ppt/slides/slide15.xml><?xml version="1.0" encoding="utf-8"?>
 <p:sld xmlns:a="http://schemas.openxmlformats.org/drawingml/2006/main" xmlns:r="http://schemas.openxmlformats.org/officeDocument/2006/relationships" xmlns:p="http://schemas.openxmlformats.org/presentationml/2006/main" show="0">
   <p:cSld>
     <p:spTree>
@@ -11361,7 +10279,7 @@
           <a:p>
             <a:fld id="{F28C9355-BD38-4B88-A605-51440FB067EA}" type="slidenum">
               <a:rPr lang="hu-HU" smtClean="0"/>
-              <a:t>14</a:t>
+              <a:t>15</a:t>
             </a:fld>
             <a:endParaRPr lang="hu-HU"/>
           </a:p>
@@ -11380,7 +10298,7 @@
 </p:sld>
 </file>
 
-<file path=ppt/slides/slide15.xml><?xml version="1.0" encoding="utf-8"?>
+<file path=ppt/slides/slide16.xml><?xml version="1.0" encoding="utf-8"?>
 <p:sld xmlns:a="http://schemas.openxmlformats.org/drawingml/2006/main" xmlns:r="http://schemas.openxmlformats.org/officeDocument/2006/relationships" xmlns:p="http://schemas.openxmlformats.org/presentationml/2006/main">
   <p:cSld>
     <p:spTree>
@@ -11607,7 +10525,7 @@
           <a:p>
             <a:fld id="{F28C9355-BD38-4B88-A605-51440FB067EA}" type="slidenum">
               <a:rPr lang="hu-HU" smtClean="0"/>
-              <a:t>15</a:t>
+              <a:t>16</a:t>
             </a:fld>
             <a:endParaRPr lang="hu-HU"/>
           </a:p>
@@ -11667,7 +10585,7 @@
 </p:sld>
 </file>
 
-<file path=ppt/slides/slide16.xml><?xml version="1.0" encoding="utf-8"?>
+<file path=ppt/slides/slide17.xml><?xml version="1.0" encoding="utf-8"?>
 <p:sld xmlns:a="http://schemas.openxmlformats.org/drawingml/2006/main" xmlns:r="http://schemas.openxmlformats.org/officeDocument/2006/relationships" xmlns:p="http://schemas.openxmlformats.org/presentationml/2006/main">
   <p:cSld>
     <p:spTree>
@@ -11736,7 +10654,7 @@
           <a:p>
             <a:fld id="{F28C9355-BD38-4B88-A605-51440FB067EA}" type="slidenum">
               <a:rPr lang="hu-HU" smtClean="0"/>
-              <a:t>16</a:t>
+              <a:t>17</a:t>
             </a:fld>
             <a:endParaRPr lang="hu-HU"/>
           </a:p>
@@ -11779,7 +10697,7 @@
 </p:sld>
 </file>
 
-<file path=ppt/slides/slide17.xml><?xml version="1.0" encoding="utf-8"?>
+<file path=ppt/slides/slide18.xml><?xml version="1.0" encoding="utf-8"?>
 <p:sld xmlns:a="http://schemas.openxmlformats.org/drawingml/2006/main" xmlns:r="http://schemas.openxmlformats.org/officeDocument/2006/relationships" xmlns:p="http://schemas.openxmlformats.org/presentationml/2006/main">
   <p:cSld>
     <p:spTree>
@@ -11848,7 +10766,7 @@
           <a:p>
             <a:fld id="{F28C9355-BD38-4B88-A605-51440FB067EA}" type="slidenum">
               <a:rPr lang="hu-HU" smtClean="0"/>
-              <a:t>17</a:t>
+              <a:t>18</a:t>
             </a:fld>
             <a:endParaRPr lang="hu-HU"/>
           </a:p>
@@ -11882,144 +10800,6 @@
     <p:extLst>
       <p:ext uri="{BB962C8B-B14F-4D97-AF65-F5344CB8AC3E}">
         <p14:creationId xmlns:p14="http://schemas.microsoft.com/office/powerpoint/2010/main" val="3534785462"/>
-      </p:ext>
-    </p:extLst>
-  </p:cSld>
-  <p:clrMapOvr>
-    <a:masterClrMapping/>
-  </p:clrMapOvr>
-</p:sld>
-</file>
-
-<file path=ppt/slides/slide18.xml><?xml version="1.0" encoding="utf-8"?>
-<p:sld xmlns:a="http://schemas.openxmlformats.org/drawingml/2006/main" xmlns:r="http://schemas.openxmlformats.org/officeDocument/2006/relationships" xmlns:p="http://schemas.openxmlformats.org/presentationml/2006/main">
-  <p:cSld>
-    <p:spTree>
-      <p:nvGrpSpPr>
-        <p:cNvPr id="1" name=""/>
-        <p:cNvGrpSpPr/>
-        <p:nvPr/>
-      </p:nvGrpSpPr>
-      <p:grpSpPr>
-        <a:xfrm>
-          <a:off x="0" y="0"/>
-          <a:ext cx="0" cy="0"/>
-          <a:chOff x="0" y="0"/>
-          <a:chExt cx="0" cy="0"/>
-        </a:xfrm>
-      </p:grpSpPr>
-      <p:sp>
-        <p:nvSpPr>
-          <p:cNvPr id="2" name="Title 1"/>
-          <p:cNvSpPr>
-            <a:spLocks noGrp="1"/>
-          </p:cNvSpPr>
-          <p:nvPr>
-            <p:ph type="title"/>
-          </p:nvPr>
-        </p:nvSpPr>
-        <p:spPr/>
-        <p:txBody>
-          <a:bodyPr/>
-          <a:lstStyle/>
-          <a:p>
-            <a:r>
-              <a:rPr lang="sv-SE" dirty="0"/>
-              <a:t>Composite </a:t>
-            </a:r>
-            <a:r>
-              <a:rPr lang="sv-SE" dirty="0" err="1"/>
-              <a:t>Example</a:t>
-            </a:r>
-            <a:endParaRPr lang="sv-SE" dirty="0"/>
-          </a:p>
-        </p:txBody>
-      </p:sp>
-      <p:pic>
-        <p:nvPicPr>
-          <p:cNvPr id="5" name="Content Placeholder 4"/>
-          <p:cNvPicPr>
-            <a:picLocks noGrp="1" noChangeAspect="1"/>
-          </p:cNvPicPr>
-          <p:nvPr>
-            <p:ph idx="1"/>
-          </p:nvPr>
-        </p:nvPicPr>
-        <p:blipFill>
-          <a:blip r:embed="rId3">
-            <a:extLst>
-              <a:ext uri="{28A0092B-C50C-407E-A947-70E740481C1C}">
-                <a14:useLocalDpi xmlns:a14="http://schemas.microsoft.com/office/drawing/2010/main" val="0"/>
-              </a:ext>
-            </a:extLst>
-          </a:blip>
-          <a:stretch>
-            <a:fillRect/>
-          </a:stretch>
-        </p:blipFill>
-        <p:spPr>
-          <a:xfrm>
-            <a:off x="2509640" y="2577894"/>
-            <a:ext cx="6715724" cy="3857969"/>
-          </a:xfrm>
-        </p:spPr>
-      </p:pic>
-      <p:sp>
-        <p:nvSpPr>
-          <p:cNvPr id="4" name="Slide Number Placeholder 3"/>
-          <p:cNvSpPr>
-            <a:spLocks noGrp="1"/>
-          </p:cNvSpPr>
-          <p:nvPr>
-            <p:ph type="sldNum" sz="quarter" idx="12"/>
-          </p:nvPr>
-        </p:nvSpPr>
-        <p:spPr/>
-        <p:txBody>
-          <a:bodyPr/>
-          <a:lstStyle/>
-          <a:p>
-            <a:fld id="{F28C9355-BD38-4B88-A605-51440FB067EA}" type="slidenum">
-              <a:rPr lang="hu-HU" smtClean="0"/>
-              <a:t>18</a:t>
-            </a:fld>
-            <a:endParaRPr lang="hu-HU"/>
-          </a:p>
-        </p:txBody>
-      </p:sp>
-      <p:sp>
-        <p:nvSpPr>
-          <p:cNvPr id="6" name="TextBox 5"/>
-          <p:cNvSpPr txBox="1"/>
-          <p:nvPr/>
-        </p:nvSpPr>
-        <p:spPr>
-          <a:xfrm>
-            <a:off x="838200" y="1603224"/>
-            <a:ext cx="9295075" cy="707886"/>
-          </a:xfrm>
-          <a:prstGeom prst="rect">
-            <a:avLst/>
-          </a:prstGeom>
-          <a:noFill/>
-        </p:spPr>
-        <p:txBody>
-          <a:bodyPr wrap="square" rtlCol="0">
-            <a:spAutoFit/>
-          </a:bodyPr>
-          <a:lstStyle/>
-          <a:p>
-            <a:r>
-              <a:rPr lang="sv-SE" sz="2000" dirty="0"/>
-              <a:t>https://github.com/esziger/design_patterns/tree/master/Composite_Examples/Composite_Drawing_example</a:t>
-            </a:r>
-          </a:p>
-        </p:txBody>
-      </p:sp>
-    </p:spTree>
-    <p:extLst>
-      <p:ext uri="{BB962C8B-B14F-4D97-AF65-F5344CB8AC3E}">
-        <p14:creationId xmlns:p14="http://schemas.microsoft.com/office/powerpoint/2010/main" val="4266557325"/>
       </p:ext>
     </p:extLst>
   </p:cSld>
@@ -12401,157 +11181,46 @@
           <a:lstStyle/>
           <a:p>
             <a:r>
+              <a:rPr lang="sv-SE" dirty="0"/>
+              <a:t>Composite </a:t>
+            </a:r>
+            <a:r>
               <a:rPr lang="sv-SE" dirty="0" err="1"/>
-              <a:t>When</a:t>
-            </a:r>
-            <a:r>
-              <a:rPr lang="sv-SE" dirty="0"/>
-              <a:t> to </a:t>
-            </a:r>
-            <a:r>
-              <a:rPr lang="sv-SE" dirty="0" err="1"/>
-              <a:t>use</a:t>
+              <a:t>Example</a:t>
             </a:r>
             <a:endParaRPr lang="sv-SE" dirty="0"/>
           </a:p>
         </p:txBody>
       </p:sp>
-      <p:sp>
-        <p:nvSpPr>
-          <p:cNvPr id="3" name="Content Placeholder 2"/>
-          <p:cNvSpPr>
-            <a:spLocks noGrp="1"/>
-          </p:cNvSpPr>
+      <p:pic>
+        <p:nvPicPr>
+          <p:cNvPr id="5" name="Content Placeholder 4"/>
+          <p:cNvPicPr>
+            <a:picLocks noGrp="1" noChangeAspect="1"/>
+          </p:cNvPicPr>
           <p:nvPr>
             <p:ph idx="1"/>
           </p:nvPr>
-        </p:nvSpPr>
-        <p:spPr/>
-        <p:txBody>
-          <a:bodyPr>
-            <a:normAutofit fontScale="92500" lnSpcReduction="10000"/>
-          </a:bodyPr>
-          <a:lstStyle/>
-          <a:p>
-            <a:r>
-              <a:rPr lang="hu-HU" dirty="0"/>
-              <a:t>Represent objects in a hierarchical fashion.</a:t>
-            </a:r>
-          </a:p>
-          <a:p>
-            <a:r>
-              <a:rPr lang="hu-HU" dirty="0"/>
-              <a:t>Need objects and composites to be treated uniformly.</a:t>
-            </a:r>
-          </a:p>
-          <a:p>
-            <a:r>
-              <a:rPr lang="sv-SE" dirty="0"/>
-              <a:t>Groups or </a:t>
-            </a:r>
-            <a:r>
-              <a:rPr lang="sv-SE" dirty="0" err="1"/>
-              <a:t>collections</a:t>
-            </a:r>
-            <a:endParaRPr lang="hu-HU" dirty="0"/>
-          </a:p>
-          <a:p>
-            <a:r>
-              <a:rPr lang="sv-SE" dirty="0" err="1"/>
-              <a:t>Can</a:t>
-            </a:r>
-            <a:r>
-              <a:rPr lang="sv-SE" dirty="0"/>
-              <a:t> </a:t>
-            </a:r>
-            <a:r>
-              <a:rPr lang="sv-SE" dirty="0" err="1"/>
-              <a:t>you</a:t>
-            </a:r>
-            <a:r>
-              <a:rPr lang="sv-SE" dirty="0"/>
-              <a:t> </a:t>
-            </a:r>
-            <a:r>
-              <a:rPr lang="sv-SE" dirty="0" err="1"/>
-              <a:t>add</a:t>
-            </a:r>
-            <a:r>
-              <a:rPr lang="sv-SE" dirty="0"/>
-              <a:t> an interface</a:t>
-            </a:r>
-            <a:r>
-              <a:rPr lang="hu-HU" dirty="0"/>
-              <a:t>?</a:t>
-            </a:r>
-            <a:endParaRPr lang="sv-SE" dirty="0"/>
-          </a:p>
-          <a:p>
-            <a:r>
-              <a:rPr lang="sv-SE" dirty="0"/>
-              <a:t>In </a:t>
-            </a:r>
-            <a:r>
-              <a:rPr lang="sv-SE" dirty="0" err="1"/>
-              <a:t>case</a:t>
-            </a:r>
-            <a:r>
-              <a:rPr lang="sv-SE" dirty="0"/>
-              <a:t> </a:t>
-            </a:r>
-            <a:r>
-              <a:rPr lang="sv-SE" dirty="0" err="1"/>
-              <a:t>of</a:t>
-            </a:r>
-            <a:r>
-              <a:rPr lang="sv-SE" dirty="0"/>
-              <a:t> </a:t>
-            </a:r>
-            <a:r>
-              <a:rPr lang="sv-SE" dirty="0" err="1"/>
-              <a:t>tree</a:t>
-            </a:r>
-            <a:r>
-              <a:rPr lang="sv-SE" dirty="0"/>
-              <a:t> </a:t>
-            </a:r>
-            <a:r>
-              <a:rPr lang="sv-SE" dirty="0" err="1"/>
-              <a:t>structure</a:t>
-            </a:r>
-            <a:r>
-              <a:rPr lang="hu-HU" dirty="0"/>
-              <a:t> (like menu system)</a:t>
-            </a:r>
-          </a:p>
-          <a:p>
-            <a:pPr lvl="1"/>
-            <a:r>
-              <a:rPr lang="hu-HU" dirty="0"/>
-              <a:t>Anything that can be modelled as a tree structure can be considered an Example of Composite, lsuch an organization chart.</a:t>
-            </a:r>
-          </a:p>
-          <a:p>
-            <a:pPr lvl="1"/>
-            <a:r>
-              <a:rPr lang="hu-HU" dirty="0"/>
-              <a:t>Graphics frameworks : </a:t>
-            </a:r>
-            <a:r>
-              <a:rPr lang="en-US" dirty="0"/>
-              <a:t>The base Graphic object provides the base class for all other graphic objects, such as Line, Rectangle, which provide their own implementations of the paint()/draw() method.</a:t>
-            </a:r>
-            <a:endParaRPr lang="hu-HU" dirty="0"/>
-          </a:p>
-          <a:p>
-            <a:r>
-              <a:rPr lang="hu-HU" dirty="0"/>
-              <a:t>Distribution (e.g: distributing gold in a party)</a:t>
-            </a:r>
-            <a:endParaRPr lang="sv-SE" dirty="0"/>
-          </a:p>
-        </p:txBody>
-      </p:sp>
+        </p:nvPicPr>
+        <p:blipFill>
+          <a:blip r:embed="rId3">
+            <a:extLst>
+              <a:ext uri="{28A0092B-C50C-407E-A947-70E740481C1C}">
+                <a14:useLocalDpi xmlns:a14="http://schemas.microsoft.com/office/drawing/2010/main" val="0"/>
+              </a:ext>
+            </a:extLst>
+          </a:blip>
+          <a:stretch>
+            <a:fillRect/>
+          </a:stretch>
+        </p:blipFill>
+        <p:spPr>
+          <a:xfrm>
+            <a:off x="2509640" y="2577894"/>
+            <a:ext cx="6715724" cy="3857969"/>
+          </a:xfrm>
+        </p:spPr>
+      </p:pic>
       <p:sp>
         <p:nvSpPr>
           <p:cNvPr id="4" name="Slide Number Placeholder 3"/>
@@ -12575,10 +11244,39 @@
           </a:p>
         </p:txBody>
       </p:sp>
+      <p:sp>
+        <p:nvSpPr>
+          <p:cNvPr id="6" name="TextBox 5"/>
+          <p:cNvSpPr txBox="1"/>
+          <p:nvPr/>
+        </p:nvSpPr>
+        <p:spPr>
+          <a:xfrm>
+            <a:off x="838200" y="1603224"/>
+            <a:ext cx="9295075" cy="707886"/>
+          </a:xfrm>
+          <a:prstGeom prst="rect">
+            <a:avLst/>
+          </a:prstGeom>
+          <a:noFill/>
+        </p:spPr>
+        <p:txBody>
+          <a:bodyPr wrap="square" rtlCol="0">
+            <a:spAutoFit/>
+          </a:bodyPr>
+          <a:lstStyle/>
+          <a:p>
+            <a:r>
+              <a:rPr lang="sv-SE" sz="2000" dirty="0"/>
+              <a:t>https://github.com/esziger/design_patterns/tree/master/Composite_Examples/Composite_Drawing_example</a:t>
+            </a:r>
+          </a:p>
+        </p:txBody>
+      </p:sp>
     </p:spTree>
     <p:extLst>
       <p:ext uri="{BB962C8B-B14F-4D97-AF65-F5344CB8AC3E}">
-        <p14:creationId xmlns:p14="http://schemas.microsoft.com/office/powerpoint/2010/main" val="646201133"/>
+        <p14:creationId xmlns:p14="http://schemas.microsoft.com/office/powerpoint/2010/main" val="4266557325"/>
       </p:ext>
     </p:extLst>
   </p:cSld>
@@ -12622,7 +11320,15 @@
           <a:p>
             <a:r>
               <a:rPr lang="sv-SE" dirty="0" err="1"/>
-              <a:t>Consequences</a:t>
+              <a:t>When</a:t>
+            </a:r>
+            <a:r>
+              <a:rPr lang="sv-SE" dirty="0"/>
+              <a:t> to </a:t>
+            </a:r>
+            <a:r>
+              <a:rPr lang="sv-SE" dirty="0" err="1"/>
+              <a:t>use</a:t>
             </a:r>
             <a:endParaRPr lang="sv-SE" dirty="0"/>
           </a:p>
@@ -12646,83 +11352,119 @@
           <a:lstStyle/>
           <a:p>
             <a:r>
+              <a:rPr lang="hu-HU" dirty="0"/>
+              <a:t>Represent objects in a hierarchical fashion.</a:t>
+            </a:r>
+          </a:p>
+          <a:p>
+            <a:r>
+              <a:rPr lang="hu-HU" dirty="0"/>
+              <a:t>Need objects and composites to be treated uniformly.</a:t>
+            </a:r>
+          </a:p>
+          <a:p>
+            <a:r>
+              <a:rPr lang="sv-SE" dirty="0"/>
+              <a:t>Groups or </a:t>
+            </a:r>
+            <a:r>
+              <a:rPr lang="sv-SE" dirty="0" err="1"/>
+              <a:t>collections</a:t>
+            </a:r>
+            <a:endParaRPr lang="hu-HU" dirty="0"/>
+          </a:p>
+          <a:p>
+            <a:r>
+              <a:rPr lang="sv-SE" dirty="0" err="1"/>
+              <a:t>Can</a:t>
+            </a:r>
+            <a:r>
+              <a:rPr lang="sv-SE" dirty="0"/>
+              <a:t> </a:t>
+            </a:r>
+            <a:r>
+              <a:rPr lang="sv-SE" dirty="0" err="1"/>
+              <a:t>you</a:t>
+            </a:r>
+            <a:r>
+              <a:rPr lang="sv-SE" dirty="0"/>
+              <a:t> </a:t>
+            </a:r>
+            <a:r>
+              <a:rPr lang="sv-SE" dirty="0" err="1"/>
+              <a:t>add</a:t>
+            </a:r>
+            <a:r>
+              <a:rPr lang="sv-SE" dirty="0"/>
+              <a:t> an interface</a:t>
+            </a:r>
+            <a:r>
+              <a:rPr lang="hu-HU" dirty="0"/>
+              <a:t>?</a:t>
+            </a:r>
+            <a:endParaRPr lang="sv-SE" dirty="0"/>
+          </a:p>
+          <a:p>
+            <a:r>
+              <a:rPr lang="sv-SE" dirty="0"/>
+              <a:t>In </a:t>
+            </a:r>
+            <a:r>
+              <a:rPr lang="sv-SE" dirty="0" err="1"/>
+              <a:t>case</a:t>
+            </a:r>
+            <a:r>
+              <a:rPr lang="sv-SE" dirty="0"/>
+              <a:t> </a:t>
+            </a:r>
+            <a:r>
+              <a:rPr lang="sv-SE" dirty="0" err="1"/>
+              <a:t>of</a:t>
+            </a:r>
+            <a:r>
+              <a:rPr lang="sv-SE" dirty="0"/>
+              <a:t> </a:t>
+            </a:r>
+            <a:r>
+              <a:rPr lang="sv-SE" dirty="0" err="1"/>
+              <a:t>tree</a:t>
+            </a:r>
+            <a:r>
+              <a:rPr lang="sv-SE" dirty="0"/>
+              <a:t> </a:t>
+            </a:r>
+            <a:r>
+              <a:rPr lang="sv-SE" dirty="0" err="1"/>
+              <a:t>structure</a:t>
+            </a:r>
+            <a:r>
+              <a:rPr lang="hu-HU" dirty="0"/>
+              <a:t> (like menu system)</a:t>
+            </a:r>
+          </a:p>
+          <a:p>
+            <a:pPr lvl="1"/>
+            <a:r>
+              <a:rPr lang="hu-HU" dirty="0"/>
+              <a:t>Anything that can be modelled as a tree structure can be considered an Example of Composite, such an organization chart.</a:t>
+            </a:r>
+          </a:p>
+          <a:p>
+            <a:pPr lvl="1"/>
+            <a:r>
+              <a:rPr lang="hu-HU" dirty="0"/>
+              <a:t>Graphics frameworks : </a:t>
+            </a:r>
+            <a:r>
               <a:rPr lang="en-US" dirty="0"/>
-              <a:t>Defines class hierarchies consisting of primitive objects and composite objects. Primitive objects can be composed into more complex objects, which in turn can be composed, and so on recursively. </a:t>
-            </a:r>
-          </a:p>
-          <a:p>
-            <a:r>
-              <a:rPr lang="en-US" dirty="0"/>
-              <a:t>Wherever client code expects a primitive object, it can also take a composite object.</a:t>
-            </a:r>
-          </a:p>
-          <a:p>
-            <a:r>
-              <a:rPr lang="sv-SE" dirty="0"/>
-              <a:t>makes the </a:t>
-            </a:r>
-            <a:r>
-              <a:rPr lang="sv-SE" dirty="0" err="1"/>
-              <a:t>client</a:t>
-            </a:r>
-            <a:r>
-              <a:rPr lang="sv-SE" dirty="0"/>
-              <a:t> simple.</a:t>
-            </a:r>
-            <a:r>
-              <a:rPr lang="en-US" dirty="0"/>
-              <a:t> It avoids having to write tag-and-case-statement-style functions over the classes that define the </a:t>
-            </a:r>
-            <a:r>
-              <a:rPr lang="sv-SE" dirty="0" err="1"/>
-              <a:t>composition</a:t>
-            </a:r>
-            <a:r>
-              <a:rPr lang="sv-SE" dirty="0"/>
-              <a:t>.</a:t>
-            </a:r>
-          </a:p>
-          <a:p>
-            <a:r>
-              <a:rPr lang="en-US" dirty="0"/>
-              <a:t>makes it easier to add new kinds of components.</a:t>
-            </a:r>
-          </a:p>
-          <a:p>
-            <a:r>
-              <a:rPr lang="sv-SE" dirty="0" err="1"/>
-              <a:t>Newly</a:t>
-            </a:r>
-            <a:r>
-              <a:rPr lang="sv-SE" dirty="0"/>
-              <a:t> </a:t>
-            </a:r>
-            <a:r>
-              <a:rPr lang="sv-SE" dirty="0" err="1"/>
-              <a:t>defined</a:t>
-            </a:r>
-            <a:r>
-              <a:rPr lang="sv-SE" dirty="0"/>
-              <a:t> Composite </a:t>
-            </a:r>
-            <a:r>
-              <a:rPr lang="en-US" dirty="0"/>
-              <a:t>or Leaf subclasses work automatically with existing structures and client </a:t>
-            </a:r>
-            <a:r>
-              <a:rPr lang="sv-SE" dirty="0" err="1"/>
-              <a:t>code</a:t>
-            </a:r>
-            <a:r>
-              <a:rPr lang="sv-SE" dirty="0"/>
-              <a:t>.</a:t>
-            </a:r>
-            <a:endParaRPr lang="en-US" dirty="0"/>
-          </a:p>
-          <a:p>
-            <a:r>
-              <a:rPr lang="en-US" dirty="0"/>
-              <a:t>Clients don't have to be changed for new Component classes.</a:t>
+              <a:t>The base Graphic object provides the base class for all other graphic objects, such as Line, Rectangle, which provide their own implementations of the paint()/draw() method.</a:t>
+            </a:r>
+            <a:endParaRPr lang="hu-HU" dirty="0"/>
+          </a:p>
+          <a:p>
+            <a:r>
+              <a:rPr lang="hu-HU" dirty="0"/>
+              <a:t>Distribution (e.g: distributing gold in a party)</a:t>
             </a:r>
             <a:endParaRPr lang="sv-SE" dirty="0"/>
           </a:p>
@@ -12754,7 +11496,7 @@
     </p:spTree>
     <p:extLst>
       <p:ext uri="{BB962C8B-B14F-4D97-AF65-F5344CB8AC3E}">
-        <p14:creationId xmlns:p14="http://schemas.microsoft.com/office/powerpoint/2010/main" val="2693349051"/>
+        <p14:creationId xmlns:p14="http://schemas.microsoft.com/office/powerpoint/2010/main" val="646201133"/>
       </p:ext>
     </p:extLst>
   </p:cSld>
@@ -12797,8 +11539,8 @@
           <a:lstStyle/>
           <a:p>
             <a:r>
-              <a:rPr lang="hu-HU" dirty="0"/>
-              <a:t>Trade-off</a:t>
+              <a:rPr lang="sv-SE" dirty="0" err="1"/>
+              <a:t>Consequences</a:t>
             </a:r>
             <a:endParaRPr lang="sv-SE" dirty="0"/>
           </a:p>
@@ -12816,50 +11558,117 @@
         </p:nvSpPr>
         <p:spPr/>
         <p:txBody>
-          <a:bodyPr/>
-          <a:lstStyle/>
+          <a:bodyPr>
+            <a:normAutofit fontScale="92500" lnSpcReduction="20000"/>
+          </a:bodyPr>
+          <a:lstStyle/>
+          <a:p>
+            <a:r>
+              <a:rPr lang="en-US" dirty="0"/>
+              <a:t>Defines class hierarchies consisting of primitive objects and composite objects. Primitive objects can be composed into more complex objects, which in turn can be composed, and so on recursively. </a:t>
+            </a:r>
+          </a:p>
+          <a:p>
+            <a:r>
+              <a:rPr lang="en-US" dirty="0"/>
+              <a:t>Wherever client code expects a primitive object, it can also take a composite object.</a:t>
+            </a:r>
+          </a:p>
           <a:p>
             <a:r>
               <a:rPr lang="sv-SE" dirty="0"/>
-              <a:t>Violates the </a:t>
-            </a:r>
-            <a:r>
-              <a:rPr lang="hu-HU" dirty="0"/>
-              <a:t>Single-Responsibility</a:t>
+              <a:t>makes the </a:t>
+            </a:r>
+            <a:r>
+              <a:rPr lang="sv-SE" dirty="0" err="1"/>
+              <a:t>client</a:t>
             </a:r>
             <a:r>
               <a:rPr lang="sv-SE" dirty="0"/>
-              <a:t> </a:t>
+              <a:t> simple. </a:t>
+            </a:r>
+            <a:r>
+              <a:rPr lang="en-US" dirty="0"/>
+              <a:t>Clients can treat composite structures and </a:t>
             </a:r>
             <a:r>
               <a:rPr lang="sv-SE" dirty="0" err="1"/>
-              <a:t>principle</a:t>
+              <a:t>individual</a:t>
             </a:r>
             <a:r>
               <a:rPr lang="sv-SE" dirty="0"/>
-              <a:t>, </a:t>
+              <a:t> </a:t>
             </a:r>
             <a:r>
               <a:rPr lang="sv-SE" dirty="0" err="1"/>
-              <a:t>since</a:t>
+              <a:t>objects</a:t>
             </a:r>
             <a:r>
               <a:rPr lang="sv-SE" dirty="0"/>
               <a:t> </a:t>
             </a:r>
             <a:r>
-              <a:rPr lang="en-US" dirty="0"/>
-              <a:t>it allows us to treat both nodes and leafs in the same way</a:t>
+              <a:rPr lang="sv-SE" dirty="0" err="1"/>
+              <a:t>uniformly</a:t>
             </a:r>
             <a:r>
               <a:rPr lang="sv-SE" dirty="0"/>
               <a:t>.</a:t>
             </a:r>
-          </a:p>
-          <a:p>
             <a:r>
               <a:rPr lang="en-US" dirty="0"/>
-              <a:t>It can make your design overly general. The disadvantage of making it easy to add new components is that it makes it harder to restrict the components of a composite. Sometimes you want a composite to have only certain components. With Composite, you can't rely on the type system to enforce those constraints for you. You'll have to use run-time checks instead.</a:t>
+              <a:t> It avoids having to write tag-and-case-statement-style functions over the classes that define the </a:t>
+            </a:r>
+            <a:r>
+              <a:rPr lang="sv-SE" dirty="0" err="1"/>
+              <a:t>composition</a:t>
+            </a:r>
+            <a:r>
+              <a:rPr lang="sv-SE" dirty="0"/>
+              <a:t>.</a:t>
+            </a:r>
+          </a:p>
+          <a:p>
+            <a:r>
+              <a:rPr lang="en-US" dirty="0"/>
+              <a:t>makes it easier to add new kinds of components.</a:t>
+            </a:r>
+          </a:p>
+          <a:p>
+            <a:r>
+              <a:rPr lang="sv-SE" dirty="0" err="1"/>
+              <a:t>Newly</a:t>
+            </a:r>
+            <a:r>
+              <a:rPr lang="sv-SE" dirty="0"/>
+              <a:t> </a:t>
+            </a:r>
+            <a:r>
+              <a:rPr lang="sv-SE" dirty="0" err="1"/>
+              <a:t>defined</a:t>
+            </a:r>
+            <a:r>
+              <a:rPr lang="sv-SE" dirty="0"/>
+              <a:t> Composite </a:t>
+            </a:r>
+            <a:r>
+              <a:rPr lang="en-US" dirty="0"/>
+              <a:t>or Leaf subclasses work automatically with existing structures and client </a:t>
+            </a:r>
+            <a:r>
+              <a:rPr lang="sv-SE" dirty="0" err="1"/>
+              <a:t>code</a:t>
+            </a:r>
+            <a:r>
+              <a:rPr lang="sv-SE" dirty="0"/>
+              <a:t>.</a:t>
+            </a:r>
+            <a:endParaRPr lang="en-US" dirty="0"/>
+          </a:p>
+          <a:p>
+            <a:r>
+              <a:rPr lang="en-US" dirty="0"/>
+              <a:t>Clients don't have to be changed for new Component classes.</a:t>
             </a:r>
             <a:endParaRPr lang="sv-SE" dirty="0"/>
           </a:p>
@@ -12891,7 +11700,7 @@
     </p:spTree>
     <p:extLst>
       <p:ext uri="{BB962C8B-B14F-4D97-AF65-F5344CB8AC3E}">
-        <p14:creationId xmlns:p14="http://schemas.microsoft.com/office/powerpoint/2010/main" val="379903331"/>
+        <p14:creationId xmlns:p14="http://schemas.microsoft.com/office/powerpoint/2010/main" val="2693349051"/>
       </p:ext>
     </p:extLst>
   </p:cSld>
@@ -12934,57 +11743,59 @@
           <a:lstStyle/>
           <a:p>
             <a:r>
+              <a:rPr lang="hu-HU" dirty="0"/>
+              <a:t>Trade-off</a:t>
+            </a:r>
+            <a:endParaRPr lang="sv-SE" dirty="0"/>
+          </a:p>
+        </p:txBody>
+      </p:sp>
+      <p:sp>
+        <p:nvSpPr>
+          <p:cNvPr id="3" name="Content Placeholder 2"/>
+          <p:cNvSpPr>
+            <a:spLocks noGrp="1"/>
+          </p:cNvSpPr>
+          <p:nvPr>
+            <p:ph idx="1"/>
+          </p:nvPr>
+        </p:nvSpPr>
+        <p:spPr/>
+        <p:txBody>
+          <a:bodyPr/>
+          <a:lstStyle/>
+          <a:p>
+            <a:r>
+              <a:rPr lang="sv-SE" dirty="0"/>
+              <a:t>Violates the </a:t>
+            </a:r>
+            <a:r>
+              <a:rPr lang="hu-HU" dirty="0"/>
+              <a:t>Single-Responsibility</a:t>
+            </a:r>
+            <a:r>
+              <a:rPr lang="sv-SE" dirty="0"/>
+              <a:t> </a:t>
+            </a:r>
+            <a:r>
               <a:rPr lang="sv-SE" dirty="0" err="1"/>
-              <a:t>Related</a:t>
+              <a:t>principle</a:t>
             </a:r>
             <a:r>
               <a:rPr lang="sv-SE" dirty="0"/>
-              <a:t> </a:t>
+              <a:t>, </a:t>
             </a:r>
             <a:r>
               <a:rPr lang="sv-SE" dirty="0" err="1"/>
-              <a:t>Patterns</a:t>
-            </a:r>
-            <a:endParaRPr lang="sv-SE" dirty="0"/>
-          </a:p>
-        </p:txBody>
-      </p:sp>
-      <p:sp>
-        <p:nvSpPr>
-          <p:cNvPr id="3" name="Content Placeholder 2"/>
-          <p:cNvSpPr>
-            <a:spLocks noGrp="1"/>
-          </p:cNvSpPr>
-          <p:nvPr>
-            <p:ph idx="1"/>
-          </p:nvPr>
-        </p:nvSpPr>
-        <p:spPr/>
-        <p:txBody>
-          <a:bodyPr/>
-          <a:lstStyle/>
-          <a:p>
+              <a:t>since</a:t>
+            </a:r>
+            <a:r>
+              <a:rPr lang="sv-SE" dirty="0"/>
+              <a:t> </a:t>
+            </a:r>
             <a:r>
               <a:rPr lang="en-US" dirty="0"/>
-              <a:t>Often the component-parent link is used for a </a:t>
-            </a:r>
-            <a:r>
-              <a:rPr lang="en-US" b="1" dirty="0"/>
-              <a:t>Chain of Responsibility</a:t>
-            </a:r>
-          </a:p>
-          <a:p>
-            <a:r>
-              <a:rPr lang="en-US" b="1" dirty="0"/>
-              <a:t>Decorator</a:t>
-            </a:r>
-            <a:r>
-              <a:rPr lang="en-US" dirty="0"/>
-              <a:t> is often used with Composite. When decorators and composites are used together, they will usually have a common parent class. So decorators will have to support the Component interface with operations like Add, Remove, and </a:t>
-            </a:r>
-            <a:r>
-              <a:rPr lang="sv-SE" dirty="0" err="1"/>
-              <a:t>GetChild</a:t>
+              <a:t>it allows us to treat both nodes and leafs in the same way</a:t>
             </a:r>
             <a:r>
               <a:rPr lang="sv-SE" dirty="0"/>
@@ -12993,14 +11804,10 @@
           </a:p>
           <a:p>
             <a:r>
-              <a:rPr lang="en-US" b="1" dirty="0"/>
-              <a:t>Iterator</a:t>
-            </a:r>
-            <a:r>
               <a:rPr lang="en-US" dirty="0"/>
-              <a:t> can be used to traverse composites. E.g.: when child ordering is important, we can use iterator pattern.</a:t>
-            </a:r>
-            <a:endParaRPr lang="sv-SE" b="1" dirty="0"/>
+              <a:t>It can make your design overly general. The disadvantage of making it easy to add new components is that it makes it harder to restrict the components of a composite. Sometimes you want a composite to have only certain components. With Composite, you can't rely on the type system to enforce those constraints for you. You'll have to use run-time checks instead.</a:t>
+            </a:r>
+            <a:endParaRPr lang="sv-SE" dirty="0"/>
           </a:p>
         </p:txBody>
       </p:sp>
@@ -13030,7 +11837,7 @@
     </p:spTree>
     <p:extLst>
       <p:ext uri="{BB962C8B-B14F-4D97-AF65-F5344CB8AC3E}">
-        <p14:creationId xmlns:p14="http://schemas.microsoft.com/office/powerpoint/2010/main" val="905585483"/>
+        <p14:creationId xmlns:p14="http://schemas.microsoft.com/office/powerpoint/2010/main" val="379903331"/>
       </p:ext>
     </p:extLst>
   </p:cSld>
@@ -13059,7 +11866,7 @@
       </p:grpSpPr>
       <p:sp>
         <p:nvSpPr>
-          <p:cNvPr id="2" name="Cím 1"/>
+          <p:cNvPr id="2" name="Title 1"/>
           <p:cNvSpPr>
             <a:spLocks noGrp="1"/>
           </p:cNvSpPr>
@@ -13073,16 +11880,24 @@
           <a:lstStyle/>
           <a:p>
             <a:r>
-              <a:rPr lang="hu-HU" dirty="0" err="1"/>
-              <a:t>References</a:t>
-            </a:r>
-            <a:endParaRPr lang="hu-HU" dirty="0"/>
-          </a:p>
-        </p:txBody>
-      </p:sp>
-      <p:sp>
-        <p:nvSpPr>
-          <p:cNvPr id="3" name="Tartalom helye 2"/>
+              <a:rPr lang="sv-SE" dirty="0" err="1"/>
+              <a:t>Related</a:t>
+            </a:r>
+            <a:r>
+              <a:rPr lang="sv-SE" dirty="0"/>
+              <a:t> </a:t>
+            </a:r>
+            <a:r>
+              <a:rPr lang="sv-SE" dirty="0" err="1"/>
+              <a:t>Patterns</a:t>
+            </a:r>
+            <a:endParaRPr lang="sv-SE" dirty="0"/>
+          </a:p>
+        </p:txBody>
+      </p:sp>
+      <p:sp>
+        <p:nvSpPr>
+          <p:cNvPr id="3" name="Content Placeholder 2"/>
           <p:cNvSpPr>
             <a:spLocks noGrp="1"/>
           </p:cNvSpPr>
@@ -13097,50 +11912,41 @@
           <a:p>
             <a:r>
               <a:rPr lang="en-US" dirty="0"/>
-              <a:t>Design Patterns: Elements of Reusable Object-Oriented Software</a:t>
-            </a:r>
-            <a:r>
-              <a:rPr lang="hu-HU" dirty="0"/>
-              <a:t> (1994)</a:t>
-            </a:r>
-            <a:endParaRPr lang="sv-SE" dirty="0"/>
-          </a:p>
-          <a:p>
-            <a:r>
-              <a:rPr lang="hu-HU" dirty="0"/>
-              <a:t>Head First Design </a:t>
-            </a:r>
-            <a:r>
-              <a:rPr lang="hu-HU" dirty="0" err="1"/>
-              <a:t>Patterns</a:t>
-            </a:r>
-            <a:endParaRPr lang="hu-HU" dirty="0"/>
-          </a:p>
-          <a:p>
-            <a:r>
-              <a:rPr lang="hu-HU" dirty="0" err="1"/>
-              <a:t>PluralSight</a:t>
-            </a:r>
-            <a:r>
-              <a:rPr lang="hu-HU" dirty="0"/>
-              <a:t> – Design </a:t>
-            </a:r>
-            <a:r>
-              <a:rPr lang="hu-HU" dirty="0" err="1"/>
-              <a:t>Patterns</a:t>
-            </a:r>
-            <a:r>
-              <a:rPr lang="hu-HU" dirty="0"/>
-              <a:t> </a:t>
-            </a:r>
-            <a:r>
-              <a:rPr lang="hu-HU" dirty="0" err="1"/>
-              <a:t>Library</a:t>
-            </a:r>
-            <a:endParaRPr lang="hu-HU" dirty="0"/>
-          </a:p>
-          <a:p>
-            <a:endParaRPr lang="hu-HU" dirty="0"/>
+              <a:t>Often the component-parent link is used for a </a:t>
+            </a:r>
+            <a:r>
+              <a:rPr lang="en-US" b="1" dirty="0"/>
+              <a:t>Chain of Responsibility</a:t>
+            </a:r>
+          </a:p>
+          <a:p>
+            <a:r>
+              <a:rPr lang="en-US" b="1" dirty="0"/>
+              <a:t>Decorator</a:t>
+            </a:r>
+            <a:r>
+              <a:rPr lang="en-US" dirty="0"/>
+              <a:t> is often used with Composite. When decorators and composites are used together, they will usually have a common parent class. So decorators will have to support the Component interface with operations like Add, Remove, and </a:t>
+            </a:r>
+            <a:r>
+              <a:rPr lang="sv-SE" dirty="0" err="1"/>
+              <a:t>GetChild</a:t>
+            </a:r>
+            <a:r>
+              <a:rPr lang="sv-SE" dirty="0"/>
+              <a:t>.</a:t>
+            </a:r>
+          </a:p>
+          <a:p>
+            <a:r>
+              <a:rPr lang="en-US" b="1" dirty="0"/>
+              <a:t>Iterator</a:t>
+            </a:r>
+            <a:r>
+              <a:rPr lang="en-US" dirty="0"/>
+              <a:t> can be used to traverse composites. E.g.: when child ordering is important, we can use iterator pattern.</a:t>
+            </a:r>
+            <a:endParaRPr lang="sv-SE" b="1" dirty="0"/>
           </a:p>
         </p:txBody>
       </p:sp>
@@ -13170,7 +11976,7 @@
     </p:spTree>
     <p:extLst>
       <p:ext uri="{BB962C8B-B14F-4D97-AF65-F5344CB8AC3E}">
-        <p14:creationId xmlns:p14="http://schemas.microsoft.com/office/powerpoint/2010/main" val="2474760466"/>
+        <p14:creationId xmlns:p14="http://schemas.microsoft.com/office/powerpoint/2010/main" val="905585483"/>
       </p:ext>
     </p:extLst>
   </p:cSld>
@@ -13207,6 +12013,146 @@
             <p:ph type="title"/>
           </p:nvPr>
         </p:nvSpPr>
+        <p:spPr/>
+        <p:txBody>
+          <a:bodyPr/>
+          <a:lstStyle/>
+          <a:p>
+            <a:r>
+              <a:rPr lang="hu-HU" dirty="0" err="1"/>
+              <a:t>References</a:t>
+            </a:r>
+            <a:endParaRPr lang="hu-HU" dirty="0"/>
+          </a:p>
+        </p:txBody>
+      </p:sp>
+      <p:sp>
+        <p:nvSpPr>
+          <p:cNvPr id="3" name="Tartalom helye 2"/>
+          <p:cNvSpPr>
+            <a:spLocks noGrp="1"/>
+          </p:cNvSpPr>
+          <p:nvPr>
+            <p:ph idx="1"/>
+          </p:nvPr>
+        </p:nvSpPr>
+        <p:spPr/>
+        <p:txBody>
+          <a:bodyPr/>
+          <a:lstStyle/>
+          <a:p>
+            <a:r>
+              <a:rPr lang="en-US" dirty="0"/>
+              <a:t>Design Patterns: Elements of Reusable Object-Oriented Software</a:t>
+            </a:r>
+            <a:r>
+              <a:rPr lang="hu-HU" dirty="0"/>
+              <a:t> (1994)</a:t>
+            </a:r>
+            <a:endParaRPr lang="sv-SE" dirty="0"/>
+          </a:p>
+          <a:p>
+            <a:r>
+              <a:rPr lang="hu-HU" dirty="0"/>
+              <a:t>Head First Design </a:t>
+            </a:r>
+            <a:r>
+              <a:rPr lang="hu-HU" dirty="0" err="1"/>
+              <a:t>Patterns</a:t>
+            </a:r>
+            <a:endParaRPr lang="hu-HU" dirty="0"/>
+          </a:p>
+          <a:p>
+            <a:r>
+              <a:rPr lang="hu-HU" dirty="0" err="1"/>
+              <a:t>PluralSight</a:t>
+            </a:r>
+            <a:r>
+              <a:rPr lang="hu-HU" dirty="0"/>
+              <a:t> – Design </a:t>
+            </a:r>
+            <a:r>
+              <a:rPr lang="hu-HU" dirty="0" err="1"/>
+              <a:t>Patterns</a:t>
+            </a:r>
+            <a:r>
+              <a:rPr lang="hu-HU" dirty="0"/>
+              <a:t> </a:t>
+            </a:r>
+            <a:r>
+              <a:rPr lang="hu-HU" dirty="0" err="1"/>
+              <a:t>Library</a:t>
+            </a:r>
+            <a:endParaRPr lang="hu-HU" dirty="0"/>
+          </a:p>
+          <a:p>
+            <a:endParaRPr lang="hu-HU" dirty="0"/>
+          </a:p>
+        </p:txBody>
+      </p:sp>
+      <p:sp>
+        <p:nvSpPr>
+          <p:cNvPr id="4" name="Slide Number Placeholder 3"/>
+          <p:cNvSpPr>
+            <a:spLocks noGrp="1"/>
+          </p:cNvSpPr>
+          <p:nvPr>
+            <p:ph type="sldNum" sz="quarter" idx="12"/>
+          </p:nvPr>
+        </p:nvSpPr>
+        <p:spPr/>
+        <p:txBody>
+          <a:bodyPr/>
+          <a:lstStyle/>
+          <a:p>
+            <a:fld id="{F28C9355-BD38-4B88-A605-51440FB067EA}" type="slidenum">
+              <a:rPr lang="hu-HU" smtClean="0"/>
+              <a:t>25</a:t>
+            </a:fld>
+            <a:endParaRPr lang="hu-HU"/>
+          </a:p>
+        </p:txBody>
+      </p:sp>
+    </p:spTree>
+    <p:extLst>
+      <p:ext uri="{BB962C8B-B14F-4D97-AF65-F5344CB8AC3E}">
+        <p14:creationId xmlns:p14="http://schemas.microsoft.com/office/powerpoint/2010/main" val="2474760466"/>
+      </p:ext>
+    </p:extLst>
+  </p:cSld>
+  <p:clrMapOvr>
+    <a:masterClrMapping/>
+  </p:clrMapOvr>
+</p:sld>
+</file>
+
+<file path=ppt/slides/slide26.xml><?xml version="1.0" encoding="utf-8"?>
+<p:sld xmlns:a="http://schemas.openxmlformats.org/drawingml/2006/main" xmlns:r="http://schemas.openxmlformats.org/officeDocument/2006/relationships" xmlns:p="http://schemas.openxmlformats.org/presentationml/2006/main">
+  <p:cSld>
+    <p:spTree>
+      <p:nvGrpSpPr>
+        <p:cNvPr id="1" name=""/>
+        <p:cNvGrpSpPr/>
+        <p:nvPr/>
+      </p:nvGrpSpPr>
+      <p:grpSpPr>
+        <a:xfrm>
+          <a:off x="0" y="0"/>
+          <a:ext cx="0" cy="0"/>
+          <a:chOff x="0" y="0"/>
+          <a:chExt cx="0" cy="0"/>
+        </a:xfrm>
+      </p:grpSpPr>
+      <p:sp>
+        <p:nvSpPr>
+          <p:cNvPr id="2" name="Cím 1"/>
+          <p:cNvSpPr>
+            <a:spLocks noGrp="1"/>
+          </p:cNvSpPr>
+          <p:nvPr>
+            <p:ph type="title"/>
+          </p:nvPr>
+        </p:nvSpPr>
         <p:spPr>
           <a:xfrm>
             <a:off x="740924" y="2816495"/>
@@ -13244,7 +12190,7 @@
           <a:p>
             <a:fld id="{F28C9355-BD38-4B88-A605-51440FB067EA}" type="slidenum">
               <a:rPr lang="hu-HU" smtClean="0"/>
-              <a:t>25</a:t>
+              <a:t>26</a:t>
             </a:fld>
             <a:endParaRPr lang="hu-HU"/>
           </a:p>
@@ -14055,15 +13001,7 @@
           <a:p>
             <a:r>
               <a:rPr lang="hu-HU" dirty="0"/>
-              <a:t>New </a:t>
-            </a:r>
-            <a:r>
-              <a:rPr lang="hu-HU" dirty="0" err="1"/>
-              <a:t>requirements</a:t>
-            </a:r>
-            <a:r>
-              <a:rPr lang="hu-HU" dirty="0"/>
-              <a:t>:</a:t>
+              <a:t>New requirement:</a:t>
             </a:r>
           </a:p>
           <a:p>
@@ -14405,32 +13343,6 @@
           </a:p>
         </p:txBody>
       </p:sp>
-      <p:pic>
-        <p:nvPicPr>
-          <p:cNvPr id="5" name="Tartalom helye 4"/>
-          <p:cNvPicPr>
-            <a:picLocks noGrp="1" noChangeAspect="1"/>
-          </p:cNvPicPr>
-          <p:nvPr>
-            <p:ph idx="1"/>
-          </p:nvPr>
-        </p:nvPicPr>
-        <p:blipFill>
-          <a:blip r:embed="rId3"/>
-          <a:stretch>
-            <a:fillRect/>
-          </a:stretch>
-        </p:blipFill>
-        <p:spPr>
-          <a:xfrm>
-            <a:off x="13257532" y="1138369"/>
-            <a:ext cx="7126379" cy="5321030"/>
-          </a:xfrm>
-          <a:prstGeom prst="rect">
-            <a:avLst/>
-          </a:prstGeom>
-        </p:spPr>
-      </p:pic>
       <p:sp>
         <p:nvSpPr>
           <p:cNvPr id="4" name="Dia számának helye 3"/>
@@ -14463,7 +13375,7 @@
           <p:nvPr/>
         </p:nvPicPr>
         <p:blipFill>
-          <a:blip r:embed="rId4">
+          <a:blip r:embed="rId3">
             <a:extLst>
               <a:ext uri="{28A0092B-C50C-407E-A947-70E740481C1C}">
                 <a14:useLocalDpi xmlns:a14="http://schemas.microsoft.com/office/drawing/2010/main" val="0"/>
